--- a/translations/en-us/beginner/PortView.pptx
+++ b/translations/en-us/beginner/PortView.pptx
@@ -2,7 +2,8 @@
 <file path=ppt/presentation.xml><?xml version="1.0" encoding="utf-8"?>
 <p:presentation xmlns:a="http://schemas.openxmlformats.org/drawingml/2006/main" xmlns:r="http://schemas.openxmlformats.org/officeDocument/2006/relationships" xmlns:p="http://schemas.openxmlformats.org/presentationml/2006/main" showSpecialPlsOnTitleSld="0" saveSubsetFonts="1" autoCompressPictures="0">
   <p:sldMasterIdLst>
-    <p:sldMasterId id="2147483714" r:id="rId1"/>
+    <p:sldMasterId id="2147483726" r:id="rId1"/>
+    <p:sldMasterId id="2147483738" r:id="rId2"/>
   </p:sldMasterIdLst>
   <p:notesMasterIdLst>
     <p:notesMasterId r:id="rId11"/>
@@ -11,12 +12,11 @@
     <p:handoutMasterId r:id="rId12"/>
   </p:handoutMasterIdLst>
   <p:sldIdLst>
-    <p:sldId id="403" r:id="rId2"/>
-    <p:sldId id="407" r:id="rId3"/>
-    <p:sldId id="408" r:id="rId4"/>
-    <p:sldId id="409" r:id="rId5"/>
-    <p:sldId id="410" r:id="rId6"/>
-    <p:sldId id="413" r:id="rId7"/>
+    <p:sldId id="415" r:id="rId3"/>
+    <p:sldId id="407" r:id="rId4"/>
+    <p:sldId id="408" r:id="rId5"/>
+    <p:sldId id="409" r:id="rId6"/>
+    <p:sldId id="410" r:id="rId7"/>
     <p:sldId id="414" r:id="rId8"/>
     <p:sldId id="411" r:id="rId9"/>
     <p:sldId id="404" r:id="rId10"/>
@@ -219,7 +219,7 @@
           <a:p>
             <a:fld id="{F8D9B3D7-15CB-9343-AA49-EFB5A8F33F18}" type="datetimeFigureOut">
               <a:rPr lang="en-US" smtClean="0"/>
-              <a:t>11/4/15</a:t>
+              <a:t>7/4/16</a:t>
             </a:fld>
             <a:endParaRPr lang="en-US"/>
           </a:p>
@@ -385,7 +385,7 @@
           <a:p>
             <a:fld id="{FD3EFF1E-85A1-6640-AFB9-C38833E80A84}" type="datetimeFigureOut">
               <a:rPr lang="en-US" smtClean="0"/>
-              <a:t>11/4/15</a:t>
+              <a:t>7/4/16</a:t>
             </a:fld>
             <a:endParaRPr lang="en-US"/>
           </a:p>
@@ -719,7 +719,7 @@
           <a:p>
             <a:fld id="{13967457-1E83-1040-AFF7-8D09C473DBD5}" type="slidenum">
               <a:rPr lang="en-US" smtClean="0"/>
-              <a:t>1</a:t>
+              <a:t>2</a:t>
             </a:fld>
             <a:endParaRPr lang="en-US"/>
           </a:p>
@@ -728,7 +728,7 @@
     </p:spTree>
     <p:extLst>
       <p:ext uri="{BB962C8B-B14F-4D97-AF65-F5344CB8AC3E}">
-        <p14:creationId xmlns:p14="http://schemas.microsoft.com/office/powerpoint/2010/main" val="4203131312"/>
+        <p14:creationId xmlns:p14="http://schemas.microsoft.com/office/powerpoint/2010/main" val="1853529562"/>
       </p:ext>
     </p:extLst>
   </p:cSld>
@@ -887,7 +887,7 @@
           <a:p>
             <a:fld id="{13967457-1E83-1040-AFF7-8D09C473DBD5}" type="slidenum">
               <a:rPr lang="en-US" smtClean="0"/>
-              <a:t>8</a:t>
+              <a:t>7</a:t>
             </a:fld>
             <a:endParaRPr lang="en-US"/>
           </a:p>
@@ -907,7 +907,7 @@
 </file>
 
 <file path=ppt/slideLayouts/slideLayout1.xml><?xml version="1.0" encoding="utf-8"?>
-<p:sldLayout xmlns:a="http://schemas.openxmlformats.org/drawingml/2006/main" xmlns:r="http://schemas.openxmlformats.org/officeDocument/2006/relationships" xmlns:p="http://schemas.openxmlformats.org/presentationml/2006/main" showMasterSp="0" type="title" preserve="1">
+<p:sldLayout xmlns:a="http://schemas.openxmlformats.org/drawingml/2006/main" xmlns:r="http://schemas.openxmlformats.org/officeDocument/2006/relationships" xmlns:p="http://schemas.openxmlformats.org/presentationml/2006/main" showMasterSp="0" preserve="1">
   <p:cSld name="Title Slide">
     <p:spTree>
       <p:nvGrpSpPr>
@@ -925,67 +925,26 @@
       </p:grpSpPr>
       <p:sp>
         <p:nvSpPr>
-          <p:cNvPr id="2" name="Title 1"/>
-          <p:cNvSpPr>
-            <a:spLocks noGrp="1"/>
-          </p:cNvSpPr>
-          <p:nvPr>
-            <p:ph type="ctrTitle"/>
+          <p:cNvPr id="3" name="Subtitle 2"/>
+          <p:cNvSpPr>
+            <a:spLocks noGrp="1"/>
+          </p:cNvSpPr>
+          <p:nvPr>
+            <p:ph type="subTitle" idx="1"/>
           </p:nvPr>
         </p:nvSpPr>
         <p:spPr>
           <a:xfrm>
-            <a:off x="457200" y="228600"/>
-            <a:ext cx="7772400" cy="4571999"/>
-          </a:xfrm>
-        </p:spPr>
-        <p:txBody>
-          <a:bodyPr anchor="ctr">
-            <a:noAutofit/>
-          </a:bodyPr>
+            <a:off x="1132517" y="3427224"/>
+            <a:ext cx="6858000" cy="914400"/>
+          </a:xfrm>
+        </p:spPr>
+        <p:txBody>
+          <a:bodyPr/>
           <a:lstStyle>
-            <a:lvl1pPr>
-              <a:lnSpc>
-                <a:spcPct val="100000"/>
-              </a:lnSpc>
-              <a:defRPr sz="8800" spc="-80" baseline="0">
-                <a:solidFill>
-                  <a:schemeClr val="tx1"/>
-                </a:solidFill>
-              </a:defRPr>
-            </a:lvl1pPr>
-          </a:lstStyle>
-          <a:p>
-            <a:r>
-              <a:rPr lang="en-US" smtClean="0"/>
-              <a:t>Click to edit Master title style</a:t>
-            </a:r>
-            <a:endParaRPr lang="en-US" dirty="0"/>
-          </a:p>
-        </p:txBody>
-      </p:sp>
-      <p:sp>
-        <p:nvSpPr>
-          <p:cNvPr id="3" name="Subtitle 2"/>
-          <p:cNvSpPr>
-            <a:spLocks noGrp="1"/>
-          </p:cNvSpPr>
-          <p:nvPr>
-            <p:ph type="subTitle" idx="1"/>
-          </p:nvPr>
-        </p:nvSpPr>
-        <p:spPr>
-          <a:xfrm>
-            <a:off x="457200" y="4800600"/>
-            <a:ext cx="6858000" cy="914400"/>
-          </a:xfrm>
-        </p:spPr>
-        <p:txBody>
-          <a:bodyPr/>
-          <a:lstStyle>
-            <a:lvl1pPr marL="0" indent="0" algn="l">
-              <a:buNone/>
-              <a:defRPr b="0" cap="all" spc="120" baseline="0">
+            <a:lvl1pPr marL="0" indent="0" algn="ctr">
+              <a:buNone/>
+              <a:defRPr b="0" cap="none" spc="120" baseline="0">
                 <a:solidFill>
                   <a:schemeClr val="tx2"/>
                 </a:solidFill>
@@ -1097,9 +1056,9 @@
           <a:bodyPr/>
           <a:lstStyle/>
           <a:p>
-            <a:fld id="{A1B1CCAE-787B-5544-8FC9-55643455A7D7}" type="datetime1">
-              <a:rPr lang="en-US" smtClean="0"/>
-              <a:t>11/4/15</a:t>
+            <a:fld id="{5B02A542-A347-7C4E-84B7-C69E7B921E8E}" type="datetime1">
+              <a:rPr lang="en-US" smtClean="0"/>
+              <a:t>7/4/16</a:t>
             </a:fld>
             <a:endParaRPr lang="en-US"/>
           </a:p>
@@ -1115,14 +1074,19 @@
             <p:ph type="ftr" sz="quarter" idx="11"/>
           </p:nvPr>
         </p:nvSpPr>
-        <p:spPr/>
-        <p:txBody>
-          <a:bodyPr/>
-          <a:lstStyle/>
-          <a:p>
-            <a:r>
-              <a:rPr lang="en-US" smtClean="0"/>
-              <a:t>© EV3Lessons.com, 2015, (Last edit: 11/04/2015)</a:t>
+        <p:spPr>
+          <a:xfrm>
+            <a:off x="457200" y="6492875"/>
+            <a:ext cx="3945988" cy="282095"/>
+          </a:xfrm>
+        </p:spPr>
+        <p:txBody>
+          <a:bodyPr/>
+          <a:lstStyle/>
+          <a:p>
+            <a:r>
+              <a:rPr lang="en-US" smtClean="0"/>
+              <a:t>© EV3Lessons.com, 2016, (Last edit: 7/04/2016)</a:t>
             </a:r>
             <a:endParaRPr lang="en-US"/>
           </a:p>
@@ -1140,9 +1104,12 @@
         </p:nvSpPr>
         <p:spPr>
           <a:xfrm>
-            <a:off x="8338268" y="6477001"/>
-            <a:ext cx="574937" cy="283931"/>
-          </a:xfrm>
+            <a:off x="8484242" y="6341733"/>
+            <a:ext cx="588319" cy="365125"/>
+          </a:xfrm>
+          <a:prstGeom prst="rect">
+            <a:avLst/>
+          </a:prstGeom>
         </p:spPr>
         <p:txBody>
           <a:bodyPr/>
@@ -1168,11 +1135,11 @@
         <p:nvSpPr>
           <p:cNvPr id="11" name="Rectangle 10"/>
           <p:cNvSpPr/>
-          <p:nvPr userDrawn="1"/>
+          <p:nvPr/>
         </p:nvSpPr>
         <p:spPr>
           <a:xfrm>
-            <a:off x="9004705" y="2895600"/>
+            <a:off x="8996106" y="2895600"/>
             <a:ext cx="147895" cy="3962400"/>
           </a:xfrm>
           <a:prstGeom prst="rect">
@@ -1201,23 +1168,16 @@
             <a:schemeClr val="lt1"/>
           </a:fontRef>
         </p:style>
-        <p:txBody>
-          <a:bodyPr/>
-          <a:lstStyle/>
-          <a:p>
-            <a:endParaRPr lang="en-US"/>
-          </a:p>
-        </p:txBody>
       </p:sp>
       <p:sp>
         <p:nvSpPr>
           <p:cNvPr id="12" name="Rectangle 11"/>
           <p:cNvSpPr/>
-          <p:nvPr userDrawn="1"/>
+          <p:nvPr/>
         </p:nvSpPr>
         <p:spPr>
           <a:xfrm>
-            <a:off x="8967641" y="0"/>
+            <a:off x="8959042" y="0"/>
             <a:ext cx="184958" cy="2895600"/>
           </a:xfrm>
           <a:prstGeom prst="rect">
@@ -1246,23 +1206,16 @@
             <a:schemeClr val="lt1"/>
           </a:fontRef>
         </p:style>
-        <p:txBody>
-          <a:bodyPr/>
-          <a:lstStyle/>
-          <a:p>
-            <a:endParaRPr lang="en-US"/>
-          </a:p>
-        </p:txBody>
       </p:sp>
       <p:sp>
         <p:nvSpPr>
           <p:cNvPr id="13" name="Rectangle 12"/>
           <p:cNvSpPr/>
-          <p:nvPr userDrawn="1"/>
+          <p:nvPr/>
         </p:nvSpPr>
         <p:spPr>
           <a:xfrm>
-            <a:off x="8931737" y="0"/>
+            <a:off x="8904666" y="0"/>
             <a:ext cx="91440" cy="6858000"/>
           </a:xfrm>
           <a:prstGeom prst="rect">
@@ -1291,6 +1244,245 @@
             <a:schemeClr val="lt1"/>
           </a:fontRef>
         </p:style>
+      </p:sp>
+      <p:pic>
+        <p:nvPicPr>
+          <p:cNvPr id="10" name="Picture 2" descr="EV3Lessons.com"/>
+          <p:cNvPicPr>
+            <a:picLocks noChangeAspect="1" noChangeArrowheads="1"/>
+          </p:cNvPicPr>
+          <p:nvPr/>
+        </p:nvPicPr>
+        <p:blipFill>
+          <a:blip r:embed="rId2">
+            <a:extLst>
+              <a:ext uri="{28A0092B-C50C-407E-A947-70E740481C1C}">
+                <a14:useLocalDpi xmlns:a14="http://schemas.microsoft.com/office/drawing/2010/main" val="0"/>
+              </a:ext>
+            </a:extLst>
+          </a:blip>
+          <a:srcRect/>
+          <a:stretch>
+            <a:fillRect/>
+          </a:stretch>
+        </p:blipFill>
+        <p:spPr bwMode="auto">
+          <a:xfrm>
+            <a:off x="690896" y="400415"/>
+            <a:ext cx="7741243" cy="2875320"/>
+          </a:xfrm>
+          <a:prstGeom prst="rect">
+            <a:avLst/>
+          </a:prstGeom>
+          <a:noFill/>
+          <a:extLst>
+            <a:ext uri="{909E8E84-426E-40dd-AFC4-6F175D3DCCD1}">
+              <a14:hiddenFill xmlns="" xmlns:a14="http://schemas.microsoft.com/office/drawing/2010/main">
+                <a:solidFill>
+                  <a:srgbClr val="FFFFFF"/>
+                </a:solidFill>
+              </a14:hiddenFill>
+            </a:ext>
+          </a:extLst>
+        </p:spPr>
+      </p:pic>
+      <p:sp>
+        <p:nvSpPr>
+          <p:cNvPr id="14" name="Title 1"/>
+          <p:cNvSpPr>
+            <a:spLocks noGrp="1"/>
+          </p:cNvSpPr>
+          <p:nvPr>
+            <p:ph type="ctrTitle"/>
+          </p:nvPr>
+        </p:nvSpPr>
+        <p:spPr>
+          <a:xfrm>
+            <a:off x="502903" y="5741850"/>
+            <a:ext cx="8117227" cy="602769"/>
+          </a:xfrm>
+        </p:spPr>
+        <p:txBody>
+          <a:bodyPr>
+            <a:noAutofit/>
+          </a:bodyPr>
+          <a:lstStyle>
+            <a:lvl1pPr>
+              <a:defRPr sz="2800"/>
+            </a:lvl1pPr>
+          </a:lstStyle>
+          <a:p>
+            <a:pPr algn="ctr"/>
+            <a:r>
+              <a:rPr lang="en-US" sz="3200" smtClean="0"/>
+              <a:t>Click to edit Master title style</a:t>
+            </a:r>
+            <a:endParaRPr lang="en-US" sz="3200" dirty="0"/>
+          </a:p>
+        </p:txBody>
+      </p:sp>
+      <p:sp>
+        <p:nvSpPr>
+          <p:cNvPr id="15" name="TextBox 14"/>
+          <p:cNvSpPr txBox="1"/>
+          <p:nvPr/>
+        </p:nvSpPr>
+        <p:spPr>
+          <a:xfrm>
+            <a:off x="2078568" y="4119917"/>
+            <a:ext cx="4965896" cy="369332"/>
+          </a:xfrm>
+          <a:prstGeom prst="rect">
+            <a:avLst/>
+          </a:prstGeom>
+          <a:noFill/>
+        </p:spPr>
+        <p:txBody>
+          <a:bodyPr wrap="square" rtlCol="0">
+            <a:spAutoFit/>
+          </a:bodyPr>
+          <a:lstStyle/>
+          <a:p>
+            <a:pPr algn="ctr"/>
+            <a:r>
+              <a:rPr lang="en-US" dirty="0" smtClean="0"/>
+              <a:t>By Sanjay and Arvind </a:t>
+            </a:r>
+            <a:r>
+              <a:rPr lang="en-US" dirty="0" err="1" smtClean="0"/>
+              <a:t>Seshan</a:t>
+            </a:r>
+            <a:endParaRPr lang="en-US" dirty="0"/>
+          </a:p>
+        </p:txBody>
+      </p:sp>
+      <p:sp>
+        <p:nvSpPr>
+          <p:cNvPr id="16" name="Rectangle 15"/>
+          <p:cNvSpPr/>
+          <p:nvPr userDrawn="1"/>
+        </p:nvSpPr>
+        <p:spPr>
+          <a:xfrm>
+            <a:off x="9004705" y="2895600"/>
+            <a:ext cx="147895" cy="3962400"/>
+          </a:xfrm>
+          <a:prstGeom prst="rect">
+            <a:avLst/>
+          </a:prstGeom>
+          <a:solidFill>
+            <a:srgbClr val="92D050"/>
+          </a:solidFill>
+          <a:ln>
+            <a:noFill/>
+          </a:ln>
+        </p:spPr>
+        <p:style>
+          <a:lnRef idx="2">
+            <a:schemeClr val="accent1">
+              <a:shade val="50000"/>
+            </a:schemeClr>
+          </a:lnRef>
+          <a:fillRef idx="1">
+            <a:schemeClr val="accent1"/>
+          </a:fillRef>
+          <a:effectRef idx="0">
+            <a:schemeClr val="accent1"/>
+          </a:effectRef>
+          <a:fontRef idx="minor">
+            <a:schemeClr val="lt1"/>
+          </a:fontRef>
+        </p:style>
+        <p:txBody>
+          <a:bodyPr/>
+          <a:lstStyle/>
+          <a:p>
+            <a:endParaRPr lang="en-US"/>
+          </a:p>
+        </p:txBody>
+      </p:sp>
+      <p:sp>
+        <p:nvSpPr>
+          <p:cNvPr id="17" name="Rectangle 16"/>
+          <p:cNvSpPr/>
+          <p:nvPr userDrawn="1"/>
+        </p:nvSpPr>
+        <p:spPr>
+          <a:xfrm>
+            <a:off x="8967641" y="0"/>
+            <a:ext cx="184958" cy="2895600"/>
+          </a:xfrm>
+          <a:prstGeom prst="rect">
+            <a:avLst/>
+          </a:prstGeom>
+          <a:solidFill>
+            <a:srgbClr val="7030A0"/>
+          </a:solidFill>
+          <a:ln>
+            <a:noFill/>
+          </a:ln>
+        </p:spPr>
+        <p:style>
+          <a:lnRef idx="2">
+            <a:schemeClr val="accent1">
+              <a:shade val="50000"/>
+            </a:schemeClr>
+          </a:lnRef>
+          <a:fillRef idx="1">
+            <a:schemeClr val="accent1"/>
+          </a:fillRef>
+          <a:effectRef idx="0">
+            <a:schemeClr val="accent1"/>
+          </a:effectRef>
+          <a:fontRef idx="minor">
+            <a:schemeClr val="lt1"/>
+          </a:fontRef>
+        </p:style>
+        <p:txBody>
+          <a:bodyPr/>
+          <a:lstStyle/>
+          <a:p>
+            <a:endParaRPr lang="en-US"/>
+          </a:p>
+        </p:txBody>
+      </p:sp>
+      <p:sp>
+        <p:nvSpPr>
+          <p:cNvPr id="18" name="Rectangle 17"/>
+          <p:cNvSpPr/>
+          <p:nvPr userDrawn="1"/>
+        </p:nvSpPr>
+        <p:spPr>
+          <a:xfrm>
+            <a:off x="8931737" y="0"/>
+            <a:ext cx="91440" cy="6858000"/>
+          </a:xfrm>
+          <a:prstGeom prst="rect">
+            <a:avLst/>
+          </a:prstGeom>
+          <a:solidFill>
+            <a:srgbClr val="0070C0"/>
+          </a:solidFill>
+          <a:ln>
+            <a:noFill/>
+          </a:ln>
+        </p:spPr>
+        <p:style>
+          <a:lnRef idx="2">
+            <a:schemeClr val="accent1">
+              <a:shade val="50000"/>
+            </a:schemeClr>
+          </a:lnRef>
+          <a:fillRef idx="1">
+            <a:schemeClr val="accent1"/>
+          </a:fillRef>
+          <a:effectRef idx="0">
+            <a:schemeClr val="accent1"/>
+          </a:effectRef>
+          <a:fontRef idx="minor">
+            <a:schemeClr val="lt1"/>
+          </a:fontRef>
+        </p:style>
         <p:txBody>
           <a:bodyPr/>
           <a:lstStyle/>
@@ -1300,10 +1492,22 @@
         </p:txBody>
       </p:sp>
     </p:spTree>
+    <p:extLst>
+      <p:ext uri="{BB962C8B-B14F-4D97-AF65-F5344CB8AC3E}">
+        <p14:creationId xmlns:p14="http://schemas.microsoft.com/office/powerpoint/2010/main" val="1239234286"/>
+      </p:ext>
+    </p:extLst>
   </p:cSld>
   <p:clrMapOvr>
     <a:masterClrMapping/>
   </p:clrMapOvr>
+  <p:timing>
+    <p:tnLst>
+      <p:par>
+        <p:cTn id="1" dur="indefinite" restart="never" nodeType="tmRoot"/>
+      </p:par>
+    </p:tnLst>
+  </p:timing>
 </p:sldLayout>
 </file>
 
@@ -1414,9 +1618,9 @@
           <a:bodyPr/>
           <a:lstStyle/>
           <a:p>
-            <a:fld id="{F4FAEEB4-AFDD-814F-A366-0DAEAF3E51E6}" type="datetime1">
-              <a:rPr lang="en-US" smtClean="0"/>
-              <a:t>11/4/15</a:t>
+            <a:fld id="{D870FF91-69EB-A04C-9075-744B7A39257F}" type="datetime1">
+              <a:rPr lang="en-US" smtClean="0"/>
+              <a:t>7/4/16</a:t>
             </a:fld>
             <a:endParaRPr lang="en-US"/>
           </a:p>
@@ -1439,7 +1643,7 @@
           <a:p>
             <a:r>
               <a:rPr lang="en-US" smtClean="0"/>
-              <a:t>© EV3Lessons.com, 2015, (Last edit: 11/04/2015)</a:t>
+              <a:t>© EV3Lessons.com, 2016, (Last edit: 7/04/2016)</a:t>
             </a:r>
             <a:endParaRPr lang="en-US"/>
           </a:p>
@@ -1455,7 +1659,15 @@
             <p:ph type="sldNum" sz="quarter" idx="12"/>
           </p:nvPr>
         </p:nvSpPr>
-        <p:spPr/>
+        <p:spPr>
+          <a:xfrm rot="16200000">
+            <a:off x="8227377" y="5885497"/>
+            <a:ext cx="1315721" cy="365125"/>
+          </a:xfrm>
+          <a:prstGeom prst="rect">
+            <a:avLst/>
+          </a:prstGeom>
+        </p:spPr>
         <p:txBody>
           <a:bodyPr/>
           <a:lstStyle/>
@@ -1469,6 +1681,11 @@
         </p:txBody>
       </p:sp>
     </p:spTree>
+    <p:extLst>
+      <p:ext uri="{BB962C8B-B14F-4D97-AF65-F5344CB8AC3E}">
+        <p14:creationId xmlns:p14="http://schemas.microsoft.com/office/powerpoint/2010/main" val="1007814766"/>
+      </p:ext>
+    </p:extLst>
   </p:cSld>
   <p:clrMapOvr>
     <a:masterClrMapping/>
@@ -1593,9 +1810,9 @@
           <a:bodyPr/>
           <a:lstStyle/>
           <a:p>
-            <a:fld id="{0364111A-4600-2D40-8CC5-2D6DFDE14F11}" type="datetime1">
-              <a:rPr lang="en-US" smtClean="0"/>
-              <a:t>11/4/15</a:t>
+            <a:fld id="{C5531555-486E-2642-8608-DCAD4EE13C81}" type="datetime1">
+              <a:rPr lang="en-US" smtClean="0"/>
+              <a:t>7/4/16</a:t>
             </a:fld>
             <a:endParaRPr lang="en-US"/>
           </a:p>
@@ -1618,7 +1835,7 @@
           <a:p>
             <a:r>
               <a:rPr lang="en-US" smtClean="0"/>
-              <a:t>© EV3Lessons.com, 2015, (Last edit: 11/04/2015)</a:t>
+              <a:t>© EV3Lessons.com, 2016, (Last edit: 7/04/2016)</a:t>
             </a:r>
             <a:endParaRPr lang="en-US"/>
           </a:p>
@@ -1634,7 +1851,15 @@
             <p:ph type="sldNum" sz="quarter" idx="12"/>
           </p:nvPr>
         </p:nvSpPr>
-        <p:spPr/>
+        <p:spPr>
+          <a:xfrm rot="16200000">
+            <a:off x="8227377" y="5885497"/>
+            <a:ext cx="1315721" cy="365125"/>
+          </a:xfrm>
+          <a:prstGeom prst="rect">
+            <a:avLst/>
+          </a:prstGeom>
+        </p:spPr>
         <p:txBody>
           <a:bodyPr/>
           <a:lstStyle/>
@@ -1648,6 +1873,1740 @@
         </p:txBody>
       </p:sp>
     </p:spTree>
+    <p:extLst>
+      <p:ext uri="{BB962C8B-B14F-4D97-AF65-F5344CB8AC3E}">
+        <p14:creationId xmlns:p14="http://schemas.microsoft.com/office/powerpoint/2010/main" val="1139248273"/>
+      </p:ext>
+    </p:extLst>
+  </p:cSld>
+  <p:clrMapOvr>
+    <a:masterClrMapping/>
+  </p:clrMapOvr>
+</p:sldLayout>
+</file>
+
+<file path=ppt/slideLayouts/slideLayout12.xml><?xml version="1.0" encoding="utf-8"?>
+<p:sldLayout xmlns:a="http://schemas.openxmlformats.org/drawingml/2006/main" xmlns:r="http://schemas.openxmlformats.org/officeDocument/2006/relationships" xmlns:p="http://schemas.openxmlformats.org/presentationml/2006/main" type="title" preserve="1">
+  <p:cSld name="Title Slide">
+    <p:spTree>
+      <p:nvGrpSpPr>
+        <p:cNvPr id="1" name=""/>
+        <p:cNvGrpSpPr/>
+        <p:nvPr/>
+      </p:nvGrpSpPr>
+      <p:grpSpPr>
+        <a:xfrm>
+          <a:off x="0" y="0"/>
+          <a:ext cx="0" cy="0"/>
+          <a:chOff x="0" y="0"/>
+          <a:chExt cx="0" cy="0"/>
+        </a:xfrm>
+      </p:grpSpPr>
+      <p:sp>
+        <p:nvSpPr>
+          <p:cNvPr id="2" name="Title 1"/>
+          <p:cNvSpPr>
+            <a:spLocks noGrp="1"/>
+          </p:cNvSpPr>
+          <p:nvPr>
+            <p:ph type="ctrTitle"/>
+          </p:nvPr>
+        </p:nvSpPr>
+        <p:spPr>
+          <a:xfrm>
+            <a:off x="1143000" y="1122363"/>
+            <a:ext cx="6858000" cy="2387600"/>
+          </a:xfrm>
+        </p:spPr>
+        <p:txBody>
+          <a:bodyPr anchor="b"/>
+          <a:lstStyle>
+            <a:lvl1pPr algn="ctr">
+              <a:defRPr sz="6000"/>
+            </a:lvl1pPr>
+          </a:lstStyle>
+          <a:p>
+            <a:r>
+              <a:rPr lang="en-US" smtClean="0"/>
+              <a:t>Click to edit Master title style</a:t>
+            </a:r>
+            <a:endParaRPr lang="en-US"/>
+          </a:p>
+        </p:txBody>
+      </p:sp>
+      <p:sp>
+        <p:nvSpPr>
+          <p:cNvPr id="3" name="Subtitle 2"/>
+          <p:cNvSpPr>
+            <a:spLocks noGrp="1"/>
+          </p:cNvSpPr>
+          <p:nvPr>
+            <p:ph type="subTitle" idx="1"/>
+          </p:nvPr>
+        </p:nvSpPr>
+        <p:spPr>
+          <a:xfrm>
+            <a:off x="1143000" y="3602038"/>
+            <a:ext cx="6858000" cy="1655762"/>
+          </a:xfrm>
+        </p:spPr>
+        <p:txBody>
+          <a:bodyPr/>
+          <a:lstStyle>
+            <a:lvl1pPr marL="0" indent="0" algn="ctr">
+              <a:buNone/>
+              <a:defRPr sz="2400"/>
+            </a:lvl1pPr>
+            <a:lvl2pPr marL="457200" indent="0" algn="ctr">
+              <a:buNone/>
+              <a:defRPr sz="2000"/>
+            </a:lvl2pPr>
+            <a:lvl3pPr marL="914400" indent="0" algn="ctr">
+              <a:buNone/>
+              <a:defRPr sz="1800"/>
+            </a:lvl3pPr>
+            <a:lvl4pPr marL="1371600" indent="0" algn="ctr">
+              <a:buNone/>
+              <a:defRPr sz="1600"/>
+            </a:lvl4pPr>
+            <a:lvl5pPr marL="1828800" indent="0" algn="ctr">
+              <a:buNone/>
+              <a:defRPr sz="1600"/>
+            </a:lvl5pPr>
+            <a:lvl6pPr marL="2286000" indent="0" algn="ctr">
+              <a:buNone/>
+              <a:defRPr sz="1600"/>
+            </a:lvl6pPr>
+            <a:lvl7pPr marL="2743200" indent="0" algn="ctr">
+              <a:buNone/>
+              <a:defRPr sz="1600"/>
+            </a:lvl7pPr>
+            <a:lvl8pPr marL="3200400" indent="0" algn="ctr">
+              <a:buNone/>
+              <a:defRPr sz="1600"/>
+            </a:lvl8pPr>
+            <a:lvl9pPr marL="3657600" indent="0" algn="ctr">
+              <a:buNone/>
+              <a:defRPr sz="1600"/>
+            </a:lvl9pPr>
+          </a:lstStyle>
+          <a:p>
+            <a:r>
+              <a:rPr lang="en-US" smtClean="0"/>
+              <a:t>Click to edit Master subtitle style</a:t>
+            </a:r>
+            <a:endParaRPr lang="en-US"/>
+          </a:p>
+        </p:txBody>
+      </p:sp>
+      <p:sp>
+        <p:nvSpPr>
+          <p:cNvPr id="4" name="Date Placeholder 3"/>
+          <p:cNvSpPr>
+            <a:spLocks noGrp="1"/>
+          </p:cNvSpPr>
+          <p:nvPr>
+            <p:ph type="dt" sz="half" idx="10"/>
+          </p:nvPr>
+        </p:nvSpPr>
+        <p:spPr/>
+        <p:txBody>
+          <a:bodyPr/>
+          <a:lstStyle/>
+          <a:p>
+            <a:fld id="{FCA57077-4167-6949-9D33-F7A9E1AAFA08}" type="datetime1">
+              <a:rPr lang="en-US" smtClean="0"/>
+              <a:t>7/4/16</a:t>
+            </a:fld>
+            <a:endParaRPr lang="en-US"/>
+          </a:p>
+        </p:txBody>
+      </p:sp>
+      <p:sp>
+        <p:nvSpPr>
+          <p:cNvPr id="5" name="Footer Placeholder 4"/>
+          <p:cNvSpPr>
+            <a:spLocks noGrp="1"/>
+          </p:cNvSpPr>
+          <p:nvPr>
+            <p:ph type="ftr" sz="quarter" idx="11"/>
+          </p:nvPr>
+        </p:nvSpPr>
+        <p:spPr/>
+        <p:txBody>
+          <a:bodyPr/>
+          <a:lstStyle/>
+          <a:p>
+            <a:r>
+              <a:rPr lang="en-US" smtClean="0"/>
+              <a:t>© EV3Lessons.com, 2016, (Last edit: 7/04/2016)</a:t>
+            </a:r>
+            <a:endParaRPr lang="en-US"/>
+          </a:p>
+        </p:txBody>
+      </p:sp>
+      <p:sp>
+        <p:nvSpPr>
+          <p:cNvPr id="6" name="Slide Number Placeholder 5"/>
+          <p:cNvSpPr>
+            <a:spLocks noGrp="1"/>
+          </p:cNvSpPr>
+          <p:nvPr>
+            <p:ph type="sldNum" sz="quarter" idx="12"/>
+          </p:nvPr>
+        </p:nvSpPr>
+        <p:spPr/>
+        <p:txBody>
+          <a:bodyPr/>
+          <a:lstStyle/>
+          <a:p>
+            <a:fld id="{DE42E464-3EB8-43C8-8768-9E2AD4F497B7}" type="slidenum">
+              <a:rPr lang="en-US" smtClean="0"/>
+              <a:t>‹#›</a:t>
+            </a:fld>
+            <a:endParaRPr lang="en-US"/>
+          </a:p>
+        </p:txBody>
+      </p:sp>
+    </p:spTree>
+    <p:extLst>
+      <p:ext uri="{BB962C8B-B14F-4D97-AF65-F5344CB8AC3E}">
+        <p14:creationId xmlns:p14="http://schemas.microsoft.com/office/powerpoint/2010/main" val="2096678518"/>
+      </p:ext>
+    </p:extLst>
+  </p:cSld>
+  <p:clrMapOvr>
+    <a:masterClrMapping/>
+  </p:clrMapOvr>
+</p:sldLayout>
+</file>
+
+<file path=ppt/slideLayouts/slideLayout13.xml><?xml version="1.0" encoding="utf-8"?>
+<p:sldLayout xmlns:a="http://schemas.openxmlformats.org/drawingml/2006/main" xmlns:r="http://schemas.openxmlformats.org/officeDocument/2006/relationships" xmlns:p="http://schemas.openxmlformats.org/presentationml/2006/main" type="obj" preserve="1">
+  <p:cSld name="Title and Content">
+    <p:spTree>
+      <p:nvGrpSpPr>
+        <p:cNvPr id="1" name=""/>
+        <p:cNvGrpSpPr/>
+        <p:nvPr/>
+      </p:nvGrpSpPr>
+      <p:grpSpPr>
+        <a:xfrm>
+          <a:off x="0" y="0"/>
+          <a:ext cx="0" cy="0"/>
+          <a:chOff x="0" y="0"/>
+          <a:chExt cx="0" cy="0"/>
+        </a:xfrm>
+      </p:grpSpPr>
+      <p:sp>
+        <p:nvSpPr>
+          <p:cNvPr id="2" name="Title 1"/>
+          <p:cNvSpPr>
+            <a:spLocks noGrp="1"/>
+          </p:cNvSpPr>
+          <p:nvPr>
+            <p:ph type="title"/>
+          </p:nvPr>
+        </p:nvSpPr>
+        <p:spPr/>
+        <p:txBody>
+          <a:bodyPr/>
+          <a:lstStyle/>
+          <a:p>
+            <a:r>
+              <a:rPr lang="en-US" smtClean="0"/>
+              <a:t>Click to edit Master title style</a:t>
+            </a:r>
+            <a:endParaRPr lang="en-US"/>
+          </a:p>
+        </p:txBody>
+      </p:sp>
+      <p:sp>
+        <p:nvSpPr>
+          <p:cNvPr id="3" name="Content Placeholder 2"/>
+          <p:cNvSpPr>
+            <a:spLocks noGrp="1"/>
+          </p:cNvSpPr>
+          <p:nvPr>
+            <p:ph idx="1"/>
+          </p:nvPr>
+        </p:nvSpPr>
+        <p:spPr/>
+        <p:txBody>
+          <a:bodyPr/>
+          <a:lstStyle/>
+          <a:p>
+            <a:pPr lvl="0"/>
+            <a:r>
+              <a:rPr lang="en-US" smtClean="0"/>
+              <a:t>Click to edit Master text styles</a:t>
+            </a:r>
+          </a:p>
+          <a:p>
+            <a:pPr lvl="1"/>
+            <a:r>
+              <a:rPr lang="en-US" smtClean="0"/>
+              <a:t>Second level</a:t>
+            </a:r>
+          </a:p>
+          <a:p>
+            <a:pPr lvl="2"/>
+            <a:r>
+              <a:rPr lang="en-US" smtClean="0"/>
+              <a:t>Third level</a:t>
+            </a:r>
+          </a:p>
+          <a:p>
+            <a:pPr lvl="3"/>
+            <a:r>
+              <a:rPr lang="en-US" smtClean="0"/>
+              <a:t>Fourth level</a:t>
+            </a:r>
+          </a:p>
+          <a:p>
+            <a:pPr lvl="4"/>
+            <a:r>
+              <a:rPr lang="en-US" smtClean="0"/>
+              <a:t>Fifth level</a:t>
+            </a:r>
+            <a:endParaRPr lang="en-US"/>
+          </a:p>
+        </p:txBody>
+      </p:sp>
+      <p:sp>
+        <p:nvSpPr>
+          <p:cNvPr id="4" name="Date Placeholder 3"/>
+          <p:cNvSpPr>
+            <a:spLocks noGrp="1"/>
+          </p:cNvSpPr>
+          <p:nvPr>
+            <p:ph type="dt" sz="half" idx="10"/>
+          </p:nvPr>
+        </p:nvSpPr>
+        <p:spPr/>
+        <p:txBody>
+          <a:bodyPr/>
+          <a:lstStyle/>
+          <a:p>
+            <a:fld id="{9259E369-0BA0-8946-82A6-1B094D310696}" type="datetime1">
+              <a:rPr lang="en-US" smtClean="0"/>
+              <a:t>7/4/16</a:t>
+            </a:fld>
+            <a:endParaRPr lang="en-US"/>
+          </a:p>
+        </p:txBody>
+      </p:sp>
+      <p:sp>
+        <p:nvSpPr>
+          <p:cNvPr id="5" name="Footer Placeholder 4"/>
+          <p:cNvSpPr>
+            <a:spLocks noGrp="1"/>
+          </p:cNvSpPr>
+          <p:nvPr>
+            <p:ph type="ftr" sz="quarter" idx="11"/>
+          </p:nvPr>
+        </p:nvSpPr>
+        <p:spPr/>
+        <p:txBody>
+          <a:bodyPr/>
+          <a:lstStyle/>
+          <a:p>
+            <a:r>
+              <a:rPr lang="en-US" smtClean="0"/>
+              <a:t>© EV3Lessons.com, 2016, (Last edit: 7/04/2016)</a:t>
+            </a:r>
+            <a:endParaRPr lang="en-US"/>
+          </a:p>
+        </p:txBody>
+      </p:sp>
+      <p:sp>
+        <p:nvSpPr>
+          <p:cNvPr id="6" name="Slide Number Placeholder 5"/>
+          <p:cNvSpPr>
+            <a:spLocks noGrp="1"/>
+          </p:cNvSpPr>
+          <p:nvPr>
+            <p:ph type="sldNum" sz="quarter" idx="12"/>
+          </p:nvPr>
+        </p:nvSpPr>
+        <p:spPr/>
+        <p:txBody>
+          <a:bodyPr/>
+          <a:lstStyle/>
+          <a:p>
+            <a:fld id="{DE42E464-3EB8-43C8-8768-9E2AD4F497B7}" type="slidenum">
+              <a:rPr lang="en-US" smtClean="0"/>
+              <a:t>‹#›</a:t>
+            </a:fld>
+            <a:endParaRPr lang="en-US"/>
+          </a:p>
+        </p:txBody>
+      </p:sp>
+    </p:spTree>
+    <p:extLst>
+      <p:ext uri="{BB962C8B-B14F-4D97-AF65-F5344CB8AC3E}">
+        <p14:creationId xmlns:p14="http://schemas.microsoft.com/office/powerpoint/2010/main" val="816688403"/>
+      </p:ext>
+    </p:extLst>
+  </p:cSld>
+  <p:clrMapOvr>
+    <a:masterClrMapping/>
+  </p:clrMapOvr>
+</p:sldLayout>
+</file>
+
+<file path=ppt/slideLayouts/slideLayout14.xml><?xml version="1.0" encoding="utf-8"?>
+<p:sldLayout xmlns:a="http://schemas.openxmlformats.org/drawingml/2006/main" xmlns:r="http://schemas.openxmlformats.org/officeDocument/2006/relationships" xmlns:p="http://schemas.openxmlformats.org/presentationml/2006/main" type="secHead" preserve="1">
+  <p:cSld name="Section Header">
+    <p:spTree>
+      <p:nvGrpSpPr>
+        <p:cNvPr id="1" name=""/>
+        <p:cNvGrpSpPr/>
+        <p:nvPr/>
+      </p:nvGrpSpPr>
+      <p:grpSpPr>
+        <a:xfrm>
+          <a:off x="0" y="0"/>
+          <a:ext cx="0" cy="0"/>
+          <a:chOff x="0" y="0"/>
+          <a:chExt cx="0" cy="0"/>
+        </a:xfrm>
+      </p:grpSpPr>
+      <p:sp>
+        <p:nvSpPr>
+          <p:cNvPr id="2" name="Title 1"/>
+          <p:cNvSpPr>
+            <a:spLocks noGrp="1"/>
+          </p:cNvSpPr>
+          <p:nvPr>
+            <p:ph type="title"/>
+          </p:nvPr>
+        </p:nvSpPr>
+        <p:spPr>
+          <a:xfrm>
+            <a:off x="623888" y="1709738"/>
+            <a:ext cx="7886700" cy="2852737"/>
+          </a:xfrm>
+        </p:spPr>
+        <p:txBody>
+          <a:bodyPr anchor="b"/>
+          <a:lstStyle>
+            <a:lvl1pPr>
+              <a:defRPr sz="6000"/>
+            </a:lvl1pPr>
+          </a:lstStyle>
+          <a:p>
+            <a:r>
+              <a:rPr lang="en-US" smtClean="0"/>
+              <a:t>Click to edit Master title style</a:t>
+            </a:r>
+            <a:endParaRPr lang="en-US"/>
+          </a:p>
+        </p:txBody>
+      </p:sp>
+      <p:sp>
+        <p:nvSpPr>
+          <p:cNvPr id="3" name="Text Placeholder 2"/>
+          <p:cNvSpPr>
+            <a:spLocks noGrp="1"/>
+          </p:cNvSpPr>
+          <p:nvPr>
+            <p:ph type="body" idx="1"/>
+          </p:nvPr>
+        </p:nvSpPr>
+        <p:spPr>
+          <a:xfrm>
+            <a:off x="623888" y="4589463"/>
+            <a:ext cx="7886700" cy="1500187"/>
+          </a:xfrm>
+        </p:spPr>
+        <p:txBody>
+          <a:bodyPr/>
+          <a:lstStyle>
+            <a:lvl1pPr marL="0" indent="0">
+              <a:buNone/>
+              <a:defRPr sz="2400">
+                <a:solidFill>
+                  <a:schemeClr val="tx1">
+                    <a:tint val="75000"/>
+                  </a:schemeClr>
+                </a:solidFill>
+              </a:defRPr>
+            </a:lvl1pPr>
+            <a:lvl2pPr marL="457200" indent="0">
+              <a:buNone/>
+              <a:defRPr sz="2000">
+                <a:solidFill>
+                  <a:schemeClr val="tx1">
+                    <a:tint val="75000"/>
+                  </a:schemeClr>
+                </a:solidFill>
+              </a:defRPr>
+            </a:lvl2pPr>
+            <a:lvl3pPr marL="914400" indent="0">
+              <a:buNone/>
+              <a:defRPr sz="1800">
+                <a:solidFill>
+                  <a:schemeClr val="tx1">
+                    <a:tint val="75000"/>
+                  </a:schemeClr>
+                </a:solidFill>
+              </a:defRPr>
+            </a:lvl3pPr>
+            <a:lvl4pPr marL="1371600" indent="0">
+              <a:buNone/>
+              <a:defRPr sz="1600">
+                <a:solidFill>
+                  <a:schemeClr val="tx1">
+                    <a:tint val="75000"/>
+                  </a:schemeClr>
+                </a:solidFill>
+              </a:defRPr>
+            </a:lvl4pPr>
+            <a:lvl5pPr marL="1828800" indent="0">
+              <a:buNone/>
+              <a:defRPr sz="1600">
+                <a:solidFill>
+                  <a:schemeClr val="tx1">
+                    <a:tint val="75000"/>
+                  </a:schemeClr>
+                </a:solidFill>
+              </a:defRPr>
+            </a:lvl5pPr>
+            <a:lvl6pPr marL="2286000" indent="0">
+              <a:buNone/>
+              <a:defRPr sz="1600">
+                <a:solidFill>
+                  <a:schemeClr val="tx1">
+                    <a:tint val="75000"/>
+                  </a:schemeClr>
+                </a:solidFill>
+              </a:defRPr>
+            </a:lvl6pPr>
+            <a:lvl7pPr marL="2743200" indent="0">
+              <a:buNone/>
+              <a:defRPr sz="1600">
+                <a:solidFill>
+                  <a:schemeClr val="tx1">
+                    <a:tint val="75000"/>
+                  </a:schemeClr>
+                </a:solidFill>
+              </a:defRPr>
+            </a:lvl7pPr>
+            <a:lvl8pPr marL="3200400" indent="0">
+              <a:buNone/>
+              <a:defRPr sz="1600">
+                <a:solidFill>
+                  <a:schemeClr val="tx1">
+                    <a:tint val="75000"/>
+                  </a:schemeClr>
+                </a:solidFill>
+              </a:defRPr>
+            </a:lvl8pPr>
+            <a:lvl9pPr marL="3657600" indent="0">
+              <a:buNone/>
+              <a:defRPr sz="1600">
+                <a:solidFill>
+                  <a:schemeClr val="tx1">
+                    <a:tint val="75000"/>
+                  </a:schemeClr>
+                </a:solidFill>
+              </a:defRPr>
+            </a:lvl9pPr>
+          </a:lstStyle>
+          <a:p>
+            <a:pPr lvl="0"/>
+            <a:r>
+              <a:rPr lang="en-US" smtClean="0"/>
+              <a:t>Click to edit Master text styles</a:t>
+            </a:r>
+          </a:p>
+        </p:txBody>
+      </p:sp>
+      <p:sp>
+        <p:nvSpPr>
+          <p:cNvPr id="4" name="Date Placeholder 3"/>
+          <p:cNvSpPr>
+            <a:spLocks noGrp="1"/>
+          </p:cNvSpPr>
+          <p:nvPr>
+            <p:ph type="dt" sz="half" idx="10"/>
+          </p:nvPr>
+        </p:nvSpPr>
+        <p:spPr/>
+        <p:txBody>
+          <a:bodyPr/>
+          <a:lstStyle/>
+          <a:p>
+            <a:fld id="{53EA75C8-F4B1-E544-9592-442E77C43C21}" type="datetime1">
+              <a:rPr lang="en-US" smtClean="0"/>
+              <a:t>7/4/16</a:t>
+            </a:fld>
+            <a:endParaRPr lang="en-US"/>
+          </a:p>
+        </p:txBody>
+      </p:sp>
+      <p:sp>
+        <p:nvSpPr>
+          <p:cNvPr id="5" name="Footer Placeholder 4"/>
+          <p:cNvSpPr>
+            <a:spLocks noGrp="1"/>
+          </p:cNvSpPr>
+          <p:nvPr>
+            <p:ph type="ftr" sz="quarter" idx="11"/>
+          </p:nvPr>
+        </p:nvSpPr>
+        <p:spPr/>
+        <p:txBody>
+          <a:bodyPr/>
+          <a:lstStyle/>
+          <a:p>
+            <a:r>
+              <a:rPr lang="en-US" smtClean="0"/>
+              <a:t>© EV3Lessons.com, 2016, (Last edit: 7/04/2016)</a:t>
+            </a:r>
+            <a:endParaRPr lang="en-US"/>
+          </a:p>
+        </p:txBody>
+      </p:sp>
+      <p:sp>
+        <p:nvSpPr>
+          <p:cNvPr id="6" name="Slide Number Placeholder 5"/>
+          <p:cNvSpPr>
+            <a:spLocks noGrp="1"/>
+          </p:cNvSpPr>
+          <p:nvPr>
+            <p:ph type="sldNum" sz="quarter" idx="12"/>
+          </p:nvPr>
+        </p:nvSpPr>
+        <p:spPr/>
+        <p:txBody>
+          <a:bodyPr/>
+          <a:lstStyle/>
+          <a:p>
+            <a:fld id="{DE42E464-3EB8-43C8-8768-9E2AD4F497B7}" type="slidenum">
+              <a:rPr lang="en-US" smtClean="0"/>
+              <a:t>‹#›</a:t>
+            </a:fld>
+            <a:endParaRPr lang="en-US"/>
+          </a:p>
+        </p:txBody>
+      </p:sp>
+    </p:spTree>
+    <p:extLst>
+      <p:ext uri="{BB962C8B-B14F-4D97-AF65-F5344CB8AC3E}">
+        <p14:creationId xmlns:p14="http://schemas.microsoft.com/office/powerpoint/2010/main" val="1514001244"/>
+      </p:ext>
+    </p:extLst>
+  </p:cSld>
+  <p:clrMapOvr>
+    <a:masterClrMapping/>
+  </p:clrMapOvr>
+</p:sldLayout>
+</file>
+
+<file path=ppt/slideLayouts/slideLayout15.xml><?xml version="1.0" encoding="utf-8"?>
+<p:sldLayout xmlns:a="http://schemas.openxmlformats.org/drawingml/2006/main" xmlns:r="http://schemas.openxmlformats.org/officeDocument/2006/relationships" xmlns:p="http://schemas.openxmlformats.org/presentationml/2006/main" type="twoObj" preserve="1">
+  <p:cSld name="Two Content">
+    <p:spTree>
+      <p:nvGrpSpPr>
+        <p:cNvPr id="1" name=""/>
+        <p:cNvGrpSpPr/>
+        <p:nvPr/>
+      </p:nvGrpSpPr>
+      <p:grpSpPr>
+        <a:xfrm>
+          <a:off x="0" y="0"/>
+          <a:ext cx="0" cy="0"/>
+          <a:chOff x="0" y="0"/>
+          <a:chExt cx="0" cy="0"/>
+        </a:xfrm>
+      </p:grpSpPr>
+      <p:sp>
+        <p:nvSpPr>
+          <p:cNvPr id="2" name="Title 1"/>
+          <p:cNvSpPr>
+            <a:spLocks noGrp="1"/>
+          </p:cNvSpPr>
+          <p:nvPr>
+            <p:ph type="title"/>
+          </p:nvPr>
+        </p:nvSpPr>
+        <p:spPr/>
+        <p:txBody>
+          <a:bodyPr/>
+          <a:lstStyle/>
+          <a:p>
+            <a:r>
+              <a:rPr lang="en-US" smtClean="0"/>
+              <a:t>Click to edit Master title style</a:t>
+            </a:r>
+            <a:endParaRPr lang="en-US"/>
+          </a:p>
+        </p:txBody>
+      </p:sp>
+      <p:sp>
+        <p:nvSpPr>
+          <p:cNvPr id="3" name="Content Placeholder 2"/>
+          <p:cNvSpPr>
+            <a:spLocks noGrp="1"/>
+          </p:cNvSpPr>
+          <p:nvPr>
+            <p:ph sz="half" idx="1"/>
+          </p:nvPr>
+        </p:nvSpPr>
+        <p:spPr>
+          <a:xfrm>
+            <a:off x="628650" y="1825625"/>
+            <a:ext cx="3867150" cy="4351338"/>
+          </a:xfrm>
+        </p:spPr>
+        <p:txBody>
+          <a:bodyPr/>
+          <a:lstStyle/>
+          <a:p>
+            <a:pPr lvl="0"/>
+            <a:r>
+              <a:rPr lang="en-US" smtClean="0"/>
+              <a:t>Click to edit Master text styles</a:t>
+            </a:r>
+          </a:p>
+          <a:p>
+            <a:pPr lvl="1"/>
+            <a:r>
+              <a:rPr lang="en-US" smtClean="0"/>
+              <a:t>Second level</a:t>
+            </a:r>
+          </a:p>
+          <a:p>
+            <a:pPr lvl="2"/>
+            <a:r>
+              <a:rPr lang="en-US" smtClean="0"/>
+              <a:t>Third level</a:t>
+            </a:r>
+          </a:p>
+          <a:p>
+            <a:pPr lvl="3"/>
+            <a:r>
+              <a:rPr lang="en-US" smtClean="0"/>
+              <a:t>Fourth level</a:t>
+            </a:r>
+          </a:p>
+          <a:p>
+            <a:pPr lvl="4"/>
+            <a:r>
+              <a:rPr lang="en-US" smtClean="0"/>
+              <a:t>Fifth level</a:t>
+            </a:r>
+            <a:endParaRPr lang="en-US"/>
+          </a:p>
+        </p:txBody>
+      </p:sp>
+      <p:sp>
+        <p:nvSpPr>
+          <p:cNvPr id="4" name="Content Placeholder 3"/>
+          <p:cNvSpPr>
+            <a:spLocks noGrp="1"/>
+          </p:cNvSpPr>
+          <p:nvPr>
+            <p:ph sz="half" idx="2"/>
+          </p:nvPr>
+        </p:nvSpPr>
+        <p:spPr>
+          <a:xfrm>
+            <a:off x="4648200" y="1825625"/>
+            <a:ext cx="3867150" cy="4351338"/>
+          </a:xfrm>
+        </p:spPr>
+        <p:txBody>
+          <a:bodyPr/>
+          <a:lstStyle/>
+          <a:p>
+            <a:pPr lvl="0"/>
+            <a:r>
+              <a:rPr lang="en-US" smtClean="0"/>
+              <a:t>Click to edit Master text styles</a:t>
+            </a:r>
+          </a:p>
+          <a:p>
+            <a:pPr lvl="1"/>
+            <a:r>
+              <a:rPr lang="en-US" smtClean="0"/>
+              <a:t>Second level</a:t>
+            </a:r>
+          </a:p>
+          <a:p>
+            <a:pPr lvl="2"/>
+            <a:r>
+              <a:rPr lang="en-US" smtClean="0"/>
+              <a:t>Third level</a:t>
+            </a:r>
+          </a:p>
+          <a:p>
+            <a:pPr lvl="3"/>
+            <a:r>
+              <a:rPr lang="en-US" smtClean="0"/>
+              <a:t>Fourth level</a:t>
+            </a:r>
+          </a:p>
+          <a:p>
+            <a:pPr lvl="4"/>
+            <a:r>
+              <a:rPr lang="en-US" smtClean="0"/>
+              <a:t>Fifth level</a:t>
+            </a:r>
+            <a:endParaRPr lang="en-US"/>
+          </a:p>
+        </p:txBody>
+      </p:sp>
+      <p:sp>
+        <p:nvSpPr>
+          <p:cNvPr id="5" name="Date Placeholder 4"/>
+          <p:cNvSpPr>
+            <a:spLocks noGrp="1"/>
+          </p:cNvSpPr>
+          <p:nvPr>
+            <p:ph type="dt" sz="half" idx="10"/>
+          </p:nvPr>
+        </p:nvSpPr>
+        <p:spPr/>
+        <p:txBody>
+          <a:bodyPr/>
+          <a:lstStyle/>
+          <a:p>
+            <a:fld id="{54BF948A-5BE3-0548-8A28-B877469D6A67}" type="datetime1">
+              <a:rPr lang="en-US" smtClean="0"/>
+              <a:t>7/4/16</a:t>
+            </a:fld>
+            <a:endParaRPr lang="en-US"/>
+          </a:p>
+        </p:txBody>
+      </p:sp>
+      <p:sp>
+        <p:nvSpPr>
+          <p:cNvPr id="6" name="Footer Placeholder 5"/>
+          <p:cNvSpPr>
+            <a:spLocks noGrp="1"/>
+          </p:cNvSpPr>
+          <p:nvPr>
+            <p:ph type="ftr" sz="quarter" idx="11"/>
+          </p:nvPr>
+        </p:nvSpPr>
+        <p:spPr/>
+        <p:txBody>
+          <a:bodyPr/>
+          <a:lstStyle/>
+          <a:p>
+            <a:r>
+              <a:rPr lang="en-US" smtClean="0"/>
+              <a:t>© EV3Lessons.com, 2016, (Last edit: 7/04/2016)</a:t>
+            </a:r>
+            <a:endParaRPr lang="en-US"/>
+          </a:p>
+        </p:txBody>
+      </p:sp>
+      <p:sp>
+        <p:nvSpPr>
+          <p:cNvPr id="7" name="Slide Number Placeholder 6"/>
+          <p:cNvSpPr>
+            <a:spLocks noGrp="1"/>
+          </p:cNvSpPr>
+          <p:nvPr>
+            <p:ph type="sldNum" sz="quarter" idx="12"/>
+          </p:nvPr>
+        </p:nvSpPr>
+        <p:spPr/>
+        <p:txBody>
+          <a:bodyPr/>
+          <a:lstStyle/>
+          <a:p>
+            <a:fld id="{DE42E464-3EB8-43C8-8768-9E2AD4F497B7}" type="slidenum">
+              <a:rPr lang="en-US" smtClean="0"/>
+              <a:t>‹#›</a:t>
+            </a:fld>
+            <a:endParaRPr lang="en-US"/>
+          </a:p>
+        </p:txBody>
+      </p:sp>
+    </p:spTree>
+    <p:extLst>
+      <p:ext uri="{BB962C8B-B14F-4D97-AF65-F5344CB8AC3E}">
+        <p14:creationId xmlns:p14="http://schemas.microsoft.com/office/powerpoint/2010/main" val="285174605"/>
+      </p:ext>
+    </p:extLst>
+  </p:cSld>
+  <p:clrMapOvr>
+    <a:masterClrMapping/>
+  </p:clrMapOvr>
+</p:sldLayout>
+</file>
+
+<file path=ppt/slideLayouts/slideLayout16.xml><?xml version="1.0" encoding="utf-8"?>
+<p:sldLayout xmlns:a="http://schemas.openxmlformats.org/drawingml/2006/main" xmlns:r="http://schemas.openxmlformats.org/officeDocument/2006/relationships" xmlns:p="http://schemas.openxmlformats.org/presentationml/2006/main" type="twoTxTwoObj" preserve="1">
+  <p:cSld name="Comparison">
+    <p:spTree>
+      <p:nvGrpSpPr>
+        <p:cNvPr id="1" name=""/>
+        <p:cNvGrpSpPr/>
+        <p:nvPr/>
+      </p:nvGrpSpPr>
+      <p:grpSpPr>
+        <a:xfrm>
+          <a:off x="0" y="0"/>
+          <a:ext cx="0" cy="0"/>
+          <a:chOff x="0" y="0"/>
+          <a:chExt cx="0" cy="0"/>
+        </a:xfrm>
+      </p:grpSpPr>
+      <p:sp>
+        <p:nvSpPr>
+          <p:cNvPr id="2" name="Title 1"/>
+          <p:cNvSpPr>
+            <a:spLocks noGrp="1"/>
+          </p:cNvSpPr>
+          <p:nvPr>
+            <p:ph type="title"/>
+          </p:nvPr>
+        </p:nvSpPr>
+        <p:spPr>
+          <a:xfrm>
+            <a:off x="630238" y="365125"/>
+            <a:ext cx="7886700" cy="1325563"/>
+          </a:xfrm>
+        </p:spPr>
+        <p:txBody>
+          <a:bodyPr/>
+          <a:lstStyle/>
+          <a:p>
+            <a:r>
+              <a:rPr lang="en-US" smtClean="0"/>
+              <a:t>Click to edit Master title style</a:t>
+            </a:r>
+            <a:endParaRPr lang="en-US"/>
+          </a:p>
+        </p:txBody>
+      </p:sp>
+      <p:sp>
+        <p:nvSpPr>
+          <p:cNvPr id="3" name="Text Placeholder 2"/>
+          <p:cNvSpPr>
+            <a:spLocks noGrp="1"/>
+          </p:cNvSpPr>
+          <p:nvPr>
+            <p:ph type="body" idx="1"/>
+          </p:nvPr>
+        </p:nvSpPr>
+        <p:spPr>
+          <a:xfrm>
+            <a:off x="630238" y="1681163"/>
+            <a:ext cx="3868737" cy="823912"/>
+          </a:xfrm>
+        </p:spPr>
+        <p:txBody>
+          <a:bodyPr anchor="b"/>
+          <a:lstStyle>
+            <a:lvl1pPr marL="0" indent="0">
+              <a:buNone/>
+              <a:defRPr sz="2400" b="1"/>
+            </a:lvl1pPr>
+            <a:lvl2pPr marL="457200" indent="0">
+              <a:buNone/>
+              <a:defRPr sz="2000" b="1"/>
+            </a:lvl2pPr>
+            <a:lvl3pPr marL="914400" indent="0">
+              <a:buNone/>
+              <a:defRPr sz="1800" b="1"/>
+            </a:lvl3pPr>
+            <a:lvl4pPr marL="1371600" indent="0">
+              <a:buNone/>
+              <a:defRPr sz="1600" b="1"/>
+            </a:lvl4pPr>
+            <a:lvl5pPr marL="1828800" indent="0">
+              <a:buNone/>
+              <a:defRPr sz="1600" b="1"/>
+            </a:lvl5pPr>
+            <a:lvl6pPr marL="2286000" indent="0">
+              <a:buNone/>
+              <a:defRPr sz="1600" b="1"/>
+            </a:lvl6pPr>
+            <a:lvl7pPr marL="2743200" indent="0">
+              <a:buNone/>
+              <a:defRPr sz="1600" b="1"/>
+            </a:lvl7pPr>
+            <a:lvl8pPr marL="3200400" indent="0">
+              <a:buNone/>
+              <a:defRPr sz="1600" b="1"/>
+            </a:lvl8pPr>
+            <a:lvl9pPr marL="3657600" indent="0">
+              <a:buNone/>
+              <a:defRPr sz="1600" b="1"/>
+            </a:lvl9pPr>
+          </a:lstStyle>
+          <a:p>
+            <a:pPr lvl="0"/>
+            <a:r>
+              <a:rPr lang="en-US" smtClean="0"/>
+              <a:t>Click to edit Master text styles</a:t>
+            </a:r>
+          </a:p>
+        </p:txBody>
+      </p:sp>
+      <p:sp>
+        <p:nvSpPr>
+          <p:cNvPr id="4" name="Content Placeholder 3"/>
+          <p:cNvSpPr>
+            <a:spLocks noGrp="1"/>
+          </p:cNvSpPr>
+          <p:nvPr>
+            <p:ph sz="half" idx="2"/>
+          </p:nvPr>
+        </p:nvSpPr>
+        <p:spPr>
+          <a:xfrm>
+            <a:off x="630238" y="2505075"/>
+            <a:ext cx="3868737" cy="3684588"/>
+          </a:xfrm>
+        </p:spPr>
+        <p:txBody>
+          <a:bodyPr/>
+          <a:lstStyle/>
+          <a:p>
+            <a:pPr lvl="0"/>
+            <a:r>
+              <a:rPr lang="en-US" smtClean="0"/>
+              <a:t>Click to edit Master text styles</a:t>
+            </a:r>
+          </a:p>
+          <a:p>
+            <a:pPr lvl="1"/>
+            <a:r>
+              <a:rPr lang="en-US" smtClean="0"/>
+              <a:t>Second level</a:t>
+            </a:r>
+          </a:p>
+          <a:p>
+            <a:pPr lvl="2"/>
+            <a:r>
+              <a:rPr lang="en-US" smtClean="0"/>
+              <a:t>Third level</a:t>
+            </a:r>
+          </a:p>
+          <a:p>
+            <a:pPr lvl="3"/>
+            <a:r>
+              <a:rPr lang="en-US" smtClean="0"/>
+              <a:t>Fourth level</a:t>
+            </a:r>
+          </a:p>
+          <a:p>
+            <a:pPr lvl="4"/>
+            <a:r>
+              <a:rPr lang="en-US" smtClean="0"/>
+              <a:t>Fifth level</a:t>
+            </a:r>
+            <a:endParaRPr lang="en-US"/>
+          </a:p>
+        </p:txBody>
+      </p:sp>
+      <p:sp>
+        <p:nvSpPr>
+          <p:cNvPr id="5" name="Text Placeholder 4"/>
+          <p:cNvSpPr>
+            <a:spLocks noGrp="1"/>
+          </p:cNvSpPr>
+          <p:nvPr>
+            <p:ph type="body" sz="quarter" idx="3"/>
+          </p:nvPr>
+        </p:nvSpPr>
+        <p:spPr>
+          <a:xfrm>
+            <a:off x="4629150" y="1681163"/>
+            <a:ext cx="3887788" cy="823912"/>
+          </a:xfrm>
+        </p:spPr>
+        <p:txBody>
+          <a:bodyPr anchor="b"/>
+          <a:lstStyle>
+            <a:lvl1pPr marL="0" indent="0">
+              <a:buNone/>
+              <a:defRPr sz="2400" b="1"/>
+            </a:lvl1pPr>
+            <a:lvl2pPr marL="457200" indent="0">
+              <a:buNone/>
+              <a:defRPr sz="2000" b="1"/>
+            </a:lvl2pPr>
+            <a:lvl3pPr marL="914400" indent="0">
+              <a:buNone/>
+              <a:defRPr sz="1800" b="1"/>
+            </a:lvl3pPr>
+            <a:lvl4pPr marL="1371600" indent="0">
+              <a:buNone/>
+              <a:defRPr sz="1600" b="1"/>
+            </a:lvl4pPr>
+            <a:lvl5pPr marL="1828800" indent="0">
+              <a:buNone/>
+              <a:defRPr sz="1600" b="1"/>
+            </a:lvl5pPr>
+            <a:lvl6pPr marL="2286000" indent="0">
+              <a:buNone/>
+              <a:defRPr sz="1600" b="1"/>
+            </a:lvl6pPr>
+            <a:lvl7pPr marL="2743200" indent="0">
+              <a:buNone/>
+              <a:defRPr sz="1600" b="1"/>
+            </a:lvl7pPr>
+            <a:lvl8pPr marL="3200400" indent="0">
+              <a:buNone/>
+              <a:defRPr sz="1600" b="1"/>
+            </a:lvl8pPr>
+            <a:lvl9pPr marL="3657600" indent="0">
+              <a:buNone/>
+              <a:defRPr sz="1600" b="1"/>
+            </a:lvl9pPr>
+          </a:lstStyle>
+          <a:p>
+            <a:pPr lvl="0"/>
+            <a:r>
+              <a:rPr lang="en-US" smtClean="0"/>
+              <a:t>Click to edit Master text styles</a:t>
+            </a:r>
+          </a:p>
+        </p:txBody>
+      </p:sp>
+      <p:sp>
+        <p:nvSpPr>
+          <p:cNvPr id="6" name="Content Placeholder 5"/>
+          <p:cNvSpPr>
+            <a:spLocks noGrp="1"/>
+          </p:cNvSpPr>
+          <p:nvPr>
+            <p:ph sz="quarter" idx="4"/>
+          </p:nvPr>
+        </p:nvSpPr>
+        <p:spPr>
+          <a:xfrm>
+            <a:off x="4629150" y="2505075"/>
+            <a:ext cx="3887788" cy="3684588"/>
+          </a:xfrm>
+        </p:spPr>
+        <p:txBody>
+          <a:bodyPr/>
+          <a:lstStyle/>
+          <a:p>
+            <a:pPr lvl="0"/>
+            <a:r>
+              <a:rPr lang="en-US" smtClean="0"/>
+              <a:t>Click to edit Master text styles</a:t>
+            </a:r>
+          </a:p>
+          <a:p>
+            <a:pPr lvl="1"/>
+            <a:r>
+              <a:rPr lang="en-US" smtClean="0"/>
+              <a:t>Second level</a:t>
+            </a:r>
+          </a:p>
+          <a:p>
+            <a:pPr lvl="2"/>
+            <a:r>
+              <a:rPr lang="en-US" smtClean="0"/>
+              <a:t>Third level</a:t>
+            </a:r>
+          </a:p>
+          <a:p>
+            <a:pPr lvl="3"/>
+            <a:r>
+              <a:rPr lang="en-US" smtClean="0"/>
+              <a:t>Fourth level</a:t>
+            </a:r>
+          </a:p>
+          <a:p>
+            <a:pPr lvl="4"/>
+            <a:r>
+              <a:rPr lang="en-US" smtClean="0"/>
+              <a:t>Fifth level</a:t>
+            </a:r>
+            <a:endParaRPr lang="en-US"/>
+          </a:p>
+        </p:txBody>
+      </p:sp>
+      <p:sp>
+        <p:nvSpPr>
+          <p:cNvPr id="7" name="Date Placeholder 6"/>
+          <p:cNvSpPr>
+            <a:spLocks noGrp="1"/>
+          </p:cNvSpPr>
+          <p:nvPr>
+            <p:ph type="dt" sz="half" idx="10"/>
+          </p:nvPr>
+        </p:nvSpPr>
+        <p:spPr/>
+        <p:txBody>
+          <a:bodyPr/>
+          <a:lstStyle/>
+          <a:p>
+            <a:fld id="{1E4D454C-2257-D84E-B008-E3BB674E6B5D}" type="datetime1">
+              <a:rPr lang="en-US" smtClean="0"/>
+              <a:t>7/4/16</a:t>
+            </a:fld>
+            <a:endParaRPr lang="en-US"/>
+          </a:p>
+        </p:txBody>
+      </p:sp>
+      <p:sp>
+        <p:nvSpPr>
+          <p:cNvPr id="8" name="Footer Placeholder 7"/>
+          <p:cNvSpPr>
+            <a:spLocks noGrp="1"/>
+          </p:cNvSpPr>
+          <p:nvPr>
+            <p:ph type="ftr" sz="quarter" idx="11"/>
+          </p:nvPr>
+        </p:nvSpPr>
+        <p:spPr/>
+        <p:txBody>
+          <a:bodyPr/>
+          <a:lstStyle/>
+          <a:p>
+            <a:r>
+              <a:rPr lang="en-US" smtClean="0"/>
+              <a:t>© EV3Lessons.com, 2016, (Last edit: 7/04/2016)</a:t>
+            </a:r>
+            <a:endParaRPr lang="en-US"/>
+          </a:p>
+        </p:txBody>
+      </p:sp>
+      <p:sp>
+        <p:nvSpPr>
+          <p:cNvPr id="9" name="Slide Number Placeholder 8"/>
+          <p:cNvSpPr>
+            <a:spLocks noGrp="1"/>
+          </p:cNvSpPr>
+          <p:nvPr>
+            <p:ph type="sldNum" sz="quarter" idx="12"/>
+          </p:nvPr>
+        </p:nvSpPr>
+        <p:spPr/>
+        <p:txBody>
+          <a:bodyPr/>
+          <a:lstStyle/>
+          <a:p>
+            <a:fld id="{DE42E464-3EB8-43C8-8768-9E2AD4F497B7}" type="slidenum">
+              <a:rPr lang="en-US" smtClean="0"/>
+              <a:t>‹#›</a:t>
+            </a:fld>
+            <a:endParaRPr lang="en-US"/>
+          </a:p>
+        </p:txBody>
+      </p:sp>
+    </p:spTree>
+    <p:extLst>
+      <p:ext uri="{BB962C8B-B14F-4D97-AF65-F5344CB8AC3E}">
+        <p14:creationId xmlns:p14="http://schemas.microsoft.com/office/powerpoint/2010/main" val="1893569778"/>
+      </p:ext>
+    </p:extLst>
+  </p:cSld>
+  <p:clrMapOvr>
+    <a:masterClrMapping/>
+  </p:clrMapOvr>
+</p:sldLayout>
+</file>
+
+<file path=ppt/slideLayouts/slideLayout17.xml><?xml version="1.0" encoding="utf-8"?>
+<p:sldLayout xmlns:a="http://schemas.openxmlformats.org/drawingml/2006/main" xmlns:r="http://schemas.openxmlformats.org/officeDocument/2006/relationships" xmlns:p="http://schemas.openxmlformats.org/presentationml/2006/main" type="titleOnly" preserve="1">
+  <p:cSld name="Title Only">
+    <p:spTree>
+      <p:nvGrpSpPr>
+        <p:cNvPr id="1" name=""/>
+        <p:cNvGrpSpPr/>
+        <p:nvPr/>
+      </p:nvGrpSpPr>
+      <p:grpSpPr>
+        <a:xfrm>
+          <a:off x="0" y="0"/>
+          <a:ext cx="0" cy="0"/>
+          <a:chOff x="0" y="0"/>
+          <a:chExt cx="0" cy="0"/>
+        </a:xfrm>
+      </p:grpSpPr>
+      <p:sp>
+        <p:nvSpPr>
+          <p:cNvPr id="2" name="Title 1"/>
+          <p:cNvSpPr>
+            <a:spLocks noGrp="1"/>
+          </p:cNvSpPr>
+          <p:nvPr>
+            <p:ph type="title"/>
+          </p:nvPr>
+        </p:nvSpPr>
+        <p:spPr/>
+        <p:txBody>
+          <a:bodyPr/>
+          <a:lstStyle/>
+          <a:p>
+            <a:r>
+              <a:rPr lang="en-US" smtClean="0"/>
+              <a:t>Click to edit Master title style</a:t>
+            </a:r>
+            <a:endParaRPr lang="en-US"/>
+          </a:p>
+        </p:txBody>
+      </p:sp>
+      <p:sp>
+        <p:nvSpPr>
+          <p:cNvPr id="3" name="Date Placeholder 2"/>
+          <p:cNvSpPr>
+            <a:spLocks noGrp="1"/>
+          </p:cNvSpPr>
+          <p:nvPr>
+            <p:ph type="dt" sz="half" idx="10"/>
+          </p:nvPr>
+        </p:nvSpPr>
+        <p:spPr/>
+        <p:txBody>
+          <a:bodyPr/>
+          <a:lstStyle/>
+          <a:p>
+            <a:fld id="{D0BD3D21-4E25-CC4C-836E-91A72F67CF76}" type="datetime1">
+              <a:rPr lang="en-US" smtClean="0"/>
+              <a:t>7/4/16</a:t>
+            </a:fld>
+            <a:endParaRPr lang="en-US"/>
+          </a:p>
+        </p:txBody>
+      </p:sp>
+      <p:sp>
+        <p:nvSpPr>
+          <p:cNvPr id="4" name="Footer Placeholder 3"/>
+          <p:cNvSpPr>
+            <a:spLocks noGrp="1"/>
+          </p:cNvSpPr>
+          <p:nvPr>
+            <p:ph type="ftr" sz="quarter" idx="11"/>
+          </p:nvPr>
+        </p:nvSpPr>
+        <p:spPr/>
+        <p:txBody>
+          <a:bodyPr/>
+          <a:lstStyle/>
+          <a:p>
+            <a:r>
+              <a:rPr lang="en-US" smtClean="0"/>
+              <a:t>© EV3Lessons.com, 2016, (Last edit: 7/04/2016)</a:t>
+            </a:r>
+            <a:endParaRPr lang="en-US"/>
+          </a:p>
+        </p:txBody>
+      </p:sp>
+      <p:sp>
+        <p:nvSpPr>
+          <p:cNvPr id="5" name="Slide Number Placeholder 4"/>
+          <p:cNvSpPr>
+            <a:spLocks noGrp="1"/>
+          </p:cNvSpPr>
+          <p:nvPr>
+            <p:ph type="sldNum" sz="quarter" idx="12"/>
+          </p:nvPr>
+        </p:nvSpPr>
+        <p:spPr/>
+        <p:txBody>
+          <a:bodyPr/>
+          <a:lstStyle/>
+          <a:p>
+            <a:fld id="{DE42E464-3EB8-43C8-8768-9E2AD4F497B7}" type="slidenum">
+              <a:rPr lang="en-US" smtClean="0"/>
+              <a:t>‹#›</a:t>
+            </a:fld>
+            <a:endParaRPr lang="en-US"/>
+          </a:p>
+        </p:txBody>
+      </p:sp>
+    </p:spTree>
+    <p:extLst>
+      <p:ext uri="{BB962C8B-B14F-4D97-AF65-F5344CB8AC3E}">
+        <p14:creationId xmlns:p14="http://schemas.microsoft.com/office/powerpoint/2010/main" val="1667093953"/>
+      </p:ext>
+    </p:extLst>
+  </p:cSld>
+  <p:clrMapOvr>
+    <a:masterClrMapping/>
+  </p:clrMapOvr>
+</p:sldLayout>
+</file>
+
+<file path=ppt/slideLayouts/slideLayout18.xml><?xml version="1.0" encoding="utf-8"?>
+<p:sldLayout xmlns:a="http://schemas.openxmlformats.org/drawingml/2006/main" xmlns:r="http://schemas.openxmlformats.org/officeDocument/2006/relationships" xmlns:p="http://schemas.openxmlformats.org/presentationml/2006/main" type="blank" preserve="1">
+  <p:cSld name="Blank">
+    <p:spTree>
+      <p:nvGrpSpPr>
+        <p:cNvPr id="1" name=""/>
+        <p:cNvGrpSpPr/>
+        <p:nvPr/>
+      </p:nvGrpSpPr>
+      <p:grpSpPr>
+        <a:xfrm>
+          <a:off x="0" y="0"/>
+          <a:ext cx="0" cy="0"/>
+          <a:chOff x="0" y="0"/>
+          <a:chExt cx="0" cy="0"/>
+        </a:xfrm>
+      </p:grpSpPr>
+      <p:sp>
+        <p:nvSpPr>
+          <p:cNvPr id="2" name="Date Placeholder 1"/>
+          <p:cNvSpPr>
+            <a:spLocks noGrp="1"/>
+          </p:cNvSpPr>
+          <p:nvPr>
+            <p:ph type="dt" sz="half" idx="10"/>
+          </p:nvPr>
+        </p:nvSpPr>
+        <p:spPr/>
+        <p:txBody>
+          <a:bodyPr/>
+          <a:lstStyle/>
+          <a:p>
+            <a:fld id="{3D484E82-94C0-574A-AD63-516EC4B77AC0}" type="datetime1">
+              <a:rPr lang="en-US" smtClean="0"/>
+              <a:t>7/4/16</a:t>
+            </a:fld>
+            <a:endParaRPr lang="en-US"/>
+          </a:p>
+        </p:txBody>
+      </p:sp>
+      <p:sp>
+        <p:nvSpPr>
+          <p:cNvPr id="3" name="Footer Placeholder 2"/>
+          <p:cNvSpPr>
+            <a:spLocks noGrp="1"/>
+          </p:cNvSpPr>
+          <p:nvPr>
+            <p:ph type="ftr" sz="quarter" idx="11"/>
+          </p:nvPr>
+        </p:nvSpPr>
+        <p:spPr/>
+        <p:txBody>
+          <a:bodyPr/>
+          <a:lstStyle/>
+          <a:p>
+            <a:r>
+              <a:rPr lang="en-US" smtClean="0"/>
+              <a:t>© EV3Lessons.com, 2016, (Last edit: 7/04/2016)</a:t>
+            </a:r>
+            <a:endParaRPr lang="en-US"/>
+          </a:p>
+        </p:txBody>
+      </p:sp>
+      <p:sp>
+        <p:nvSpPr>
+          <p:cNvPr id="4" name="Slide Number Placeholder 3"/>
+          <p:cNvSpPr>
+            <a:spLocks noGrp="1"/>
+          </p:cNvSpPr>
+          <p:nvPr>
+            <p:ph type="sldNum" sz="quarter" idx="12"/>
+          </p:nvPr>
+        </p:nvSpPr>
+        <p:spPr/>
+        <p:txBody>
+          <a:bodyPr/>
+          <a:lstStyle/>
+          <a:p>
+            <a:fld id="{DE42E464-3EB8-43C8-8768-9E2AD4F497B7}" type="slidenum">
+              <a:rPr lang="en-US" smtClean="0"/>
+              <a:t>‹#›</a:t>
+            </a:fld>
+            <a:endParaRPr lang="en-US"/>
+          </a:p>
+        </p:txBody>
+      </p:sp>
+    </p:spTree>
+    <p:extLst>
+      <p:ext uri="{BB962C8B-B14F-4D97-AF65-F5344CB8AC3E}">
+        <p14:creationId xmlns:p14="http://schemas.microsoft.com/office/powerpoint/2010/main" val="628925662"/>
+      </p:ext>
+    </p:extLst>
+  </p:cSld>
+  <p:clrMapOvr>
+    <a:masterClrMapping/>
+  </p:clrMapOvr>
+</p:sldLayout>
+</file>
+
+<file path=ppt/slideLayouts/slideLayout19.xml><?xml version="1.0" encoding="utf-8"?>
+<p:sldLayout xmlns:a="http://schemas.openxmlformats.org/drawingml/2006/main" xmlns:r="http://schemas.openxmlformats.org/officeDocument/2006/relationships" xmlns:p="http://schemas.openxmlformats.org/presentationml/2006/main" type="objTx" preserve="1">
+  <p:cSld name="Content with Caption">
+    <p:spTree>
+      <p:nvGrpSpPr>
+        <p:cNvPr id="1" name=""/>
+        <p:cNvGrpSpPr/>
+        <p:nvPr/>
+      </p:nvGrpSpPr>
+      <p:grpSpPr>
+        <a:xfrm>
+          <a:off x="0" y="0"/>
+          <a:ext cx="0" cy="0"/>
+          <a:chOff x="0" y="0"/>
+          <a:chExt cx="0" cy="0"/>
+        </a:xfrm>
+      </p:grpSpPr>
+      <p:sp>
+        <p:nvSpPr>
+          <p:cNvPr id="2" name="Title 1"/>
+          <p:cNvSpPr>
+            <a:spLocks noGrp="1"/>
+          </p:cNvSpPr>
+          <p:nvPr>
+            <p:ph type="title"/>
+          </p:nvPr>
+        </p:nvSpPr>
+        <p:spPr>
+          <a:xfrm>
+            <a:off x="630238" y="457200"/>
+            <a:ext cx="2949575" cy="1600200"/>
+          </a:xfrm>
+        </p:spPr>
+        <p:txBody>
+          <a:bodyPr anchor="b"/>
+          <a:lstStyle>
+            <a:lvl1pPr>
+              <a:defRPr sz="3200"/>
+            </a:lvl1pPr>
+          </a:lstStyle>
+          <a:p>
+            <a:r>
+              <a:rPr lang="en-US" smtClean="0"/>
+              <a:t>Click to edit Master title style</a:t>
+            </a:r>
+            <a:endParaRPr lang="en-US"/>
+          </a:p>
+        </p:txBody>
+      </p:sp>
+      <p:sp>
+        <p:nvSpPr>
+          <p:cNvPr id="3" name="Content Placeholder 2"/>
+          <p:cNvSpPr>
+            <a:spLocks noGrp="1"/>
+          </p:cNvSpPr>
+          <p:nvPr>
+            <p:ph idx="1"/>
+          </p:nvPr>
+        </p:nvSpPr>
+        <p:spPr>
+          <a:xfrm>
+            <a:off x="3887788" y="987425"/>
+            <a:ext cx="4629150" cy="4873625"/>
+          </a:xfrm>
+        </p:spPr>
+        <p:txBody>
+          <a:bodyPr/>
+          <a:lstStyle>
+            <a:lvl1pPr>
+              <a:defRPr sz="3200"/>
+            </a:lvl1pPr>
+            <a:lvl2pPr>
+              <a:defRPr sz="2800"/>
+            </a:lvl2pPr>
+            <a:lvl3pPr>
+              <a:defRPr sz="2400"/>
+            </a:lvl3pPr>
+            <a:lvl4pPr>
+              <a:defRPr sz="2000"/>
+            </a:lvl4pPr>
+            <a:lvl5pPr>
+              <a:defRPr sz="2000"/>
+            </a:lvl5pPr>
+            <a:lvl6pPr>
+              <a:defRPr sz="2000"/>
+            </a:lvl6pPr>
+            <a:lvl7pPr>
+              <a:defRPr sz="2000"/>
+            </a:lvl7pPr>
+            <a:lvl8pPr>
+              <a:defRPr sz="2000"/>
+            </a:lvl8pPr>
+            <a:lvl9pPr>
+              <a:defRPr sz="2000"/>
+            </a:lvl9pPr>
+          </a:lstStyle>
+          <a:p>
+            <a:pPr lvl="0"/>
+            <a:r>
+              <a:rPr lang="en-US" smtClean="0"/>
+              <a:t>Click to edit Master text styles</a:t>
+            </a:r>
+          </a:p>
+          <a:p>
+            <a:pPr lvl="1"/>
+            <a:r>
+              <a:rPr lang="en-US" smtClean="0"/>
+              <a:t>Second level</a:t>
+            </a:r>
+          </a:p>
+          <a:p>
+            <a:pPr lvl="2"/>
+            <a:r>
+              <a:rPr lang="en-US" smtClean="0"/>
+              <a:t>Third level</a:t>
+            </a:r>
+          </a:p>
+          <a:p>
+            <a:pPr lvl="3"/>
+            <a:r>
+              <a:rPr lang="en-US" smtClean="0"/>
+              <a:t>Fourth level</a:t>
+            </a:r>
+          </a:p>
+          <a:p>
+            <a:pPr lvl="4"/>
+            <a:r>
+              <a:rPr lang="en-US" smtClean="0"/>
+              <a:t>Fifth level</a:t>
+            </a:r>
+            <a:endParaRPr lang="en-US"/>
+          </a:p>
+        </p:txBody>
+      </p:sp>
+      <p:sp>
+        <p:nvSpPr>
+          <p:cNvPr id="4" name="Text Placeholder 3"/>
+          <p:cNvSpPr>
+            <a:spLocks noGrp="1"/>
+          </p:cNvSpPr>
+          <p:nvPr>
+            <p:ph type="body" sz="half" idx="2"/>
+          </p:nvPr>
+        </p:nvSpPr>
+        <p:spPr>
+          <a:xfrm>
+            <a:off x="630238" y="2057400"/>
+            <a:ext cx="2949575" cy="3811588"/>
+          </a:xfrm>
+        </p:spPr>
+        <p:txBody>
+          <a:bodyPr/>
+          <a:lstStyle>
+            <a:lvl1pPr marL="0" indent="0">
+              <a:buNone/>
+              <a:defRPr sz="1600"/>
+            </a:lvl1pPr>
+            <a:lvl2pPr marL="457200" indent="0">
+              <a:buNone/>
+              <a:defRPr sz="1400"/>
+            </a:lvl2pPr>
+            <a:lvl3pPr marL="914400" indent="0">
+              <a:buNone/>
+              <a:defRPr sz="1200"/>
+            </a:lvl3pPr>
+            <a:lvl4pPr marL="1371600" indent="0">
+              <a:buNone/>
+              <a:defRPr sz="1000"/>
+            </a:lvl4pPr>
+            <a:lvl5pPr marL="1828800" indent="0">
+              <a:buNone/>
+              <a:defRPr sz="1000"/>
+            </a:lvl5pPr>
+            <a:lvl6pPr marL="2286000" indent="0">
+              <a:buNone/>
+              <a:defRPr sz="1000"/>
+            </a:lvl6pPr>
+            <a:lvl7pPr marL="2743200" indent="0">
+              <a:buNone/>
+              <a:defRPr sz="1000"/>
+            </a:lvl7pPr>
+            <a:lvl8pPr marL="3200400" indent="0">
+              <a:buNone/>
+              <a:defRPr sz="1000"/>
+            </a:lvl8pPr>
+            <a:lvl9pPr marL="3657600" indent="0">
+              <a:buNone/>
+              <a:defRPr sz="1000"/>
+            </a:lvl9pPr>
+          </a:lstStyle>
+          <a:p>
+            <a:pPr lvl="0"/>
+            <a:r>
+              <a:rPr lang="en-US" smtClean="0"/>
+              <a:t>Click to edit Master text styles</a:t>
+            </a:r>
+          </a:p>
+        </p:txBody>
+      </p:sp>
+      <p:sp>
+        <p:nvSpPr>
+          <p:cNvPr id="5" name="Date Placeholder 4"/>
+          <p:cNvSpPr>
+            <a:spLocks noGrp="1"/>
+          </p:cNvSpPr>
+          <p:nvPr>
+            <p:ph type="dt" sz="half" idx="10"/>
+          </p:nvPr>
+        </p:nvSpPr>
+        <p:spPr/>
+        <p:txBody>
+          <a:bodyPr/>
+          <a:lstStyle/>
+          <a:p>
+            <a:fld id="{ACF324CE-C4E0-C74D-88E6-9C7F8653632D}" type="datetime1">
+              <a:rPr lang="en-US" smtClean="0"/>
+              <a:t>7/4/16</a:t>
+            </a:fld>
+            <a:endParaRPr lang="en-US"/>
+          </a:p>
+        </p:txBody>
+      </p:sp>
+      <p:sp>
+        <p:nvSpPr>
+          <p:cNvPr id="6" name="Footer Placeholder 5"/>
+          <p:cNvSpPr>
+            <a:spLocks noGrp="1"/>
+          </p:cNvSpPr>
+          <p:nvPr>
+            <p:ph type="ftr" sz="quarter" idx="11"/>
+          </p:nvPr>
+        </p:nvSpPr>
+        <p:spPr/>
+        <p:txBody>
+          <a:bodyPr/>
+          <a:lstStyle/>
+          <a:p>
+            <a:r>
+              <a:rPr lang="en-US" smtClean="0"/>
+              <a:t>© EV3Lessons.com, 2016, (Last edit: 7/04/2016)</a:t>
+            </a:r>
+            <a:endParaRPr lang="en-US"/>
+          </a:p>
+        </p:txBody>
+      </p:sp>
+      <p:sp>
+        <p:nvSpPr>
+          <p:cNvPr id="7" name="Slide Number Placeholder 6"/>
+          <p:cNvSpPr>
+            <a:spLocks noGrp="1"/>
+          </p:cNvSpPr>
+          <p:nvPr>
+            <p:ph type="sldNum" sz="quarter" idx="12"/>
+          </p:nvPr>
+        </p:nvSpPr>
+        <p:spPr/>
+        <p:txBody>
+          <a:bodyPr/>
+          <a:lstStyle/>
+          <a:p>
+            <a:fld id="{DE42E464-3EB8-43C8-8768-9E2AD4F497B7}" type="slidenum">
+              <a:rPr lang="en-US" smtClean="0"/>
+              <a:t>‹#›</a:t>
+            </a:fld>
+            <a:endParaRPr lang="en-US"/>
+          </a:p>
+        </p:txBody>
+      </p:sp>
+    </p:spTree>
+    <p:extLst>
+      <p:ext uri="{BB962C8B-B14F-4D97-AF65-F5344CB8AC3E}">
+        <p14:creationId xmlns:p14="http://schemas.microsoft.com/office/powerpoint/2010/main" val="439090700"/>
+      </p:ext>
+    </p:extLst>
   </p:cSld>
   <p:clrMapOvr>
     <a:masterClrMapping/>
@@ -1772,9 +3731,9 @@
           <a:bodyPr/>
           <a:lstStyle/>
           <a:p>
-            <a:fld id="{5485559C-06A5-924E-981F-41BAAF102CA0}" type="datetime1">
-              <a:rPr lang="en-US" smtClean="0"/>
-              <a:t>11/4/15</a:t>
+            <a:fld id="{74CB6894-20E2-714A-8F24-113A73CBAAB1}" type="datetime1">
+              <a:rPr lang="en-US" smtClean="0"/>
+              <a:t>7/4/16</a:t>
             </a:fld>
             <a:endParaRPr lang="en-US"/>
           </a:p>
@@ -1797,7 +3756,7 @@
           <a:p>
             <a:r>
               <a:rPr lang="en-US" smtClean="0"/>
-              <a:t>© EV3Lessons.com, 2015, (Last edit: 11/04/2015)</a:t>
+              <a:t>© EV3Lessons.com, 2016, (Last edit: 7/04/2016)</a:t>
             </a:r>
             <a:endParaRPr lang="en-US"/>
           </a:p>
@@ -1815,9 +3774,12 @@
         </p:nvSpPr>
         <p:spPr>
           <a:xfrm>
-            <a:off x="8358822" y="6385560"/>
-            <a:ext cx="592138" cy="365125"/>
-          </a:xfrm>
+            <a:off x="8457383" y="6376457"/>
+            <a:ext cx="627256" cy="365125"/>
+          </a:xfrm>
+          <a:prstGeom prst="rect">
+            <a:avLst/>
+          </a:prstGeom>
         </p:spPr>
         <p:txBody>
           <a:bodyPr/>
@@ -1832,6 +3794,637 @@
         </p:txBody>
       </p:sp>
     </p:spTree>
+    <p:extLst>
+      <p:ext uri="{BB962C8B-B14F-4D97-AF65-F5344CB8AC3E}">
+        <p14:creationId xmlns:p14="http://schemas.microsoft.com/office/powerpoint/2010/main" val="1514236196"/>
+      </p:ext>
+    </p:extLst>
+  </p:cSld>
+  <p:clrMapOvr>
+    <a:masterClrMapping/>
+  </p:clrMapOvr>
+  <p:timing>
+    <p:tnLst>
+      <p:par>
+        <p:cTn id="1" dur="indefinite" restart="never" nodeType="tmRoot"/>
+      </p:par>
+    </p:tnLst>
+  </p:timing>
+</p:sldLayout>
+</file>
+
+<file path=ppt/slideLayouts/slideLayout20.xml><?xml version="1.0" encoding="utf-8"?>
+<p:sldLayout xmlns:a="http://schemas.openxmlformats.org/drawingml/2006/main" xmlns:r="http://schemas.openxmlformats.org/officeDocument/2006/relationships" xmlns:p="http://schemas.openxmlformats.org/presentationml/2006/main" type="picTx" preserve="1">
+  <p:cSld name="Picture with Caption">
+    <p:spTree>
+      <p:nvGrpSpPr>
+        <p:cNvPr id="1" name=""/>
+        <p:cNvGrpSpPr/>
+        <p:nvPr/>
+      </p:nvGrpSpPr>
+      <p:grpSpPr>
+        <a:xfrm>
+          <a:off x="0" y="0"/>
+          <a:ext cx="0" cy="0"/>
+          <a:chOff x="0" y="0"/>
+          <a:chExt cx="0" cy="0"/>
+        </a:xfrm>
+      </p:grpSpPr>
+      <p:sp>
+        <p:nvSpPr>
+          <p:cNvPr id="2" name="Title 1"/>
+          <p:cNvSpPr>
+            <a:spLocks noGrp="1"/>
+          </p:cNvSpPr>
+          <p:nvPr>
+            <p:ph type="title"/>
+          </p:nvPr>
+        </p:nvSpPr>
+        <p:spPr>
+          <a:xfrm>
+            <a:off x="630238" y="457200"/>
+            <a:ext cx="2949575" cy="1600200"/>
+          </a:xfrm>
+        </p:spPr>
+        <p:txBody>
+          <a:bodyPr anchor="b"/>
+          <a:lstStyle>
+            <a:lvl1pPr>
+              <a:defRPr sz="3200"/>
+            </a:lvl1pPr>
+          </a:lstStyle>
+          <a:p>
+            <a:r>
+              <a:rPr lang="en-US" smtClean="0"/>
+              <a:t>Click to edit Master title style</a:t>
+            </a:r>
+            <a:endParaRPr lang="en-US"/>
+          </a:p>
+        </p:txBody>
+      </p:sp>
+      <p:sp>
+        <p:nvSpPr>
+          <p:cNvPr id="3" name="Picture Placeholder 2"/>
+          <p:cNvSpPr>
+            <a:spLocks noGrp="1"/>
+          </p:cNvSpPr>
+          <p:nvPr>
+            <p:ph type="pic" idx="1"/>
+          </p:nvPr>
+        </p:nvSpPr>
+        <p:spPr>
+          <a:xfrm>
+            <a:off x="3887788" y="987425"/>
+            <a:ext cx="4629150" cy="4873625"/>
+          </a:xfrm>
+        </p:spPr>
+        <p:txBody>
+          <a:bodyPr/>
+          <a:lstStyle>
+            <a:lvl1pPr marL="0" indent="0">
+              <a:buNone/>
+              <a:defRPr sz="3200"/>
+            </a:lvl1pPr>
+            <a:lvl2pPr marL="457200" indent="0">
+              <a:buNone/>
+              <a:defRPr sz="2800"/>
+            </a:lvl2pPr>
+            <a:lvl3pPr marL="914400" indent="0">
+              <a:buNone/>
+              <a:defRPr sz="2400"/>
+            </a:lvl3pPr>
+            <a:lvl4pPr marL="1371600" indent="0">
+              <a:buNone/>
+              <a:defRPr sz="2000"/>
+            </a:lvl4pPr>
+            <a:lvl5pPr marL="1828800" indent="0">
+              <a:buNone/>
+              <a:defRPr sz="2000"/>
+            </a:lvl5pPr>
+            <a:lvl6pPr marL="2286000" indent="0">
+              <a:buNone/>
+              <a:defRPr sz="2000"/>
+            </a:lvl6pPr>
+            <a:lvl7pPr marL="2743200" indent="0">
+              <a:buNone/>
+              <a:defRPr sz="2000"/>
+            </a:lvl7pPr>
+            <a:lvl8pPr marL="3200400" indent="0">
+              <a:buNone/>
+              <a:defRPr sz="2000"/>
+            </a:lvl8pPr>
+            <a:lvl9pPr marL="3657600" indent="0">
+              <a:buNone/>
+              <a:defRPr sz="2000"/>
+            </a:lvl9pPr>
+          </a:lstStyle>
+          <a:p>
+            <a:r>
+              <a:rPr lang="en-US" smtClean="0"/>
+              <a:t>Drag picture to placeholder or click icon to add</a:t>
+            </a:r>
+            <a:endParaRPr lang="en-US"/>
+          </a:p>
+        </p:txBody>
+      </p:sp>
+      <p:sp>
+        <p:nvSpPr>
+          <p:cNvPr id="4" name="Text Placeholder 3"/>
+          <p:cNvSpPr>
+            <a:spLocks noGrp="1"/>
+          </p:cNvSpPr>
+          <p:nvPr>
+            <p:ph type="body" sz="half" idx="2"/>
+          </p:nvPr>
+        </p:nvSpPr>
+        <p:spPr>
+          <a:xfrm>
+            <a:off x="630238" y="2057400"/>
+            <a:ext cx="2949575" cy="3811588"/>
+          </a:xfrm>
+        </p:spPr>
+        <p:txBody>
+          <a:bodyPr/>
+          <a:lstStyle>
+            <a:lvl1pPr marL="0" indent="0">
+              <a:buNone/>
+              <a:defRPr sz="1600"/>
+            </a:lvl1pPr>
+            <a:lvl2pPr marL="457200" indent="0">
+              <a:buNone/>
+              <a:defRPr sz="1400"/>
+            </a:lvl2pPr>
+            <a:lvl3pPr marL="914400" indent="0">
+              <a:buNone/>
+              <a:defRPr sz="1200"/>
+            </a:lvl3pPr>
+            <a:lvl4pPr marL="1371600" indent="0">
+              <a:buNone/>
+              <a:defRPr sz="1000"/>
+            </a:lvl4pPr>
+            <a:lvl5pPr marL="1828800" indent="0">
+              <a:buNone/>
+              <a:defRPr sz="1000"/>
+            </a:lvl5pPr>
+            <a:lvl6pPr marL="2286000" indent="0">
+              <a:buNone/>
+              <a:defRPr sz="1000"/>
+            </a:lvl6pPr>
+            <a:lvl7pPr marL="2743200" indent="0">
+              <a:buNone/>
+              <a:defRPr sz="1000"/>
+            </a:lvl7pPr>
+            <a:lvl8pPr marL="3200400" indent="0">
+              <a:buNone/>
+              <a:defRPr sz="1000"/>
+            </a:lvl8pPr>
+            <a:lvl9pPr marL="3657600" indent="0">
+              <a:buNone/>
+              <a:defRPr sz="1000"/>
+            </a:lvl9pPr>
+          </a:lstStyle>
+          <a:p>
+            <a:pPr lvl="0"/>
+            <a:r>
+              <a:rPr lang="en-US" smtClean="0"/>
+              <a:t>Click to edit Master text styles</a:t>
+            </a:r>
+          </a:p>
+        </p:txBody>
+      </p:sp>
+      <p:sp>
+        <p:nvSpPr>
+          <p:cNvPr id="5" name="Date Placeholder 4"/>
+          <p:cNvSpPr>
+            <a:spLocks noGrp="1"/>
+          </p:cNvSpPr>
+          <p:nvPr>
+            <p:ph type="dt" sz="half" idx="10"/>
+          </p:nvPr>
+        </p:nvSpPr>
+        <p:spPr/>
+        <p:txBody>
+          <a:bodyPr/>
+          <a:lstStyle/>
+          <a:p>
+            <a:fld id="{DA806782-06ED-9A42-A974-A94EE091BE22}" type="datetime1">
+              <a:rPr lang="en-US" smtClean="0"/>
+              <a:t>7/4/16</a:t>
+            </a:fld>
+            <a:endParaRPr lang="en-US"/>
+          </a:p>
+        </p:txBody>
+      </p:sp>
+      <p:sp>
+        <p:nvSpPr>
+          <p:cNvPr id="6" name="Footer Placeholder 5"/>
+          <p:cNvSpPr>
+            <a:spLocks noGrp="1"/>
+          </p:cNvSpPr>
+          <p:nvPr>
+            <p:ph type="ftr" sz="quarter" idx="11"/>
+          </p:nvPr>
+        </p:nvSpPr>
+        <p:spPr/>
+        <p:txBody>
+          <a:bodyPr/>
+          <a:lstStyle/>
+          <a:p>
+            <a:r>
+              <a:rPr lang="en-US" smtClean="0"/>
+              <a:t>© EV3Lessons.com, 2016, (Last edit: 7/04/2016)</a:t>
+            </a:r>
+            <a:endParaRPr lang="en-US"/>
+          </a:p>
+        </p:txBody>
+      </p:sp>
+      <p:sp>
+        <p:nvSpPr>
+          <p:cNvPr id="7" name="Slide Number Placeholder 6"/>
+          <p:cNvSpPr>
+            <a:spLocks noGrp="1"/>
+          </p:cNvSpPr>
+          <p:nvPr>
+            <p:ph type="sldNum" sz="quarter" idx="12"/>
+          </p:nvPr>
+        </p:nvSpPr>
+        <p:spPr/>
+        <p:txBody>
+          <a:bodyPr/>
+          <a:lstStyle/>
+          <a:p>
+            <a:fld id="{DE42E464-3EB8-43C8-8768-9E2AD4F497B7}" type="slidenum">
+              <a:rPr lang="en-US" smtClean="0"/>
+              <a:t>‹#›</a:t>
+            </a:fld>
+            <a:endParaRPr lang="en-US"/>
+          </a:p>
+        </p:txBody>
+      </p:sp>
+    </p:spTree>
+    <p:extLst>
+      <p:ext uri="{BB962C8B-B14F-4D97-AF65-F5344CB8AC3E}">
+        <p14:creationId xmlns:p14="http://schemas.microsoft.com/office/powerpoint/2010/main" val="1043583808"/>
+      </p:ext>
+    </p:extLst>
+  </p:cSld>
+  <p:clrMapOvr>
+    <a:masterClrMapping/>
+  </p:clrMapOvr>
+</p:sldLayout>
+</file>
+
+<file path=ppt/slideLayouts/slideLayout21.xml><?xml version="1.0" encoding="utf-8"?>
+<p:sldLayout xmlns:a="http://schemas.openxmlformats.org/drawingml/2006/main" xmlns:r="http://schemas.openxmlformats.org/officeDocument/2006/relationships" xmlns:p="http://schemas.openxmlformats.org/presentationml/2006/main" type="vertTx" preserve="1">
+  <p:cSld name="Title and Vertical Text">
+    <p:spTree>
+      <p:nvGrpSpPr>
+        <p:cNvPr id="1" name=""/>
+        <p:cNvGrpSpPr/>
+        <p:nvPr/>
+      </p:nvGrpSpPr>
+      <p:grpSpPr>
+        <a:xfrm>
+          <a:off x="0" y="0"/>
+          <a:ext cx="0" cy="0"/>
+          <a:chOff x="0" y="0"/>
+          <a:chExt cx="0" cy="0"/>
+        </a:xfrm>
+      </p:grpSpPr>
+      <p:sp>
+        <p:nvSpPr>
+          <p:cNvPr id="2" name="Title 1"/>
+          <p:cNvSpPr>
+            <a:spLocks noGrp="1"/>
+          </p:cNvSpPr>
+          <p:nvPr>
+            <p:ph type="title"/>
+          </p:nvPr>
+        </p:nvSpPr>
+        <p:spPr/>
+        <p:txBody>
+          <a:bodyPr/>
+          <a:lstStyle/>
+          <a:p>
+            <a:r>
+              <a:rPr lang="en-US" smtClean="0"/>
+              <a:t>Click to edit Master title style</a:t>
+            </a:r>
+            <a:endParaRPr lang="en-US"/>
+          </a:p>
+        </p:txBody>
+      </p:sp>
+      <p:sp>
+        <p:nvSpPr>
+          <p:cNvPr id="3" name="Vertical Text Placeholder 2"/>
+          <p:cNvSpPr>
+            <a:spLocks noGrp="1"/>
+          </p:cNvSpPr>
+          <p:nvPr>
+            <p:ph type="body" orient="vert" idx="1"/>
+          </p:nvPr>
+        </p:nvSpPr>
+        <p:spPr/>
+        <p:txBody>
+          <a:bodyPr vert="eaVert"/>
+          <a:lstStyle/>
+          <a:p>
+            <a:pPr lvl="0"/>
+            <a:r>
+              <a:rPr lang="en-US" smtClean="0"/>
+              <a:t>Click to edit Master text styles</a:t>
+            </a:r>
+          </a:p>
+          <a:p>
+            <a:pPr lvl="1"/>
+            <a:r>
+              <a:rPr lang="en-US" smtClean="0"/>
+              <a:t>Second level</a:t>
+            </a:r>
+          </a:p>
+          <a:p>
+            <a:pPr lvl="2"/>
+            <a:r>
+              <a:rPr lang="en-US" smtClean="0"/>
+              <a:t>Third level</a:t>
+            </a:r>
+          </a:p>
+          <a:p>
+            <a:pPr lvl="3"/>
+            <a:r>
+              <a:rPr lang="en-US" smtClean="0"/>
+              <a:t>Fourth level</a:t>
+            </a:r>
+          </a:p>
+          <a:p>
+            <a:pPr lvl="4"/>
+            <a:r>
+              <a:rPr lang="en-US" smtClean="0"/>
+              <a:t>Fifth level</a:t>
+            </a:r>
+            <a:endParaRPr lang="en-US"/>
+          </a:p>
+        </p:txBody>
+      </p:sp>
+      <p:sp>
+        <p:nvSpPr>
+          <p:cNvPr id="4" name="Date Placeholder 3"/>
+          <p:cNvSpPr>
+            <a:spLocks noGrp="1"/>
+          </p:cNvSpPr>
+          <p:nvPr>
+            <p:ph type="dt" sz="half" idx="10"/>
+          </p:nvPr>
+        </p:nvSpPr>
+        <p:spPr/>
+        <p:txBody>
+          <a:bodyPr/>
+          <a:lstStyle/>
+          <a:p>
+            <a:fld id="{59F0C76E-463C-944C-98C5-343991D3A9B0}" type="datetime1">
+              <a:rPr lang="en-US" smtClean="0"/>
+              <a:t>7/4/16</a:t>
+            </a:fld>
+            <a:endParaRPr lang="en-US"/>
+          </a:p>
+        </p:txBody>
+      </p:sp>
+      <p:sp>
+        <p:nvSpPr>
+          <p:cNvPr id="5" name="Footer Placeholder 4"/>
+          <p:cNvSpPr>
+            <a:spLocks noGrp="1"/>
+          </p:cNvSpPr>
+          <p:nvPr>
+            <p:ph type="ftr" sz="quarter" idx="11"/>
+          </p:nvPr>
+        </p:nvSpPr>
+        <p:spPr/>
+        <p:txBody>
+          <a:bodyPr/>
+          <a:lstStyle/>
+          <a:p>
+            <a:r>
+              <a:rPr lang="en-US" smtClean="0"/>
+              <a:t>© EV3Lessons.com, 2016, (Last edit: 7/04/2016)</a:t>
+            </a:r>
+            <a:endParaRPr lang="en-US"/>
+          </a:p>
+        </p:txBody>
+      </p:sp>
+      <p:sp>
+        <p:nvSpPr>
+          <p:cNvPr id="6" name="Slide Number Placeholder 5"/>
+          <p:cNvSpPr>
+            <a:spLocks noGrp="1"/>
+          </p:cNvSpPr>
+          <p:nvPr>
+            <p:ph type="sldNum" sz="quarter" idx="12"/>
+          </p:nvPr>
+        </p:nvSpPr>
+        <p:spPr/>
+        <p:txBody>
+          <a:bodyPr/>
+          <a:lstStyle/>
+          <a:p>
+            <a:fld id="{DE42E464-3EB8-43C8-8768-9E2AD4F497B7}" type="slidenum">
+              <a:rPr lang="en-US" smtClean="0"/>
+              <a:t>‹#›</a:t>
+            </a:fld>
+            <a:endParaRPr lang="en-US"/>
+          </a:p>
+        </p:txBody>
+      </p:sp>
+    </p:spTree>
+    <p:extLst>
+      <p:ext uri="{BB962C8B-B14F-4D97-AF65-F5344CB8AC3E}">
+        <p14:creationId xmlns:p14="http://schemas.microsoft.com/office/powerpoint/2010/main" val="1014116007"/>
+      </p:ext>
+    </p:extLst>
+  </p:cSld>
+  <p:clrMapOvr>
+    <a:masterClrMapping/>
+  </p:clrMapOvr>
+</p:sldLayout>
+</file>
+
+<file path=ppt/slideLayouts/slideLayout22.xml><?xml version="1.0" encoding="utf-8"?>
+<p:sldLayout xmlns:a="http://schemas.openxmlformats.org/drawingml/2006/main" xmlns:r="http://schemas.openxmlformats.org/officeDocument/2006/relationships" xmlns:p="http://schemas.openxmlformats.org/presentationml/2006/main" type="vertTitleAndTx" preserve="1">
+  <p:cSld name="Vertical Title and Text">
+    <p:spTree>
+      <p:nvGrpSpPr>
+        <p:cNvPr id="1" name=""/>
+        <p:cNvGrpSpPr/>
+        <p:nvPr/>
+      </p:nvGrpSpPr>
+      <p:grpSpPr>
+        <a:xfrm>
+          <a:off x="0" y="0"/>
+          <a:ext cx="0" cy="0"/>
+          <a:chOff x="0" y="0"/>
+          <a:chExt cx="0" cy="0"/>
+        </a:xfrm>
+      </p:grpSpPr>
+      <p:sp>
+        <p:nvSpPr>
+          <p:cNvPr id="2" name="Vertical Title 1"/>
+          <p:cNvSpPr>
+            <a:spLocks noGrp="1"/>
+          </p:cNvSpPr>
+          <p:nvPr>
+            <p:ph type="title" orient="vert"/>
+          </p:nvPr>
+        </p:nvSpPr>
+        <p:spPr>
+          <a:xfrm>
+            <a:off x="6543675" y="365125"/>
+            <a:ext cx="1971675" cy="5811838"/>
+          </a:xfrm>
+        </p:spPr>
+        <p:txBody>
+          <a:bodyPr vert="eaVert"/>
+          <a:lstStyle/>
+          <a:p>
+            <a:r>
+              <a:rPr lang="en-US" smtClean="0"/>
+              <a:t>Click to edit Master title style</a:t>
+            </a:r>
+            <a:endParaRPr lang="en-US"/>
+          </a:p>
+        </p:txBody>
+      </p:sp>
+      <p:sp>
+        <p:nvSpPr>
+          <p:cNvPr id="3" name="Vertical Text Placeholder 2"/>
+          <p:cNvSpPr>
+            <a:spLocks noGrp="1"/>
+          </p:cNvSpPr>
+          <p:nvPr>
+            <p:ph type="body" orient="vert" idx="1"/>
+          </p:nvPr>
+        </p:nvSpPr>
+        <p:spPr>
+          <a:xfrm>
+            <a:off x="628650" y="365125"/>
+            <a:ext cx="5762625" cy="5811838"/>
+          </a:xfrm>
+        </p:spPr>
+        <p:txBody>
+          <a:bodyPr vert="eaVert"/>
+          <a:lstStyle/>
+          <a:p>
+            <a:pPr lvl="0"/>
+            <a:r>
+              <a:rPr lang="en-US" smtClean="0"/>
+              <a:t>Click to edit Master text styles</a:t>
+            </a:r>
+          </a:p>
+          <a:p>
+            <a:pPr lvl="1"/>
+            <a:r>
+              <a:rPr lang="en-US" smtClean="0"/>
+              <a:t>Second level</a:t>
+            </a:r>
+          </a:p>
+          <a:p>
+            <a:pPr lvl="2"/>
+            <a:r>
+              <a:rPr lang="en-US" smtClean="0"/>
+              <a:t>Third level</a:t>
+            </a:r>
+          </a:p>
+          <a:p>
+            <a:pPr lvl="3"/>
+            <a:r>
+              <a:rPr lang="en-US" smtClean="0"/>
+              <a:t>Fourth level</a:t>
+            </a:r>
+          </a:p>
+          <a:p>
+            <a:pPr lvl="4"/>
+            <a:r>
+              <a:rPr lang="en-US" smtClean="0"/>
+              <a:t>Fifth level</a:t>
+            </a:r>
+            <a:endParaRPr lang="en-US"/>
+          </a:p>
+        </p:txBody>
+      </p:sp>
+      <p:sp>
+        <p:nvSpPr>
+          <p:cNvPr id="4" name="Date Placeholder 3"/>
+          <p:cNvSpPr>
+            <a:spLocks noGrp="1"/>
+          </p:cNvSpPr>
+          <p:nvPr>
+            <p:ph type="dt" sz="half" idx="10"/>
+          </p:nvPr>
+        </p:nvSpPr>
+        <p:spPr/>
+        <p:txBody>
+          <a:bodyPr/>
+          <a:lstStyle/>
+          <a:p>
+            <a:fld id="{18B0EB3F-1ED3-464F-AFA5-07CCF3FD7308}" type="datetime1">
+              <a:rPr lang="en-US" smtClean="0"/>
+              <a:t>7/4/16</a:t>
+            </a:fld>
+            <a:endParaRPr lang="en-US"/>
+          </a:p>
+        </p:txBody>
+      </p:sp>
+      <p:sp>
+        <p:nvSpPr>
+          <p:cNvPr id="5" name="Footer Placeholder 4"/>
+          <p:cNvSpPr>
+            <a:spLocks noGrp="1"/>
+          </p:cNvSpPr>
+          <p:nvPr>
+            <p:ph type="ftr" sz="quarter" idx="11"/>
+          </p:nvPr>
+        </p:nvSpPr>
+        <p:spPr/>
+        <p:txBody>
+          <a:bodyPr/>
+          <a:lstStyle/>
+          <a:p>
+            <a:r>
+              <a:rPr lang="en-US" smtClean="0"/>
+              <a:t>© EV3Lessons.com, 2016, (Last edit: 7/04/2016)</a:t>
+            </a:r>
+            <a:endParaRPr lang="en-US"/>
+          </a:p>
+        </p:txBody>
+      </p:sp>
+      <p:sp>
+        <p:nvSpPr>
+          <p:cNvPr id="6" name="Slide Number Placeholder 5"/>
+          <p:cNvSpPr>
+            <a:spLocks noGrp="1"/>
+          </p:cNvSpPr>
+          <p:nvPr>
+            <p:ph type="sldNum" sz="quarter" idx="12"/>
+          </p:nvPr>
+        </p:nvSpPr>
+        <p:spPr/>
+        <p:txBody>
+          <a:bodyPr/>
+          <a:lstStyle/>
+          <a:p>
+            <a:fld id="{DE42E464-3EB8-43C8-8768-9E2AD4F497B7}" type="slidenum">
+              <a:rPr lang="en-US" smtClean="0"/>
+              <a:t>‹#›</a:t>
+            </a:fld>
+            <a:endParaRPr lang="en-US"/>
+          </a:p>
+        </p:txBody>
+      </p:sp>
+    </p:spTree>
+    <p:extLst>
+      <p:ext uri="{BB962C8B-B14F-4D97-AF65-F5344CB8AC3E}">
+        <p14:creationId xmlns:p14="http://schemas.microsoft.com/office/powerpoint/2010/main" val="1817507057"/>
+      </p:ext>
+    </p:extLst>
   </p:cSld>
   <p:clrMapOvr>
     <a:masterClrMapping/>
@@ -2030,9 +4623,9 @@
           <a:bodyPr/>
           <a:lstStyle/>
           <a:p>
-            <a:fld id="{8B1D1342-41FF-A84A-AC2C-2D3EF103CCD4}" type="datetime1">
-              <a:rPr lang="en-US" smtClean="0"/>
-              <a:t>11/4/15</a:t>
+            <a:fld id="{1C313BDA-17A9-8749-A339-66F6E8E03A82}" type="datetime1">
+              <a:rPr lang="en-US" smtClean="0"/>
+              <a:t>7/4/16</a:t>
             </a:fld>
             <a:endParaRPr lang="en-US"/>
           </a:p>
@@ -2048,7 +4641,15 @@
             <p:ph type="sldNum" sz="quarter" idx="11"/>
           </p:nvPr>
         </p:nvSpPr>
-        <p:spPr/>
+        <p:spPr>
+          <a:xfrm rot="16200000">
+            <a:off x="8227377" y="5885497"/>
+            <a:ext cx="1315721" cy="365125"/>
+          </a:xfrm>
+          <a:prstGeom prst="rect">
+            <a:avLst/>
+          </a:prstGeom>
+        </p:spPr>
         <p:txBody>
           <a:bodyPr/>
           <a:lstStyle/>
@@ -2078,13 +4679,18 @@
           <a:p>
             <a:r>
               <a:rPr lang="en-US" smtClean="0"/>
-              <a:t>© EV3Lessons.com, 2015, (Last edit: 11/04/2015)</a:t>
+              <a:t>© EV3Lessons.com, 2016, (Last edit: 7/04/2016)</a:t>
             </a:r>
             <a:endParaRPr lang="en-US"/>
           </a:p>
         </p:txBody>
       </p:sp>
     </p:spTree>
+    <p:extLst>
+      <p:ext uri="{BB962C8B-B14F-4D97-AF65-F5344CB8AC3E}">
+        <p14:creationId xmlns:p14="http://schemas.microsoft.com/office/powerpoint/2010/main" val="2086529222"/>
+      </p:ext>
+    </p:extLst>
   </p:cSld>
   <p:clrMapOvr>
     <a:masterClrMapping/>
@@ -2272,35 +4878,35 @@
           <a:p>
             <a:pPr lvl="0"/>
             <a:r>
-              <a:rPr lang="en-US" dirty="0" smtClean="0"/>
+              <a:rPr lang="en-US" smtClean="0"/>
               <a:t>Click to edit Master text styles</a:t>
             </a:r>
           </a:p>
           <a:p>
             <a:pPr lvl="1"/>
             <a:r>
-              <a:rPr lang="en-US" dirty="0" smtClean="0"/>
+              <a:rPr lang="en-US" smtClean="0"/>
               <a:t>Second level</a:t>
             </a:r>
           </a:p>
           <a:p>
             <a:pPr lvl="2"/>
             <a:r>
-              <a:rPr lang="en-US" dirty="0" smtClean="0"/>
+              <a:rPr lang="en-US" smtClean="0"/>
               <a:t>Third level</a:t>
             </a:r>
           </a:p>
           <a:p>
             <a:pPr lvl="3"/>
             <a:r>
-              <a:rPr lang="en-US" dirty="0" smtClean="0"/>
+              <a:rPr lang="en-US" smtClean="0"/>
               <a:t>Fourth level</a:t>
             </a:r>
           </a:p>
           <a:p>
             <a:pPr lvl="4"/>
             <a:r>
-              <a:rPr lang="en-US" dirty="0" smtClean="0"/>
+              <a:rPr lang="en-US" smtClean="0"/>
               <a:t>Fifth level</a:t>
             </a:r>
             <a:endParaRPr lang="en-US" dirty="0"/>
@@ -2322,9 +4928,9 @@
           <a:bodyPr/>
           <a:lstStyle/>
           <a:p>
-            <a:fld id="{281E2C2D-2811-8343-8C85-A2C946646C54}" type="datetime1">
-              <a:rPr lang="en-US" smtClean="0"/>
-              <a:t>11/4/15</a:t>
+            <a:fld id="{26BCD953-9CDD-E641-8DF1-F34622718B00}" type="datetime1">
+              <a:rPr lang="en-US" smtClean="0"/>
+              <a:t>7/4/16</a:t>
             </a:fld>
             <a:endParaRPr lang="en-US"/>
           </a:p>
@@ -2347,7 +4953,7 @@
           <a:p>
             <a:r>
               <a:rPr lang="en-US" smtClean="0"/>
-              <a:t>© EV3Lessons.com, 2015, (Last edit: 11/04/2015)</a:t>
+              <a:t>© EV3Lessons.com, 2016, (Last edit: 7/04/2016)</a:t>
             </a:r>
             <a:endParaRPr lang="en-US"/>
           </a:p>
@@ -2363,7 +4969,15 @@
             <p:ph type="sldNum" sz="quarter" idx="12"/>
           </p:nvPr>
         </p:nvSpPr>
-        <p:spPr/>
+        <p:spPr>
+          <a:xfrm>
+            <a:off x="8477026" y="6358106"/>
+            <a:ext cx="666974" cy="365125"/>
+          </a:xfrm>
+          <a:prstGeom prst="rect">
+            <a:avLst/>
+          </a:prstGeom>
+        </p:spPr>
         <p:txBody>
           <a:bodyPr/>
           <a:lstStyle/>
@@ -2377,10 +4991,22 @@
         </p:txBody>
       </p:sp>
     </p:spTree>
+    <p:extLst>
+      <p:ext uri="{BB962C8B-B14F-4D97-AF65-F5344CB8AC3E}">
+        <p14:creationId xmlns:p14="http://schemas.microsoft.com/office/powerpoint/2010/main" val="2036162291"/>
+      </p:ext>
+    </p:extLst>
   </p:cSld>
   <p:clrMapOvr>
     <a:masterClrMapping/>
   </p:clrMapOvr>
+  <p:timing>
+    <p:tnLst>
+      <p:par>
+        <p:cTn id="1" dur="indefinite" restart="never" nodeType="tmRoot"/>
+      </p:par>
+    </p:tnLst>
+  </p:timing>
 </p:sldLayout>
 </file>
 
@@ -2765,9 +5391,9 @@
           <a:bodyPr/>
           <a:lstStyle/>
           <a:p>
-            <a:fld id="{025B5362-999B-194A-BC0F-563241D04BE2}" type="datetime1">
-              <a:rPr lang="en-US" smtClean="0"/>
-              <a:t>11/4/15</a:t>
+            <a:fld id="{E3EC1F0C-1782-5F47-BF85-11C088307CCE}" type="datetime1">
+              <a:rPr lang="en-US" smtClean="0"/>
+              <a:t>7/4/16</a:t>
             </a:fld>
             <a:endParaRPr lang="en-US"/>
           </a:p>
@@ -2790,15 +5416,15 @@
           <a:p>
             <a:r>
               <a:rPr lang="en-US" smtClean="0"/>
-              <a:t>© EV3Lessons.com, 2015, (Last edit: 11/04/2015)</a:t>
-            </a:r>
-            <a:endParaRPr lang="en-US"/>
-          </a:p>
-        </p:txBody>
-      </p:sp>
-      <p:sp>
-        <p:nvSpPr>
-          <p:cNvPr id="9" name="Slide Number Placeholder 8"/>
+              <a:t>© EV3Lessons.com, 2016, (Last edit: 7/04/2016)</a:t>
+            </a:r>
+            <a:endParaRPr lang="en-US"/>
+          </a:p>
+        </p:txBody>
+      </p:sp>
+      <p:sp>
+        <p:nvSpPr>
+          <p:cNvPr id="10" name="Slide Number Placeholder 6"/>
           <p:cNvSpPr>
             <a:spLocks noGrp="1"/>
           </p:cNvSpPr>
@@ -2806,7 +5432,15 @@
             <p:ph type="sldNum" sz="quarter" idx="12"/>
           </p:nvPr>
         </p:nvSpPr>
-        <p:spPr/>
+        <p:spPr>
+          <a:xfrm>
+            <a:off x="8477026" y="6358106"/>
+            <a:ext cx="666974" cy="365125"/>
+          </a:xfrm>
+          <a:prstGeom prst="rect">
+            <a:avLst/>
+          </a:prstGeom>
+        </p:spPr>
         <p:txBody>
           <a:bodyPr/>
           <a:lstStyle/>
@@ -2820,10 +5454,22 @@
         </p:txBody>
       </p:sp>
     </p:spTree>
+    <p:extLst>
+      <p:ext uri="{BB962C8B-B14F-4D97-AF65-F5344CB8AC3E}">
+        <p14:creationId xmlns:p14="http://schemas.microsoft.com/office/powerpoint/2010/main" val="1627709892"/>
+      </p:ext>
+    </p:extLst>
   </p:cSld>
   <p:clrMapOvr>
     <a:masterClrMapping/>
   </p:clrMapOvr>
+  <p:timing>
+    <p:tnLst>
+      <p:par>
+        <p:cTn id="1" dur="indefinite" restart="never" nodeType="tmRoot"/>
+      </p:par>
+    </p:tnLst>
+  </p:timing>
 </p:sldLayout>
 </file>
 
@@ -2882,9 +5528,9 @@
           <a:bodyPr/>
           <a:lstStyle/>
           <a:p>
-            <a:fld id="{7533F156-271F-F54F-981E-03F1EC5ED651}" type="datetime1">
-              <a:rPr lang="en-US" smtClean="0"/>
-              <a:t>11/4/15</a:t>
+            <a:fld id="{BD7B37F7-1EB0-5044-95FC-9842E2636BD0}" type="datetime1">
+              <a:rPr lang="en-US" smtClean="0"/>
+              <a:t>7/4/16</a:t>
             </a:fld>
             <a:endParaRPr lang="en-US"/>
           </a:p>
@@ -2907,15 +5553,15 @@
           <a:p>
             <a:r>
               <a:rPr lang="en-US" smtClean="0"/>
-              <a:t>© EV3Lessons.com, 2015, (Last edit: 11/04/2015)</a:t>
-            </a:r>
-            <a:endParaRPr lang="en-US"/>
-          </a:p>
-        </p:txBody>
-      </p:sp>
-      <p:sp>
-        <p:nvSpPr>
-          <p:cNvPr id="5" name="Slide Number Placeholder 4"/>
+              <a:t>© EV3Lessons.com, 2016, (Last edit: 7/04/2016)</a:t>
+            </a:r>
+            <a:endParaRPr lang="en-US"/>
+          </a:p>
+        </p:txBody>
+      </p:sp>
+      <p:sp>
+        <p:nvSpPr>
+          <p:cNvPr id="6" name="Slide Number Placeholder 6"/>
           <p:cNvSpPr>
             <a:spLocks noGrp="1"/>
           </p:cNvSpPr>
@@ -2923,7 +5569,15 @@
             <p:ph type="sldNum" sz="quarter" idx="12"/>
           </p:nvPr>
         </p:nvSpPr>
-        <p:spPr/>
+        <p:spPr>
+          <a:xfrm>
+            <a:off x="8477026" y="6358106"/>
+            <a:ext cx="666974" cy="365125"/>
+          </a:xfrm>
+          <a:prstGeom prst="rect">
+            <a:avLst/>
+          </a:prstGeom>
+        </p:spPr>
         <p:txBody>
           <a:bodyPr/>
           <a:lstStyle/>
@@ -2937,10 +5591,22 @@
         </p:txBody>
       </p:sp>
     </p:spTree>
+    <p:extLst>
+      <p:ext uri="{BB962C8B-B14F-4D97-AF65-F5344CB8AC3E}">
+        <p14:creationId xmlns:p14="http://schemas.microsoft.com/office/powerpoint/2010/main" val="125975711"/>
+      </p:ext>
+    </p:extLst>
   </p:cSld>
   <p:clrMapOvr>
     <a:masterClrMapping/>
   </p:clrMapOvr>
+  <p:timing>
+    <p:tnLst>
+      <p:par>
+        <p:cTn id="1" dur="indefinite" restart="never" nodeType="tmRoot"/>
+      </p:par>
+    </p:tnLst>
+  </p:timing>
 </p:sldLayout>
 </file>
 
@@ -2976,9 +5642,9 @@
           <a:bodyPr/>
           <a:lstStyle/>
           <a:p>
-            <a:fld id="{565785F9-7F0C-FF4A-87C5-17B47299AE7C}" type="datetime1">
-              <a:rPr lang="en-US" smtClean="0"/>
-              <a:t>11/4/15</a:t>
+            <a:fld id="{15137DE7-B9EE-4D40-A0EF-808DD4E7182D}" type="datetime1">
+              <a:rPr lang="en-US" smtClean="0"/>
+              <a:t>7/4/16</a:t>
             </a:fld>
             <a:endParaRPr lang="en-US"/>
           </a:p>
@@ -3001,7 +5667,7 @@
           <a:p>
             <a:r>
               <a:rPr lang="en-US" smtClean="0"/>
-              <a:t>© EV3Lessons.com, 2015, (Last edit: 11/04/2015)</a:t>
+              <a:t>© EV3Lessons.com, 2016, (Last edit: 7/04/2016)</a:t>
             </a:r>
             <a:endParaRPr lang="en-US"/>
           </a:p>
@@ -3017,7 +5683,15 @@
             <p:ph type="sldNum" sz="quarter" idx="12"/>
           </p:nvPr>
         </p:nvSpPr>
-        <p:spPr/>
+        <p:spPr>
+          <a:xfrm rot="16200000">
+            <a:off x="8227377" y="5885497"/>
+            <a:ext cx="1315721" cy="365125"/>
+          </a:xfrm>
+          <a:prstGeom prst="rect">
+            <a:avLst/>
+          </a:prstGeom>
+        </p:spPr>
         <p:txBody>
           <a:bodyPr/>
           <a:lstStyle/>
@@ -3031,6 +5705,11 @@
         </p:txBody>
       </p:sp>
     </p:spTree>
+    <p:extLst>
+      <p:ext uri="{BB962C8B-B14F-4D97-AF65-F5344CB8AC3E}">
+        <p14:creationId xmlns:p14="http://schemas.microsoft.com/office/powerpoint/2010/main" val="2002382482"/>
+      </p:ext>
+    </p:extLst>
   </p:cSld>
   <p:clrMapOvr>
     <a:masterClrMapping/>
@@ -3222,9 +5901,9 @@
           <a:bodyPr/>
           <a:lstStyle/>
           <a:p>
-            <a:fld id="{15F68DB3-1FC1-604E-B9C9-0EED751093F0}" type="datetime1">
-              <a:rPr lang="en-US" smtClean="0"/>
-              <a:t>11/4/15</a:t>
+            <a:fld id="{CB2395F5-5978-9540-BD24-F2F9C0B9FCBE}" type="datetime1">
+              <a:rPr lang="en-US" smtClean="0"/>
+              <a:t>7/4/16</a:t>
             </a:fld>
             <a:endParaRPr lang="en-US"/>
           </a:p>
@@ -3247,7 +5926,7 @@
           <a:p>
             <a:r>
               <a:rPr lang="en-US" smtClean="0"/>
-              <a:t>© EV3Lessons.com, 2015, (Last edit: 11/04/2015)</a:t>
+              <a:t>© EV3Lessons.com, 2016, (Last edit: 7/04/2016)</a:t>
             </a:r>
             <a:endParaRPr lang="en-US"/>
           </a:p>
@@ -3263,7 +5942,15 @@
             <p:ph type="sldNum" sz="quarter" idx="12"/>
           </p:nvPr>
         </p:nvSpPr>
-        <p:spPr/>
+        <p:spPr>
+          <a:xfrm rot="16200000">
+            <a:off x="8227377" y="5885497"/>
+            <a:ext cx="1315721" cy="365125"/>
+          </a:xfrm>
+          <a:prstGeom prst="rect">
+            <a:avLst/>
+          </a:prstGeom>
+        </p:spPr>
         <p:txBody>
           <a:bodyPr/>
           <a:lstStyle/>
@@ -3300,6 +5987,11 @@
         </p:txBody>
       </p:sp>
     </p:spTree>
+    <p:extLst>
+      <p:ext uri="{BB962C8B-B14F-4D97-AF65-F5344CB8AC3E}">
+        <p14:creationId xmlns:p14="http://schemas.microsoft.com/office/powerpoint/2010/main" val="826142837"/>
+      </p:ext>
+    </p:extLst>
   </p:cSld>
   <p:clrMapOvr>
     <a:masterClrMapping/>
@@ -3520,9 +6212,9 @@
           <a:bodyPr/>
           <a:lstStyle/>
           <a:p>
-            <a:fld id="{3FDCE113-7FD3-5A45-BFF8-119A49FD2837}" type="datetime1">
-              <a:rPr lang="en-US" smtClean="0"/>
-              <a:t>11/4/15</a:t>
+            <a:fld id="{7353B662-E131-CF46-AFCD-B12B87E9F76A}" type="datetime1">
+              <a:rPr lang="en-US" smtClean="0"/>
+              <a:t>7/4/16</a:t>
             </a:fld>
             <a:endParaRPr lang="en-US"/>
           </a:p>
@@ -3545,7 +6237,7 @@
           <a:p>
             <a:r>
               <a:rPr lang="en-US" smtClean="0"/>
-              <a:t>© EV3Lessons.com, 2015, (Last edit: 11/04/2015)</a:t>
+              <a:t>© EV3Lessons.com, 2016, (Last edit: 7/04/2016)</a:t>
             </a:r>
             <a:endParaRPr lang="en-US"/>
           </a:p>
@@ -3561,7 +6253,15 @@
             <p:ph type="sldNum" sz="quarter" idx="12"/>
           </p:nvPr>
         </p:nvSpPr>
-        <p:spPr/>
+        <p:spPr>
+          <a:xfrm rot="16200000">
+            <a:off x="8227377" y="5885497"/>
+            <a:ext cx="1315721" cy="365125"/>
+          </a:xfrm>
+          <a:prstGeom prst="rect">
+            <a:avLst/>
+          </a:prstGeom>
+        </p:spPr>
         <p:txBody>
           <a:bodyPr/>
           <a:lstStyle>
@@ -3663,6 +6363,11 @@
         </p:txBody>
       </p:sp>
     </p:spTree>
+    <p:extLst>
+      <p:ext uri="{BB962C8B-B14F-4D97-AF65-F5344CB8AC3E}">
+        <p14:creationId xmlns:p14="http://schemas.microsoft.com/office/powerpoint/2010/main" val="1500883604"/>
+      </p:ext>
+    </p:extLst>
   </p:cSld>
   <p:clrMapOvr>
     <a:masterClrMapping/>
@@ -3671,7 +6376,7 @@
 </file>
 
 <file path=ppt/slideMasters/slideMaster1.xml><?xml version="1.0" encoding="utf-8"?>
-<p:sldMaster xmlns:a="http://schemas.openxmlformats.org/drawingml/2006/main" xmlns:r="http://schemas.openxmlformats.org/officeDocument/2006/relationships" xmlns:p="http://schemas.openxmlformats.org/presentationml/2006/main">
+<p:sldMaster xmlns:a="http://schemas.openxmlformats.org/drawingml/2006/main" xmlns:r="http://schemas.openxmlformats.org/officeDocument/2006/relationships" xmlns:p="http://schemas.openxmlformats.org/presentationml/2006/main" preserve="1">
   <p:cSld>
     <p:bg>
       <p:bgRef idx="1001">
@@ -3718,7 +6423,7 @@
           <a:lstStyle/>
           <a:p>
             <a:r>
-              <a:rPr lang="en-US" dirty="0" smtClean="0"/>
+              <a:rPr lang="en-US" smtClean="0"/>
               <a:t>Click to edit Master title style</a:t>
             </a:r>
             <a:endParaRPr lang="en-US" dirty="0"/>
@@ -3818,9 +6523,9 @@
             </a:lvl1pPr>
           </a:lstStyle>
           <a:p>
-            <a:fld id="{88969E71-E921-5242-A17E-734C317BA911}" type="datetime1">
-              <a:rPr lang="en-US" smtClean="0"/>
-              <a:t>11/4/15</a:t>
+            <a:fld id="{4C388A24-F5D9-8F4C-8800-3F9D2728CE6D}" type="datetime1">
+              <a:rPr lang="en-US" smtClean="0"/>
+              <a:t>7/4/16</a:t>
             </a:fld>
             <a:endParaRPr lang="en-US"/>
           </a:p>
@@ -3859,15 +6564,15 @@
           <a:p>
             <a:r>
               <a:rPr lang="en-US" smtClean="0"/>
-              <a:t>© EV3Lessons.com, 2015, (Last edit: 11/04/2015)</a:t>
-            </a:r>
-            <a:endParaRPr lang="en-US"/>
-          </a:p>
-        </p:txBody>
-      </p:sp>
-      <p:sp>
-        <p:nvSpPr>
-          <p:cNvPr id="6" name="Slide Number Placeholder 5"/>
+              <a:t>© EV3Lessons.com, 2016, (Last edit: 7/04/2016)</a:t>
+            </a:r>
+            <a:endParaRPr lang="en-US"/>
+          </a:p>
+        </p:txBody>
+      </p:sp>
+      <p:sp>
+        <p:nvSpPr>
+          <p:cNvPr id="9" name="Slide Number Placeholder 6"/>
           <p:cNvSpPr>
             <a:spLocks noGrp="1"/>
           </p:cNvSpPr>
@@ -3877,24 +6582,16 @@
         </p:nvSpPr>
         <p:spPr>
           <a:xfrm>
-            <a:off x="8356800" y="6492875"/>
-            <a:ext cx="574937" cy="265458"/>
+            <a:off x="8477026" y="6358106"/>
+            <a:ext cx="666974" cy="365125"/>
           </a:xfrm>
           <a:prstGeom prst="rect">
             <a:avLst/>
           </a:prstGeom>
         </p:spPr>
         <p:txBody>
-          <a:bodyPr vert="horz" lIns="91440" tIns="45720" rIns="91440" bIns="45720" rtlCol="0" anchor="ctr"/>
-          <a:lstStyle>
-            <a:lvl1pPr algn="l">
-              <a:defRPr sz="2400" b="1">
-                <a:solidFill>
-                  <a:schemeClr val="tx2"/>
-                </a:solidFill>
-              </a:defRPr>
-            </a:lvl1pPr>
-          </a:lstStyle>
+          <a:bodyPr/>
+          <a:lstStyle/>
           <a:p>
             <a:fld id="{4DBC7FC8-25FB-FC45-8177-2B991DA6778C}" type="slidenum">
               <a:rPr lang="en-US" smtClean="0"/>
@@ -3906,13 +6603,13 @@
       </p:sp>
       <p:sp>
         <p:nvSpPr>
-          <p:cNvPr id="9" name="Rectangle 8"/>
+          <p:cNvPr id="10" name="Rectangle 9"/>
           <p:cNvSpPr/>
-          <p:nvPr userDrawn="1"/>
+          <p:nvPr/>
         </p:nvSpPr>
         <p:spPr>
           <a:xfrm>
-            <a:off x="9004705" y="2895600"/>
+            <a:off x="8996106" y="2895600"/>
             <a:ext cx="147895" cy="3962400"/>
           </a:xfrm>
           <a:prstGeom prst="rect">
@@ -3941,23 +6638,16 @@
             <a:schemeClr val="lt1"/>
           </a:fontRef>
         </p:style>
-        <p:txBody>
-          <a:bodyPr/>
-          <a:lstStyle/>
-          <a:p>
-            <a:endParaRPr lang="en-US"/>
-          </a:p>
-        </p:txBody>
-      </p:sp>
-      <p:sp>
-        <p:nvSpPr>
-          <p:cNvPr id="10" name="Rectangle 9"/>
+      </p:sp>
+      <p:sp>
+        <p:nvSpPr>
+          <p:cNvPr id="11" name="Rectangle 10"/>
           <p:cNvSpPr/>
-          <p:nvPr userDrawn="1"/>
+          <p:nvPr/>
         </p:nvSpPr>
         <p:spPr>
           <a:xfrm>
-            <a:off x="8967641" y="0"/>
+            <a:off x="8959042" y="0"/>
             <a:ext cx="184958" cy="2895600"/>
           </a:xfrm>
           <a:prstGeom prst="rect">
@@ -3986,23 +6676,16 @@
             <a:schemeClr val="lt1"/>
           </a:fontRef>
         </p:style>
-        <p:txBody>
-          <a:bodyPr/>
-          <a:lstStyle/>
-          <a:p>
-            <a:endParaRPr lang="en-US"/>
-          </a:p>
-        </p:txBody>
-      </p:sp>
-      <p:sp>
-        <p:nvSpPr>
-          <p:cNvPr id="11" name="Rectangle 10"/>
+      </p:sp>
+      <p:sp>
+        <p:nvSpPr>
+          <p:cNvPr id="12" name="Rectangle 11"/>
           <p:cNvSpPr/>
-          <p:nvPr userDrawn="1"/>
+          <p:nvPr/>
         </p:nvSpPr>
         <p:spPr>
           <a:xfrm>
-            <a:off x="8931737" y="0"/>
+            <a:off x="8904666" y="0"/>
             <a:ext cx="91440" cy="6858000"/>
           </a:xfrm>
           <a:prstGeom prst="rect">
@@ -4031,6 +6714,134 @@
             <a:schemeClr val="lt1"/>
           </a:fontRef>
         </p:style>
+      </p:sp>
+      <p:sp>
+        <p:nvSpPr>
+          <p:cNvPr id="13" name="Rectangle 12"/>
+          <p:cNvSpPr/>
+          <p:nvPr userDrawn="1"/>
+        </p:nvSpPr>
+        <p:spPr>
+          <a:xfrm>
+            <a:off x="9004705" y="2895600"/>
+            <a:ext cx="147895" cy="3962400"/>
+          </a:xfrm>
+          <a:prstGeom prst="rect">
+            <a:avLst/>
+          </a:prstGeom>
+          <a:solidFill>
+            <a:srgbClr val="92D050"/>
+          </a:solidFill>
+          <a:ln>
+            <a:noFill/>
+          </a:ln>
+        </p:spPr>
+        <p:style>
+          <a:lnRef idx="2">
+            <a:schemeClr val="accent1">
+              <a:shade val="50000"/>
+            </a:schemeClr>
+          </a:lnRef>
+          <a:fillRef idx="1">
+            <a:schemeClr val="accent1"/>
+          </a:fillRef>
+          <a:effectRef idx="0">
+            <a:schemeClr val="accent1"/>
+          </a:effectRef>
+          <a:fontRef idx="minor">
+            <a:schemeClr val="lt1"/>
+          </a:fontRef>
+        </p:style>
+        <p:txBody>
+          <a:bodyPr/>
+          <a:lstStyle/>
+          <a:p>
+            <a:endParaRPr lang="en-US"/>
+          </a:p>
+        </p:txBody>
+      </p:sp>
+      <p:sp>
+        <p:nvSpPr>
+          <p:cNvPr id="14" name="Rectangle 13"/>
+          <p:cNvSpPr/>
+          <p:nvPr userDrawn="1"/>
+        </p:nvSpPr>
+        <p:spPr>
+          <a:xfrm>
+            <a:off x="8967641" y="0"/>
+            <a:ext cx="184958" cy="2895600"/>
+          </a:xfrm>
+          <a:prstGeom prst="rect">
+            <a:avLst/>
+          </a:prstGeom>
+          <a:solidFill>
+            <a:srgbClr val="7030A0"/>
+          </a:solidFill>
+          <a:ln>
+            <a:noFill/>
+          </a:ln>
+        </p:spPr>
+        <p:style>
+          <a:lnRef idx="2">
+            <a:schemeClr val="accent1">
+              <a:shade val="50000"/>
+            </a:schemeClr>
+          </a:lnRef>
+          <a:fillRef idx="1">
+            <a:schemeClr val="accent1"/>
+          </a:fillRef>
+          <a:effectRef idx="0">
+            <a:schemeClr val="accent1"/>
+          </a:effectRef>
+          <a:fontRef idx="minor">
+            <a:schemeClr val="lt1"/>
+          </a:fontRef>
+        </p:style>
+        <p:txBody>
+          <a:bodyPr/>
+          <a:lstStyle/>
+          <a:p>
+            <a:endParaRPr lang="en-US"/>
+          </a:p>
+        </p:txBody>
+      </p:sp>
+      <p:sp>
+        <p:nvSpPr>
+          <p:cNvPr id="15" name="Rectangle 14"/>
+          <p:cNvSpPr/>
+          <p:nvPr userDrawn="1"/>
+        </p:nvSpPr>
+        <p:spPr>
+          <a:xfrm>
+            <a:off x="8931737" y="0"/>
+            <a:ext cx="91440" cy="6858000"/>
+          </a:xfrm>
+          <a:prstGeom prst="rect">
+            <a:avLst/>
+          </a:prstGeom>
+          <a:solidFill>
+            <a:srgbClr val="0070C0"/>
+          </a:solidFill>
+          <a:ln>
+            <a:noFill/>
+          </a:ln>
+        </p:spPr>
+        <p:style>
+          <a:lnRef idx="2">
+            <a:schemeClr val="accent1">
+              <a:shade val="50000"/>
+            </a:schemeClr>
+          </a:lnRef>
+          <a:fillRef idx="1">
+            <a:schemeClr val="accent1"/>
+          </a:fillRef>
+          <a:effectRef idx="0">
+            <a:schemeClr val="accent1"/>
+          </a:effectRef>
+          <a:fontRef idx="minor">
+            <a:schemeClr val="lt1"/>
+          </a:fontRef>
+        </p:style>
         <p:txBody>
           <a:bodyPr/>
           <a:lstStyle/>
@@ -4040,21 +6851,33 @@
         </p:txBody>
       </p:sp>
     </p:spTree>
+    <p:extLst>
+      <p:ext uri="{BB962C8B-B14F-4D97-AF65-F5344CB8AC3E}">
+        <p14:creationId xmlns:p14="http://schemas.microsoft.com/office/powerpoint/2010/main" val="869953466"/>
+      </p:ext>
+    </p:extLst>
   </p:cSld>
   <p:clrMap bg1="lt1" tx1="dk1" bg2="lt2" tx2="dk2" accent1="accent1" accent2="accent2" accent3="accent3" accent4="accent4" accent5="accent5" accent6="accent6" hlink="hlink" folHlink="folHlink"/>
   <p:sldLayoutIdLst>
-    <p:sldLayoutId id="2147483715" r:id="rId1"/>
-    <p:sldLayoutId id="2147483716" r:id="rId2"/>
-    <p:sldLayoutId id="2147483717" r:id="rId3"/>
-    <p:sldLayoutId id="2147483718" r:id="rId4"/>
-    <p:sldLayoutId id="2147483719" r:id="rId5"/>
-    <p:sldLayoutId id="2147483720" r:id="rId6"/>
-    <p:sldLayoutId id="2147483721" r:id="rId7"/>
-    <p:sldLayoutId id="2147483722" r:id="rId8"/>
-    <p:sldLayoutId id="2147483723" r:id="rId9"/>
-    <p:sldLayoutId id="2147483724" r:id="rId10"/>
-    <p:sldLayoutId id="2147483725" r:id="rId11"/>
+    <p:sldLayoutId id="2147483727" r:id="rId1"/>
+    <p:sldLayoutId id="2147483728" r:id="rId2"/>
+    <p:sldLayoutId id="2147483729" r:id="rId3"/>
+    <p:sldLayoutId id="2147483730" r:id="rId4"/>
+    <p:sldLayoutId id="2147483731" r:id="rId5"/>
+    <p:sldLayoutId id="2147483732" r:id="rId6"/>
+    <p:sldLayoutId id="2147483733" r:id="rId7"/>
+    <p:sldLayoutId id="2147483734" r:id="rId8"/>
+    <p:sldLayoutId id="2147483735" r:id="rId9"/>
+    <p:sldLayoutId id="2147483736" r:id="rId10"/>
+    <p:sldLayoutId id="2147483737" r:id="rId11"/>
   </p:sldLayoutIdLst>
+  <p:timing>
+    <p:tnLst>
+      <p:par>
+        <p:cTn id="1" dur="indefinite" restart="never" nodeType="tmRoot"/>
+      </p:par>
+    </p:tnLst>
+  </p:timing>
   <p:hf hdr="0" dt="0"/>
   <p:txStyles>
     <p:titleStyle>
@@ -4336,6 +7159,551 @@
 </p:sldMaster>
 </file>
 
+<file path=ppt/slideMasters/slideMaster2.xml><?xml version="1.0" encoding="utf-8"?>
+<p:sldMaster xmlns:a="http://schemas.openxmlformats.org/drawingml/2006/main" xmlns:r="http://schemas.openxmlformats.org/officeDocument/2006/relationships" xmlns:p="http://schemas.openxmlformats.org/presentationml/2006/main" preserve="1">
+  <p:cSld>
+    <p:bg>
+      <p:bgRef idx="1001">
+        <a:schemeClr val="bg1"/>
+      </p:bgRef>
+    </p:bg>
+    <p:spTree>
+      <p:nvGrpSpPr>
+        <p:cNvPr id="1" name=""/>
+        <p:cNvGrpSpPr/>
+        <p:nvPr/>
+      </p:nvGrpSpPr>
+      <p:grpSpPr>
+        <a:xfrm>
+          <a:off x="0" y="0"/>
+          <a:ext cx="0" cy="0"/>
+          <a:chOff x="0" y="0"/>
+          <a:chExt cx="0" cy="0"/>
+        </a:xfrm>
+      </p:grpSpPr>
+      <p:sp>
+        <p:nvSpPr>
+          <p:cNvPr id="2" name="Title Placeholder 1"/>
+          <p:cNvSpPr>
+            <a:spLocks noGrp="1"/>
+          </p:cNvSpPr>
+          <p:nvPr>
+            <p:ph type="title"/>
+          </p:nvPr>
+        </p:nvSpPr>
+        <p:spPr>
+          <a:xfrm>
+            <a:off x="628650" y="365125"/>
+            <a:ext cx="7886700" cy="1325563"/>
+          </a:xfrm>
+          <a:prstGeom prst="rect">
+            <a:avLst/>
+          </a:prstGeom>
+        </p:spPr>
+        <p:txBody>
+          <a:bodyPr vert="horz" lIns="91440" tIns="45720" rIns="91440" bIns="45720" rtlCol="0" anchor="ctr">
+            <a:normAutofit/>
+          </a:bodyPr>
+          <a:lstStyle/>
+          <a:p>
+            <a:r>
+              <a:rPr lang="en-US" smtClean="0"/>
+              <a:t>Click to edit Master title style</a:t>
+            </a:r>
+            <a:endParaRPr lang="en-US"/>
+          </a:p>
+        </p:txBody>
+      </p:sp>
+      <p:sp>
+        <p:nvSpPr>
+          <p:cNvPr id="3" name="Text Placeholder 2"/>
+          <p:cNvSpPr>
+            <a:spLocks noGrp="1"/>
+          </p:cNvSpPr>
+          <p:nvPr>
+            <p:ph type="body" idx="1"/>
+          </p:nvPr>
+        </p:nvSpPr>
+        <p:spPr>
+          <a:xfrm>
+            <a:off x="628650" y="1825625"/>
+            <a:ext cx="7886700" cy="4351338"/>
+          </a:xfrm>
+          <a:prstGeom prst="rect">
+            <a:avLst/>
+          </a:prstGeom>
+        </p:spPr>
+        <p:txBody>
+          <a:bodyPr vert="horz" lIns="91440" tIns="45720" rIns="91440" bIns="45720" rtlCol="0">
+            <a:normAutofit/>
+          </a:bodyPr>
+          <a:lstStyle/>
+          <a:p>
+            <a:pPr lvl="0"/>
+            <a:r>
+              <a:rPr lang="en-US" smtClean="0"/>
+              <a:t>Click to edit Master text styles</a:t>
+            </a:r>
+          </a:p>
+          <a:p>
+            <a:pPr lvl="1"/>
+            <a:r>
+              <a:rPr lang="en-US" smtClean="0"/>
+              <a:t>Second level</a:t>
+            </a:r>
+          </a:p>
+          <a:p>
+            <a:pPr lvl="2"/>
+            <a:r>
+              <a:rPr lang="en-US" smtClean="0"/>
+              <a:t>Third level</a:t>
+            </a:r>
+          </a:p>
+          <a:p>
+            <a:pPr lvl="3"/>
+            <a:r>
+              <a:rPr lang="en-US" smtClean="0"/>
+              <a:t>Fourth level</a:t>
+            </a:r>
+          </a:p>
+          <a:p>
+            <a:pPr lvl="4"/>
+            <a:r>
+              <a:rPr lang="en-US" smtClean="0"/>
+              <a:t>Fifth level</a:t>
+            </a:r>
+            <a:endParaRPr lang="en-US"/>
+          </a:p>
+        </p:txBody>
+      </p:sp>
+      <p:sp>
+        <p:nvSpPr>
+          <p:cNvPr id="4" name="Date Placeholder 3"/>
+          <p:cNvSpPr>
+            <a:spLocks noGrp="1"/>
+          </p:cNvSpPr>
+          <p:nvPr>
+            <p:ph type="dt" sz="half" idx="2"/>
+          </p:nvPr>
+        </p:nvSpPr>
+        <p:spPr>
+          <a:xfrm>
+            <a:off x="628650" y="6356350"/>
+            <a:ext cx="2057400" cy="365125"/>
+          </a:xfrm>
+          <a:prstGeom prst="rect">
+            <a:avLst/>
+          </a:prstGeom>
+        </p:spPr>
+        <p:txBody>
+          <a:bodyPr vert="horz" lIns="91440" tIns="45720" rIns="91440" bIns="45720" rtlCol="0" anchor="ctr"/>
+          <a:lstStyle>
+            <a:lvl1pPr algn="l">
+              <a:defRPr sz="1200">
+                <a:solidFill>
+                  <a:schemeClr val="tx1">
+                    <a:tint val="75000"/>
+                  </a:schemeClr>
+                </a:solidFill>
+              </a:defRPr>
+            </a:lvl1pPr>
+          </a:lstStyle>
+          <a:p>
+            <a:fld id="{F4F77908-5A09-BB4F-859F-0387F355CD29}" type="datetime1">
+              <a:rPr lang="en-US" smtClean="0"/>
+              <a:t>7/4/16</a:t>
+            </a:fld>
+            <a:endParaRPr lang="en-US"/>
+          </a:p>
+        </p:txBody>
+      </p:sp>
+      <p:sp>
+        <p:nvSpPr>
+          <p:cNvPr id="5" name="Footer Placeholder 4"/>
+          <p:cNvSpPr>
+            <a:spLocks noGrp="1"/>
+          </p:cNvSpPr>
+          <p:nvPr>
+            <p:ph type="ftr" sz="quarter" idx="3"/>
+          </p:nvPr>
+        </p:nvSpPr>
+        <p:spPr>
+          <a:xfrm>
+            <a:off x="3028950" y="6356350"/>
+            <a:ext cx="3086100" cy="365125"/>
+          </a:xfrm>
+          <a:prstGeom prst="rect">
+            <a:avLst/>
+          </a:prstGeom>
+        </p:spPr>
+        <p:txBody>
+          <a:bodyPr vert="horz" lIns="91440" tIns="45720" rIns="91440" bIns="45720" rtlCol="0" anchor="ctr"/>
+          <a:lstStyle>
+            <a:lvl1pPr algn="ctr">
+              <a:defRPr sz="1200">
+                <a:solidFill>
+                  <a:schemeClr val="tx1">
+                    <a:tint val="75000"/>
+                  </a:schemeClr>
+                </a:solidFill>
+              </a:defRPr>
+            </a:lvl1pPr>
+          </a:lstStyle>
+          <a:p>
+            <a:r>
+              <a:rPr lang="en-US" smtClean="0"/>
+              <a:t>© EV3Lessons.com, 2016, (Last edit: 7/04/2016)</a:t>
+            </a:r>
+            <a:endParaRPr lang="en-US"/>
+          </a:p>
+        </p:txBody>
+      </p:sp>
+      <p:sp>
+        <p:nvSpPr>
+          <p:cNvPr id="6" name="Slide Number Placeholder 5"/>
+          <p:cNvSpPr>
+            <a:spLocks noGrp="1"/>
+          </p:cNvSpPr>
+          <p:nvPr>
+            <p:ph type="sldNum" sz="quarter" idx="4"/>
+          </p:nvPr>
+        </p:nvSpPr>
+        <p:spPr>
+          <a:xfrm>
+            <a:off x="6457950" y="6356350"/>
+            <a:ext cx="2057400" cy="365125"/>
+          </a:xfrm>
+          <a:prstGeom prst="rect">
+            <a:avLst/>
+          </a:prstGeom>
+        </p:spPr>
+        <p:txBody>
+          <a:bodyPr vert="horz" lIns="91440" tIns="45720" rIns="91440" bIns="45720" rtlCol="0" anchor="ctr"/>
+          <a:lstStyle>
+            <a:lvl1pPr algn="r">
+              <a:defRPr sz="1200">
+                <a:solidFill>
+                  <a:schemeClr val="tx1">
+                    <a:tint val="75000"/>
+                  </a:schemeClr>
+                </a:solidFill>
+              </a:defRPr>
+            </a:lvl1pPr>
+          </a:lstStyle>
+          <a:p>
+            <a:fld id="{DE42E464-3EB8-43C8-8768-9E2AD4F497B7}" type="slidenum">
+              <a:rPr lang="en-US" smtClean="0"/>
+              <a:t>‹#›</a:t>
+            </a:fld>
+            <a:endParaRPr lang="en-US"/>
+          </a:p>
+        </p:txBody>
+      </p:sp>
+    </p:spTree>
+    <p:extLst>
+      <p:ext uri="{BB962C8B-B14F-4D97-AF65-F5344CB8AC3E}">
+        <p14:creationId xmlns:p14="http://schemas.microsoft.com/office/powerpoint/2010/main" val="381527659"/>
+      </p:ext>
+    </p:extLst>
+  </p:cSld>
+  <p:clrMap bg1="lt1" tx1="dk1" bg2="lt2" tx2="dk2" accent1="accent1" accent2="accent2" accent3="accent3" accent4="accent4" accent5="accent5" accent6="accent6" hlink="hlink" folHlink="folHlink"/>
+  <p:sldLayoutIdLst>
+    <p:sldLayoutId id="2147483739" r:id="rId1"/>
+    <p:sldLayoutId id="2147483740" r:id="rId2"/>
+    <p:sldLayoutId id="2147483741" r:id="rId3"/>
+    <p:sldLayoutId id="2147483742" r:id="rId4"/>
+    <p:sldLayoutId id="2147483743" r:id="rId5"/>
+    <p:sldLayoutId id="2147483744" r:id="rId6"/>
+    <p:sldLayoutId id="2147483745" r:id="rId7"/>
+    <p:sldLayoutId id="2147483746" r:id="rId8"/>
+    <p:sldLayoutId id="2147483747" r:id="rId9"/>
+    <p:sldLayoutId id="2147483748" r:id="rId10"/>
+    <p:sldLayoutId id="2147483749" r:id="rId11"/>
+  </p:sldLayoutIdLst>
+  <p:hf hdr="0" dt="0"/>
+  <p:txStyles>
+    <p:titleStyle>
+      <a:lvl1pPr algn="l" defTabSz="914400" rtl="0" eaLnBrk="1" latinLnBrk="0" hangingPunct="1">
+        <a:lnSpc>
+          <a:spcPct val="90000"/>
+        </a:lnSpc>
+        <a:spcBef>
+          <a:spcPct val="0"/>
+        </a:spcBef>
+        <a:buNone/>
+        <a:defRPr sz="4400" kern="1200">
+          <a:solidFill>
+            <a:schemeClr val="tx1"/>
+          </a:solidFill>
+          <a:latin typeface="+mj-lt"/>
+          <a:ea typeface="+mj-ea"/>
+          <a:cs typeface="+mj-cs"/>
+        </a:defRPr>
+      </a:lvl1pPr>
+    </p:titleStyle>
+    <p:bodyStyle>
+      <a:lvl1pPr marL="228600" indent="-228600" algn="l" defTabSz="914400" rtl="0" eaLnBrk="1" latinLnBrk="0" hangingPunct="1">
+        <a:lnSpc>
+          <a:spcPct val="90000"/>
+        </a:lnSpc>
+        <a:spcBef>
+          <a:spcPts val="1000"/>
+        </a:spcBef>
+        <a:buFont typeface="Arial" panose="020B0604020202020204" pitchFamily="34" charset="0"/>
+        <a:buChar char="•"/>
+        <a:defRPr sz="2800" kern="1200">
+          <a:solidFill>
+            <a:schemeClr val="tx1"/>
+          </a:solidFill>
+          <a:latin typeface="+mn-lt"/>
+          <a:ea typeface="+mn-ea"/>
+          <a:cs typeface="+mn-cs"/>
+        </a:defRPr>
+      </a:lvl1pPr>
+      <a:lvl2pPr marL="685800" indent="-228600" algn="l" defTabSz="914400" rtl="0" eaLnBrk="1" latinLnBrk="0" hangingPunct="1">
+        <a:lnSpc>
+          <a:spcPct val="90000"/>
+        </a:lnSpc>
+        <a:spcBef>
+          <a:spcPts val="500"/>
+        </a:spcBef>
+        <a:buFont typeface="Arial" panose="020B0604020202020204" pitchFamily="34" charset="0"/>
+        <a:buChar char="•"/>
+        <a:defRPr sz="2400" kern="1200">
+          <a:solidFill>
+            <a:schemeClr val="tx1"/>
+          </a:solidFill>
+          <a:latin typeface="+mn-lt"/>
+          <a:ea typeface="+mn-ea"/>
+          <a:cs typeface="+mn-cs"/>
+        </a:defRPr>
+      </a:lvl2pPr>
+      <a:lvl3pPr marL="1143000" indent="-228600" algn="l" defTabSz="914400" rtl="0" eaLnBrk="1" latinLnBrk="0" hangingPunct="1">
+        <a:lnSpc>
+          <a:spcPct val="90000"/>
+        </a:lnSpc>
+        <a:spcBef>
+          <a:spcPts val="500"/>
+        </a:spcBef>
+        <a:buFont typeface="Arial" panose="020B0604020202020204" pitchFamily="34" charset="0"/>
+        <a:buChar char="•"/>
+        <a:defRPr sz="2000" kern="1200">
+          <a:solidFill>
+            <a:schemeClr val="tx1"/>
+          </a:solidFill>
+          <a:latin typeface="+mn-lt"/>
+          <a:ea typeface="+mn-ea"/>
+          <a:cs typeface="+mn-cs"/>
+        </a:defRPr>
+      </a:lvl3pPr>
+      <a:lvl4pPr marL="1600200" indent="-228600" algn="l" defTabSz="914400" rtl="0" eaLnBrk="1" latinLnBrk="0" hangingPunct="1">
+        <a:lnSpc>
+          <a:spcPct val="90000"/>
+        </a:lnSpc>
+        <a:spcBef>
+          <a:spcPts val="500"/>
+        </a:spcBef>
+        <a:buFont typeface="Arial" panose="020B0604020202020204" pitchFamily="34" charset="0"/>
+        <a:buChar char="•"/>
+        <a:defRPr sz="1800" kern="1200">
+          <a:solidFill>
+            <a:schemeClr val="tx1"/>
+          </a:solidFill>
+          <a:latin typeface="+mn-lt"/>
+          <a:ea typeface="+mn-ea"/>
+          <a:cs typeface="+mn-cs"/>
+        </a:defRPr>
+      </a:lvl4pPr>
+      <a:lvl5pPr marL="2057400" indent="-228600" algn="l" defTabSz="914400" rtl="0" eaLnBrk="1" latinLnBrk="0" hangingPunct="1">
+        <a:lnSpc>
+          <a:spcPct val="90000"/>
+        </a:lnSpc>
+        <a:spcBef>
+          <a:spcPts val="500"/>
+        </a:spcBef>
+        <a:buFont typeface="Arial" panose="020B0604020202020204" pitchFamily="34" charset="0"/>
+        <a:buChar char="•"/>
+        <a:defRPr sz="1800" kern="1200">
+          <a:solidFill>
+            <a:schemeClr val="tx1"/>
+          </a:solidFill>
+          <a:latin typeface="+mn-lt"/>
+          <a:ea typeface="+mn-ea"/>
+          <a:cs typeface="+mn-cs"/>
+        </a:defRPr>
+      </a:lvl5pPr>
+      <a:lvl6pPr marL="2514600" indent="-228600" algn="l" defTabSz="914400" rtl="0" eaLnBrk="1" latinLnBrk="0" hangingPunct="1">
+        <a:lnSpc>
+          <a:spcPct val="90000"/>
+        </a:lnSpc>
+        <a:spcBef>
+          <a:spcPts val="500"/>
+        </a:spcBef>
+        <a:buFont typeface="Arial" panose="020B0604020202020204" pitchFamily="34" charset="0"/>
+        <a:buChar char="•"/>
+        <a:defRPr sz="1800" kern="1200">
+          <a:solidFill>
+            <a:schemeClr val="tx1"/>
+          </a:solidFill>
+          <a:latin typeface="+mn-lt"/>
+          <a:ea typeface="+mn-ea"/>
+          <a:cs typeface="+mn-cs"/>
+        </a:defRPr>
+      </a:lvl6pPr>
+      <a:lvl7pPr marL="2971800" indent="-228600" algn="l" defTabSz="914400" rtl="0" eaLnBrk="1" latinLnBrk="0" hangingPunct="1">
+        <a:lnSpc>
+          <a:spcPct val="90000"/>
+        </a:lnSpc>
+        <a:spcBef>
+          <a:spcPts val="500"/>
+        </a:spcBef>
+        <a:buFont typeface="Arial" panose="020B0604020202020204" pitchFamily="34" charset="0"/>
+        <a:buChar char="•"/>
+        <a:defRPr sz="1800" kern="1200">
+          <a:solidFill>
+            <a:schemeClr val="tx1"/>
+          </a:solidFill>
+          <a:latin typeface="+mn-lt"/>
+          <a:ea typeface="+mn-ea"/>
+          <a:cs typeface="+mn-cs"/>
+        </a:defRPr>
+      </a:lvl7pPr>
+      <a:lvl8pPr marL="3429000" indent="-228600" algn="l" defTabSz="914400" rtl="0" eaLnBrk="1" latinLnBrk="0" hangingPunct="1">
+        <a:lnSpc>
+          <a:spcPct val="90000"/>
+        </a:lnSpc>
+        <a:spcBef>
+          <a:spcPts val="500"/>
+        </a:spcBef>
+        <a:buFont typeface="Arial" panose="020B0604020202020204" pitchFamily="34" charset="0"/>
+        <a:buChar char="•"/>
+        <a:defRPr sz="1800" kern="1200">
+          <a:solidFill>
+            <a:schemeClr val="tx1"/>
+          </a:solidFill>
+          <a:latin typeface="+mn-lt"/>
+          <a:ea typeface="+mn-ea"/>
+          <a:cs typeface="+mn-cs"/>
+        </a:defRPr>
+      </a:lvl8pPr>
+      <a:lvl9pPr marL="3886200" indent="-228600" algn="l" defTabSz="914400" rtl="0" eaLnBrk="1" latinLnBrk="0" hangingPunct="1">
+        <a:lnSpc>
+          <a:spcPct val="90000"/>
+        </a:lnSpc>
+        <a:spcBef>
+          <a:spcPts val="500"/>
+        </a:spcBef>
+        <a:buFont typeface="Arial" panose="020B0604020202020204" pitchFamily="34" charset="0"/>
+        <a:buChar char="•"/>
+        <a:defRPr sz="1800" kern="1200">
+          <a:solidFill>
+            <a:schemeClr val="tx1"/>
+          </a:solidFill>
+          <a:latin typeface="+mn-lt"/>
+          <a:ea typeface="+mn-ea"/>
+          <a:cs typeface="+mn-cs"/>
+        </a:defRPr>
+      </a:lvl9pPr>
+    </p:bodyStyle>
+    <p:otherStyle>
+      <a:defPPr>
+        <a:defRPr lang="en-US"/>
+      </a:defPPr>
+      <a:lvl1pPr marL="0" algn="l" defTabSz="914400" rtl="0" eaLnBrk="1" latinLnBrk="0" hangingPunct="1">
+        <a:defRPr sz="1800" kern="1200">
+          <a:solidFill>
+            <a:schemeClr val="tx1"/>
+          </a:solidFill>
+          <a:latin typeface="+mn-lt"/>
+          <a:ea typeface="+mn-ea"/>
+          <a:cs typeface="+mn-cs"/>
+        </a:defRPr>
+      </a:lvl1pPr>
+      <a:lvl2pPr marL="457200" algn="l" defTabSz="914400" rtl="0" eaLnBrk="1" latinLnBrk="0" hangingPunct="1">
+        <a:defRPr sz="1800" kern="1200">
+          <a:solidFill>
+            <a:schemeClr val="tx1"/>
+          </a:solidFill>
+          <a:latin typeface="+mn-lt"/>
+          <a:ea typeface="+mn-ea"/>
+          <a:cs typeface="+mn-cs"/>
+        </a:defRPr>
+      </a:lvl2pPr>
+      <a:lvl3pPr marL="914400" algn="l" defTabSz="914400" rtl="0" eaLnBrk="1" latinLnBrk="0" hangingPunct="1">
+        <a:defRPr sz="1800" kern="1200">
+          <a:solidFill>
+            <a:schemeClr val="tx1"/>
+          </a:solidFill>
+          <a:latin typeface="+mn-lt"/>
+          <a:ea typeface="+mn-ea"/>
+          <a:cs typeface="+mn-cs"/>
+        </a:defRPr>
+      </a:lvl3pPr>
+      <a:lvl4pPr marL="1371600" algn="l" defTabSz="914400" rtl="0" eaLnBrk="1" latinLnBrk="0" hangingPunct="1">
+        <a:defRPr sz="1800" kern="1200">
+          <a:solidFill>
+            <a:schemeClr val="tx1"/>
+          </a:solidFill>
+          <a:latin typeface="+mn-lt"/>
+          <a:ea typeface="+mn-ea"/>
+          <a:cs typeface="+mn-cs"/>
+        </a:defRPr>
+      </a:lvl4pPr>
+      <a:lvl5pPr marL="1828800" algn="l" defTabSz="914400" rtl="0" eaLnBrk="1" latinLnBrk="0" hangingPunct="1">
+        <a:defRPr sz="1800" kern="1200">
+          <a:solidFill>
+            <a:schemeClr val="tx1"/>
+          </a:solidFill>
+          <a:latin typeface="+mn-lt"/>
+          <a:ea typeface="+mn-ea"/>
+          <a:cs typeface="+mn-cs"/>
+        </a:defRPr>
+      </a:lvl5pPr>
+      <a:lvl6pPr marL="2286000" algn="l" defTabSz="914400" rtl="0" eaLnBrk="1" latinLnBrk="0" hangingPunct="1">
+        <a:defRPr sz="1800" kern="1200">
+          <a:solidFill>
+            <a:schemeClr val="tx1"/>
+          </a:solidFill>
+          <a:latin typeface="+mn-lt"/>
+          <a:ea typeface="+mn-ea"/>
+          <a:cs typeface="+mn-cs"/>
+        </a:defRPr>
+      </a:lvl6pPr>
+      <a:lvl7pPr marL="2743200" algn="l" defTabSz="914400" rtl="0" eaLnBrk="1" latinLnBrk="0" hangingPunct="1">
+        <a:defRPr sz="1800" kern="1200">
+          <a:solidFill>
+            <a:schemeClr val="tx1"/>
+          </a:solidFill>
+          <a:latin typeface="+mn-lt"/>
+          <a:ea typeface="+mn-ea"/>
+          <a:cs typeface="+mn-cs"/>
+        </a:defRPr>
+      </a:lvl7pPr>
+      <a:lvl8pPr marL="3200400" algn="l" defTabSz="914400" rtl="0" eaLnBrk="1" latinLnBrk="0" hangingPunct="1">
+        <a:defRPr sz="1800" kern="1200">
+          <a:solidFill>
+            <a:schemeClr val="tx1"/>
+          </a:solidFill>
+          <a:latin typeface="+mn-lt"/>
+          <a:ea typeface="+mn-ea"/>
+          <a:cs typeface="+mn-cs"/>
+        </a:defRPr>
+      </a:lvl8pPr>
+      <a:lvl9pPr marL="3657600" algn="l" defTabSz="914400" rtl="0" eaLnBrk="1" latinLnBrk="0" hangingPunct="1">
+        <a:defRPr sz="1800" kern="1200">
+          <a:solidFill>
+            <a:schemeClr val="tx1"/>
+          </a:solidFill>
+          <a:latin typeface="+mn-lt"/>
+          <a:ea typeface="+mn-ea"/>
+          <a:cs typeface="+mn-cs"/>
+        </a:defRPr>
+      </a:lvl9pPr>
+    </p:otherStyle>
+  </p:txStyles>
+</p:sldMaster>
+</file>
+
 <file path=ppt/slides/slide1.xml><?xml version="1.0" encoding="utf-8"?>
 <p:sld xmlns:a="http://schemas.openxmlformats.org/drawingml/2006/main" xmlns:r="http://schemas.openxmlformats.org/officeDocument/2006/relationships" xmlns:p="http://schemas.openxmlformats.org/presentationml/2006/main">
   <p:cSld>
@@ -4355,7 +7723,30 @@
       </p:grpSpPr>
       <p:sp>
         <p:nvSpPr>
-          <p:cNvPr id="2" name="Title 1"/>
+          <p:cNvPr id="2" name="Subtitle 1"/>
+          <p:cNvSpPr>
+            <a:spLocks noGrp="1"/>
+          </p:cNvSpPr>
+          <p:nvPr>
+            <p:ph type="subTitle" idx="1"/>
+          </p:nvPr>
+        </p:nvSpPr>
+        <p:spPr/>
+        <p:txBody>
+          <a:bodyPr/>
+          <a:lstStyle/>
+          <a:p>
+            <a:r>
+              <a:rPr lang="en-US" dirty="0" smtClean="0"/>
+              <a:t>Port View &amp; Using Sensor Data</a:t>
+            </a:r>
+            <a:endParaRPr lang="en-US" dirty="0"/>
+          </a:p>
+        </p:txBody>
+      </p:sp>
+      <p:sp>
+        <p:nvSpPr>
+          <p:cNvPr id="3" name="Title 2"/>
           <p:cNvSpPr>
             <a:spLocks noGrp="1"/>
           </p:cNvSpPr>
@@ -4363,202 +7754,30 @@
             <p:ph type="ctrTitle"/>
           </p:nvPr>
         </p:nvSpPr>
-        <p:spPr>
-          <a:xfrm>
-            <a:off x="402305" y="311631"/>
-            <a:ext cx="4182799" cy="1923569"/>
-          </a:xfrm>
-        </p:spPr>
+        <p:spPr/>
         <p:txBody>
           <a:bodyPr/>
           <a:lstStyle/>
           <a:p>
             <a:pPr algn="ctr"/>
             <a:r>
-              <a:rPr lang="en-US" sz="3200" dirty="0" smtClean="0"/>
-              <a:t>BEGINNER EV3 PROGRAMMING</a:t>
-            </a:r>
-            <a:r>
-              <a:rPr lang="en-US" sz="4000" dirty="0" smtClean="0"/>
-              <a:t/>
-            </a:r>
-            <a:br>
-              <a:rPr lang="en-US" sz="4000" dirty="0" smtClean="0"/>
-            </a:br>
-            <a:r>
-              <a:rPr lang="en-US" sz="3200" dirty="0" smtClean="0"/>
-              <a:t>Lesson</a:t>
-            </a:r>
-            <a:endParaRPr lang="en-US" sz="3200" dirty="0"/>
-          </a:p>
-        </p:txBody>
-      </p:sp>
-      <p:sp>
-        <p:nvSpPr>
-          <p:cNvPr id="7" name="TextBox 6"/>
-          <p:cNvSpPr txBox="1"/>
-          <p:nvPr/>
-        </p:nvSpPr>
-        <p:spPr>
-          <a:xfrm>
-            <a:off x="1421808" y="6211252"/>
-            <a:ext cx="4750545" cy="400110"/>
-          </a:xfrm>
-          <a:prstGeom prst="rect">
-            <a:avLst/>
-          </a:prstGeom>
-          <a:noFill/>
-        </p:spPr>
-        <p:txBody>
-          <a:bodyPr wrap="square" rtlCol="0">
-            <a:spAutoFit/>
-          </a:bodyPr>
-          <a:lstStyle/>
-          <a:p>
-            <a:r>
-              <a:rPr lang="en-US" sz="2000" dirty="0" smtClean="0"/>
-              <a:t>By: Droids Robotics</a:t>
-            </a:r>
-          </a:p>
-        </p:txBody>
-      </p:sp>
-      <p:sp>
-        <p:nvSpPr>
-          <p:cNvPr id="4" name="TextBox 3"/>
-          <p:cNvSpPr txBox="1"/>
-          <p:nvPr/>
-        </p:nvSpPr>
-        <p:spPr>
-          <a:xfrm>
-            <a:off x="491348" y="3098652"/>
-            <a:ext cx="8187512" cy="523220"/>
-          </a:xfrm>
-          <a:prstGeom prst="rect">
-            <a:avLst/>
-          </a:prstGeom>
-          <a:noFill/>
-        </p:spPr>
-        <p:txBody>
-          <a:bodyPr wrap="square" rtlCol="0">
-            <a:spAutoFit/>
-          </a:bodyPr>
-          <a:lstStyle/>
-          <a:p>
-            <a:r>
-              <a:rPr lang="en-US" sz="2800" dirty="0" smtClean="0">
-                <a:solidFill>
-                  <a:srgbClr val="FF0000"/>
-                </a:solidFill>
-              </a:rPr>
-              <a:t>Using Sensor Data </a:t>
-            </a:r>
-            <a:r>
-              <a:rPr lang="en-US" sz="2800" dirty="0" smtClean="0">
-                <a:solidFill>
-                  <a:srgbClr val="FF0000"/>
-                </a:solidFill>
-              </a:rPr>
-              <a:t>and </a:t>
-            </a:r>
-            <a:r>
-              <a:rPr lang="en-US" sz="2800" dirty="0" smtClean="0">
-                <a:solidFill>
-                  <a:srgbClr val="FF0000"/>
-                </a:solidFill>
-              </a:rPr>
-              <a:t>Port View</a:t>
-            </a:r>
-          </a:p>
-        </p:txBody>
-      </p:sp>
-      <p:pic>
-        <p:nvPicPr>
-          <p:cNvPr id="1026" name="Picture 2" descr="EV3Lessons.com"/>
-          <p:cNvPicPr>
-            <a:picLocks noChangeAspect="1" noChangeArrowheads="1"/>
-          </p:cNvPicPr>
-          <p:nvPr/>
-        </p:nvPicPr>
-        <p:blipFill>
-          <a:blip r:embed="rId3" cstate="screen">
-            <a:extLst>
-              <a:ext uri="{28A0092B-C50C-407E-A947-70E740481C1C}">
-                <a14:useLocalDpi xmlns:a14="http://schemas.microsoft.com/office/drawing/2010/main"/>
-              </a:ext>
-            </a:extLst>
-          </a:blip>
-          <a:srcRect/>
-          <a:stretch>
-            <a:fillRect/>
-          </a:stretch>
-        </p:blipFill>
-        <p:spPr bwMode="auto">
-          <a:xfrm>
-            <a:off x="4585105" y="436041"/>
-            <a:ext cx="4231698" cy="1571774"/>
-          </a:xfrm>
-          <a:prstGeom prst="rect">
-            <a:avLst/>
-          </a:prstGeom>
-          <a:noFill/>
-          <a:extLst>
-            <a:ext uri="{909E8E84-426E-40dd-AFC4-6F175D3DCCD1}">
-              <a14:hiddenFill xmlns:a14="http://schemas.microsoft.com/office/drawing/2010/main" xmlns="">
-                <a:solidFill>
-                  <a:srgbClr val="FFFFFF"/>
-                </a:solidFill>
-              </a14:hiddenFill>
-            </a:ext>
-          </a:extLst>
-        </p:spPr>
-      </p:pic>
-      <p:pic>
-        <p:nvPicPr>
-          <p:cNvPr id="5" name="Picture 4"/>
-          <p:cNvPicPr>
-            <a:picLocks noChangeAspect="1"/>
-          </p:cNvPicPr>
-          <p:nvPr/>
-        </p:nvPicPr>
-        <p:blipFill>
-          <a:blip r:embed="rId4" cstate="screen">
-            <a:extLst>
-              <a:ext uri="{28A0092B-C50C-407E-A947-70E740481C1C}">
-                <a14:useLocalDpi xmlns:a14="http://schemas.microsoft.com/office/drawing/2010/main"/>
-              </a:ext>
-            </a:extLst>
-          </a:blip>
-          <a:stretch>
-            <a:fillRect/>
-          </a:stretch>
-        </p:blipFill>
-        <p:spPr>
-          <a:xfrm>
-            <a:off x="402305" y="5723590"/>
-            <a:ext cx="1019503" cy="975325"/>
-          </a:xfrm>
-          <a:prstGeom prst="rect">
-            <a:avLst/>
-          </a:prstGeom>
-        </p:spPr>
-      </p:pic>
+              <a:rPr lang="en-US" dirty="0" smtClean="0"/>
+              <a:t>BEGINNER PROGRAMMING LESSON</a:t>
+            </a:r>
+            <a:endParaRPr lang="en-US" dirty="0"/>
+          </a:p>
+        </p:txBody>
+      </p:sp>
     </p:spTree>
     <p:extLst>
       <p:ext uri="{BB962C8B-B14F-4D97-AF65-F5344CB8AC3E}">
-        <p14:creationId xmlns:p14="http://schemas.microsoft.com/office/powerpoint/2010/main" val="2169424735"/>
+        <p14:creationId xmlns:p14="http://schemas.microsoft.com/office/powerpoint/2010/main" val="1621017518"/>
       </p:ext>
     </p:extLst>
   </p:cSld>
   <p:clrMapOvr>
     <a:masterClrMapping/>
   </p:clrMapOvr>
-  <p:timing>
-    <p:tnLst>
-      <p:par>
-        <p:cTn id="1" dur="indefinite" restart="never" nodeType="tmRoot"/>
-      </p:par>
-    </p:tnLst>
-  </p:timing>
 </p:sld>
 </file>
 
@@ -4680,7 +7899,7 @@
           <a:p>
             <a:r>
               <a:rPr lang="en-US" smtClean="0"/>
-              <a:t>© EV3Lessons.com, 2015, (Last edit: 11/04/2015)</a:t>
+              <a:t>© EV3Lessons.com, 2016, (Last edit: 7/04/2016)</a:t>
             </a:r>
             <a:endParaRPr lang="en-US"/>
           </a:p>
@@ -4867,7 +8086,7 @@
           <a:p>
             <a:r>
               <a:rPr lang="en-US" smtClean="0"/>
-              <a:t>© EV3Lessons.com, 2015, (Last edit: 11/04/2015)</a:t>
+              <a:t>© EV3Lessons.com, 2016, (Last edit: 7/04/2016)</a:t>
             </a:r>
             <a:endParaRPr lang="en-US"/>
           </a:p>
@@ -5019,15 +8238,7 @@
                   <a:srgbClr val="00B900"/>
                 </a:solidFill>
               </a:rPr>
-              <a:t> </a:t>
-            </a:r>
-            <a:r>
-              <a:rPr lang="en-US" b="0" dirty="0" smtClean="0">
-                <a:solidFill>
-                  <a:srgbClr val="00B900"/>
-                </a:solidFill>
-              </a:rPr>
-              <a:t>on the brick until you get to the third tab on the screen (icon with six small circles).  </a:t>
+              <a:t> on the brick until you get to the third tab on the screen (icon with six small circles).  </a:t>
             </a:r>
           </a:p>
           <a:p>
@@ -5051,11 +8262,6 @@
               </a:rPr>
               <a:t>. (Click the middle button on the brick to select Port View)</a:t>
             </a:r>
-            <a:endParaRPr lang="en-US" dirty="0" smtClean="0">
-              <a:solidFill>
-                <a:srgbClr val="00B900"/>
-              </a:solidFill>
-            </a:endParaRPr>
           </a:p>
           <a:p>
             <a:pPr marL="800100" lvl="1" indent="-342900">
@@ -5103,39 +8309,7 @@
                   <a:srgbClr val="7030A0"/>
                 </a:solidFill>
               </a:rPr>
-              <a:t>Use the </a:t>
-            </a:r>
-            <a:r>
-              <a:rPr lang="en-US" dirty="0" smtClean="0">
-                <a:solidFill>
-                  <a:srgbClr val="7030A0"/>
-                </a:solidFill>
-              </a:rPr>
-              <a:t>Left and Right Buttons to </a:t>
-            </a:r>
-            <a:r>
-              <a:rPr lang="en-US" dirty="0" smtClean="0">
-                <a:solidFill>
-                  <a:srgbClr val="7030A0"/>
-                </a:solidFill>
-              </a:rPr>
-              <a:t>pick the port </a:t>
-            </a:r>
-            <a:r>
-              <a:rPr lang="en-US" dirty="0" smtClean="0">
-                <a:solidFill>
-                  <a:srgbClr val="7030A0"/>
-                </a:solidFill>
-              </a:rPr>
-              <a:t>and</a:t>
-            </a:r>
-            <a:r>
-              <a:rPr lang="en-US" dirty="0" smtClean="0">
-                <a:solidFill>
-                  <a:srgbClr val="7030A0"/>
-                </a:solidFill>
-              </a:rPr>
-              <a:t> sensor/motor you want</a:t>
+              <a:t>Use the Left and Right Buttons to pick the port and sensor/motor you want</a:t>
             </a:r>
             <a:endParaRPr lang="en-US" dirty="0"/>
           </a:p>
@@ -5158,7 +8332,7 @@
           <a:p>
             <a:r>
               <a:rPr lang="en-US" smtClean="0"/>
-              <a:t>© EV3Lessons.com, 2015, (Last edit: 11/04/2015)</a:t>
+              <a:t>© EV3Lessons.com, 2016, (Last edit: 7/04/2016)</a:t>
             </a:r>
             <a:endParaRPr lang="en-US"/>
           </a:p>
@@ -5377,11 +8551,7 @@
             </a:r>
             <a:r>
               <a:rPr lang="en-US" sz="1200" dirty="0" smtClean="0"/>
-              <a:t> </a:t>
-            </a:r>
-            <a:r>
-              <a:rPr lang="en-US" sz="1200" dirty="0" smtClean="0"/>
-              <a:t>Virtual Robotics </a:t>
+              <a:t> Virtual Robotics </a:t>
             </a:r>
             <a:r>
               <a:rPr lang="en-US" sz="1200" dirty="0"/>
@@ -5507,11 +8677,6 @@
               </a:rPr>
               <a:t>A. PORT Number</a:t>
             </a:r>
-            <a:endParaRPr lang="en-US" dirty="0" smtClean="0">
-              <a:solidFill>
-                <a:srgbClr val="FF0000"/>
-              </a:solidFill>
-            </a:endParaRPr>
           </a:p>
           <a:p>
             <a:r>
@@ -5520,15 +8685,7 @@
                   <a:srgbClr val="00B0F0"/>
                 </a:solidFill>
               </a:rPr>
-              <a:t>B. SENSOR/MOTOR </a:t>
-            </a:r>
-            <a:r>
-              <a:rPr lang="en-US" dirty="0" smtClean="0">
-                <a:solidFill>
-                  <a:srgbClr val="00B0F0"/>
-                </a:solidFill>
-              </a:rPr>
-              <a:t>&amp; MODE</a:t>
+              <a:t>B. SENSOR/MOTOR &amp; MODE</a:t>
             </a:r>
           </a:p>
           <a:p>
@@ -5538,47 +8695,7 @@
                   <a:srgbClr val="00B900"/>
                 </a:solidFill>
               </a:rPr>
-              <a:t>C. If </a:t>
-            </a:r>
-            <a:r>
-              <a:rPr lang="en-US" dirty="0" smtClean="0">
-                <a:solidFill>
-                  <a:srgbClr val="00B900"/>
-                </a:solidFill>
-              </a:rPr>
-              <a:t>you select </a:t>
-            </a:r>
-            <a:r>
-              <a:rPr lang="en-US" dirty="0" smtClean="0">
-                <a:solidFill>
-                  <a:srgbClr val="00B900"/>
-                </a:solidFill>
-              </a:rPr>
-              <a:t>a particular</a:t>
-            </a:r>
-            <a:r>
-              <a:rPr lang="en-US" dirty="0" smtClean="0">
-                <a:solidFill>
-                  <a:srgbClr val="00B900"/>
-                </a:solidFill>
-              </a:rPr>
-              <a:t> sensor (middle button on brick), </a:t>
-            </a:r>
-            <a:r>
-              <a:rPr lang="en-US" dirty="0" smtClean="0">
-                <a:solidFill>
-                  <a:srgbClr val="00B900"/>
-                </a:solidFill>
-              </a:rPr>
-              <a:t>you can change the </a:t>
-            </a:r>
-            <a:r>
-              <a:rPr lang="en-US" dirty="0" smtClean="0">
-                <a:solidFill>
-                  <a:srgbClr val="00B900"/>
-                </a:solidFill>
-              </a:rPr>
-              <a:t>MODE</a:t>
+              <a:t>C. If you select a particular sensor (middle button on brick), you can change the MODE</a:t>
             </a:r>
           </a:p>
           <a:p>
@@ -5590,11 +8707,6 @@
               </a:rPr>
               <a:t>D. VALUE . You might want to start at “0” (e.g. If trying to measure degrees for a turn). To reset the value, exit Port View and return to back to this screen.</a:t>
             </a:r>
-            <a:endParaRPr lang="en-US" dirty="0" smtClean="0">
-              <a:solidFill>
-                <a:srgbClr val="FFC000"/>
-              </a:solidFill>
-            </a:endParaRPr>
           </a:p>
         </p:txBody>
       </p:sp>
@@ -5615,7 +8727,7 @@
           <a:p>
             <a:r>
               <a:rPr lang="en-US" smtClean="0"/>
-              <a:t>© EV3Lessons.com, 2015, (Last edit: 11/04/2015)</a:t>
+              <a:t>© EV3Lessons.com, 2016, (Last edit: 7/04/2016)</a:t>
             </a:r>
             <a:endParaRPr lang="en-US"/>
           </a:p>
@@ -5688,11 +8800,7 @@
             </a:r>
             <a:r>
               <a:rPr lang="en-US" sz="1200" dirty="0" smtClean="0"/>
-              <a:t> </a:t>
-            </a:r>
-            <a:r>
-              <a:rPr lang="en-US" sz="1200" dirty="0" smtClean="0"/>
-              <a:t>Virtual Robotics </a:t>
+              <a:t> Virtual Robotics </a:t>
             </a:r>
             <a:r>
               <a:rPr lang="en-US" sz="1200" dirty="0"/>
@@ -6236,11 +9344,6 @@
               </a:rPr>
               <a:t>D</a:t>
             </a:r>
-            <a:endParaRPr lang="en-US" b="1" dirty="0">
-              <a:solidFill>
-                <a:srgbClr val="FFC000"/>
-              </a:solidFill>
-            </a:endParaRPr>
           </a:p>
         </p:txBody>
       </p:sp>
@@ -6274,11 +9377,6 @@
               </a:rPr>
               <a:t>C</a:t>
             </a:r>
-            <a:endParaRPr lang="en-US" b="1" dirty="0">
-              <a:solidFill>
-                <a:srgbClr val="00B900"/>
-              </a:solidFill>
-            </a:endParaRPr>
           </a:p>
         </p:txBody>
       </p:sp>
@@ -6329,19 +9427,47 @@
           <a:p>
             <a:r>
               <a:rPr lang="en-US" dirty="0" smtClean="0"/>
-              <a:t>Move </a:t>
-            </a:r>
+              <a:t>PORT VIEW IS POWERFUL</a:t>
+            </a:r>
+            <a:endParaRPr lang="en-US" dirty="0"/>
+          </a:p>
+        </p:txBody>
+      </p:sp>
+      <p:sp>
+        <p:nvSpPr>
+          <p:cNvPr id="3" name="Content Placeholder 2"/>
+          <p:cNvSpPr>
+            <a:spLocks noGrp="1"/>
+          </p:cNvSpPr>
+          <p:nvPr>
+            <p:ph idx="1"/>
+          </p:nvPr>
+        </p:nvSpPr>
+        <p:spPr>
+          <a:xfrm>
+            <a:off x="457200" y="1219200"/>
+            <a:ext cx="8245474" cy="4906963"/>
+          </a:xfrm>
+        </p:spPr>
+        <p:txBody>
+          <a:bodyPr/>
+          <a:lstStyle/>
+          <a:p>
             <a:r>
               <a:rPr lang="en-US" dirty="0" smtClean="0"/>
-              <a:t>Straight</a:t>
-            </a:r>
-            <a:r>
-              <a:rPr lang="en-US" dirty="0"/>
-              <a:t> </a:t>
-            </a:r>
+              <a:t>As you go through the rest of the lessons on EV3Lessons.com, you will use Port View often</a:t>
+            </a:r>
+          </a:p>
+          <a:p>
             <a:r>
               <a:rPr lang="en-US" dirty="0" smtClean="0"/>
-              <a:t>CHALLENGE</a:t>
+              <a:t>As you complete each challenge, think about how Port View might help you.</a:t>
+            </a:r>
+          </a:p>
+          <a:p>
+            <a:r>
+              <a:rPr lang="en-US" dirty="0" smtClean="0"/>
+              <a:t>The next page has many several examples to think about.</a:t>
             </a:r>
             <a:endParaRPr lang="en-US" dirty="0"/>
           </a:p>
@@ -6349,380 +9475,7 @@
       </p:sp>
       <p:sp>
         <p:nvSpPr>
-          <p:cNvPr id="3" name="Content Placeholder 2"/>
-          <p:cNvSpPr>
-            <a:spLocks noGrp="1"/>
-          </p:cNvSpPr>
-          <p:nvPr>
-            <p:ph idx="1"/>
-          </p:nvPr>
-        </p:nvSpPr>
-        <p:spPr>
-          <a:xfrm>
-            <a:off x="457199" y="1254549"/>
-            <a:ext cx="4555958" cy="4373563"/>
-          </a:xfrm>
-        </p:spPr>
-        <p:txBody>
-          <a:bodyPr>
-            <a:normAutofit fontScale="92500" lnSpcReduction="20000"/>
-          </a:bodyPr>
-          <a:lstStyle/>
-          <a:p>
-            <a:r>
-              <a:rPr lang="en-US" sz="1700" dirty="0" smtClean="0"/>
-              <a:t>CHALLENGE: Move your robot forward from the start line to the finish line (1) and back to the start (2).</a:t>
-            </a:r>
-          </a:p>
-          <a:p>
-            <a:r>
-              <a:rPr lang="en-US" sz="1700" dirty="0" smtClean="0"/>
-              <a:t>In the Moving Straight Lesson, you had to use a lot of guess and check to stop exactly on the second line.</a:t>
-            </a:r>
-            <a:endParaRPr lang="en-US" sz="2200" dirty="0">
-              <a:solidFill>
-                <a:srgbClr val="3366FF"/>
-              </a:solidFill>
-            </a:endParaRPr>
-          </a:p>
-          <a:p>
-            <a:r>
-              <a:rPr lang="en-US" sz="1700" dirty="0" smtClean="0"/>
-              <a:t>Now try Port View:</a:t>
-            </a:r>
-            <a:endParaRPr lang="en-US" sz="1700" dirty="0"/>
-          </a:p>
-          <a:p>
-            <a:pPr lvl="1"/>
-            <a:r>
-              <a:rPr lang="en-US" sz="1700" dirty="0" smtClean="0"/>
-              <a:t>Go to one of the rotation sensors (Motor B or C for our robot on the right)</a:t>
-            </a:r>
-          </a:p>
-          <a:p>
-            <a:pPr lvl="1"/>
-            <a:r>
-              <a:rPr lang="en-US" sz="1700" dirty="0" smtClean="0"/>
-              <a:t>Make sure it is on degrees as the mode and that it starts at 0 degrees.</a:t>
-            </a:r>
-          </a:p>
-          <a:p>
-            <a:pPr lvl="1"/>
-            <a:r>
-              <a:rPr lang="en-US" sz="1700" dirty="0" smtClean="0"/>
-              <a:t>Move </a:t>
-            </a:r>
-            <a:r>
-              <a:rPr lang="en-US" sz="1700" dirty="0"/>
-              <a:t>your robot with your </a:t>
-            </a:r>
-            <a:r>
-              <a:rPr lang="en-US" sz="1700" dirty="0" smtClean="0"/>
-              <a:t>hand from the </a:t>
-            </a:r>
-            <a:r>
-              <a:rPr lang="en-US" sz="1700" dirty="0"/>
-              <a:t>start line to </a:t>
-            </a:r>
-            <a:r>
-              <a:rPr lang="en-US" sz="1700" dirty="0" smtClean="0"/>
-              <a:t>the </a:t>
-            </a:r>
-            <a:r>
-              <a:rPr lang="en-US" sz="1700" dirty="0"/>
-              <a:t>end </a:t>
-            </a:r>
-            <a:r>
-              <a:rPr lang="en-US" sz="1700" dirty="0" smtClean="0"/>
-              <a:t>line. Make sure that your wheel turns smoothly and doesn’t slip as the robot moves.</a:t>
-            </a:r>
-            <a:endParaRPr lang="en-US" sz="1700" dirty="0"/>
-          </a:p>
-          <a:p>
-            <a:pPr lvl="1"/>
-            <a:r>
-              <a:rPr lang="en-US" sz="1700" dirty="0"/>
-              <a:t>Read how many degrees your robot moved</a:t>
-            </a:r>
-          </a:p>
-          <a:p>
-            <a:pPr lvl="1"/>
-            <a:r>
-              <a:rPr lang="en-US" sz="1700" dirty="0"/>
-              <a:t>Use this number in the Move Steering Block to move the correct distance.</a:t>
-            </a:r>
-          </a:p>
-          <a:p>
-            <a:endParaRPr lang="en-US" sz="2800" dirty="0">
-              <a:solidFill>
-                <a:srgbClr val="3366FF"/>
-              </a:solidFill>
-            </a:endParaRPr>
-          </a:p>
-          <a:p>
-            <a:endParaRPr lang="en-US" dirty="0"/>
-          </a:p>
-        </p:txBody>
-      </p:sp>
-      <p:cxnSp>
-        <p:nvCxnSpPr>
-          <p:cNvPr id="5" name="Straight Connector 4"/>
-          <p:cNvCxnSpPr/>
-          <p:nvPr/>
-        </p:nvCxnSpPr>
-        <p:spPr>
-          <a:xfrm flipH="1">
-            <a:off x="5746210" y="1419634"/>
-            <a:ext cx="2540000" cy="0"/>
-          </a:xfrm>
-          <a:prstGeom prst="line">
-            <a:avLst/>
-          </a:prstGeom>
-          <a:ln w="76200" cmpd="sng">
-            <a:solidFill>
-              <a:srgbClr val="008000"/>
-            </a:solidFill>
-          </a:ln>
-        </p:spPr>
-        <p:style>
-          <a:lnRef idx="2">
-            <a:schemeClr val="accent1"/>
-          </a:lnRef>
-          <a:fillRef idx="0">
-            <a:schemeClr val="accent1"/>
-          </a:fillRef>
-          <a:effectRef idx="1">
-            <a:schemeClr val="accent1"/>
-          </a:effectRef>
-          <a:fontRef idx="minor">
-            <a:schemeClr val="tx1"/>
-          </a:fontRef>
-        </p:style>
-      </p:cxnSp>
-      <p:cxnSp>
-        <p:nvCxnSpPr>
-          <p:cNvPr id="6" name="Straight Connector 5"/>
-          <p:cNvCxnSpPr/>
-          <p:nvPr/>
-        </p:nvCxnSpPr>
-        <p:spPr>
-          <a:xfrm flipH="1">
-            <a:off x="5789874" y="3479945"/>
-            <a:ext cx="2540000" cy="0"/>
-          </a:xfrm>
-          <a:prstGeom prst="line">
-            <a:avLst/>
-          </a:prstGeom>
-          <a:ln w="76200" cmpd="sng">
-            <a:solidFill>
-              <a:schemeClr val="tx1"/>
-            </a:solidFill>
-          </a:ln>
-        </p:spPr>
-        <p:style>
-          <a:lnRef idx="2">
-            <a:schemeClr val="accent1"/>
-          </a:lnRef>
-          <a:fillRef idx="0">
-            <a:schemeClr val="accent1"/>
-          </a:fillRef>
-          <a:effectRef idx="1">
-            <a:schemeClr val="accent1"/>
-          </a:effectRef>
-          <a:fontRef idx="minor">
-            <a:schemeClr val="tx1"/>
-          </a:fontRef>
-        </p:style>
-      </p:cxnSp>
-      <p:cxnSp>
-        <p:nvCxnSpPr>
-          <p:cNvPr id="9" name="Straight Arrow Connector 8"/>
-          <p:cNvCxnSpPr/>
-          <p:nvPr/>
-        </p:nvCxnSpPr>
-        <p:spPr>
-          <a:xfrm flipV="1">
-            <a:off x="5982969" y="1620160"/>
-            <a:ext cx="3872" cy="1561614"/>
-          </a:xfrm>
-          <a:prstGeom prst="straightConnector1">
-            <a:avLst/>
-          </a:prstGeom>
-          <a:ln>
-            <a:tailEnd type="arrow"/>
-          </a:ln>
-        </p:spPr>
-        <p:style>
-          <a:lnRef idx="2">
-            <a:schemeClr val="accent1"/>
-          </a:lnRef>
-          <a:fillRef idx="0">
-            <a:schemeClr val="accent1"/>
-          </a:fillRef>
-          <a:effectRef idx="1">
-            <a:schemeClr val="accent1"/>
-          </a:effectRef>
-          <a:fontRef idx="minor">
-            <a:schemeClr val="tx1"/>
-          </a:fontRef>
-        </p:style>
-      </p:cxnSp>
-      <p:cxnSp>
-        <p:nvCxnSpPr>
-          <p:cNvPr id="11" name="Straight Arrow Connector 10"/>
-          <p:cNvCxnSpPr/>
-          <p:nvPr/>
-        </p:nvCxnSpPr>
-        <p:spPr>
-          <a:xfrm>
-            <a:off x="6400613" y="1637823"/>
-            <a:ext cx="4417" cy="1586503"/>
-          </a:xfrm>
-          <a:prstGeom prst="straightConnector1">
-            <a:avLst/>
-          </a:prstGeom>
-          <a:ln>
-            <a:tailEnd type="arrow"/>
-          </a:ln>
-        </p:spPr>
-        <p:style>
-          <a:lnRef idx="2">
-            <a:schemeClr val="accent1"/>
-          </a:lnRef>
-          <a:fillRef idx="0">
-            <a:schemeClr val="accent1"/>
-          </a:fillRef>
-          <a:effectRef idx="1">
-            <a:schemeClr val="accent1"/>
-          </a:effectRef>
-          <a:fontRef idx="minor">
-            <a:schemeClr val="tx1"/>
-          </a:fontRef>
-        </p:style>
-      </p:cxnSp>
-      <p:sp>
-        <p:nvSpPr>
-          <p:cNvPr id="16" name="TextBox 15"/>
-          <p:cNvSpPr txBox="1"/>
-          <p:nvPr/>
-        </p:nvSpPr>
-        <p:spPr>
-          <a:xfrm>
-            <a:off x="5532315" y="2997108"/>
-            <a:ext cx="307474" cy="369332"/>
-          </a:xfrm>
-          <a:prstGeom prst="rect">
-            <a:avLst/>
-          </a:prstGeom>
-          <a:noFill/>
-        </p:spPr>
-        <p:txBody>
-          <a:bodyPr wrap="square" rtlCol="0">
-            <a:spAutoFit/>
-          </a:bodyPr>
-          <a:lstStyle/>
-          <a:p>
-            <a:r>
-              <a:rPr lang="en-US" dirty="0" smtClean="0"/>
-              <a:t>1</a:t>
-            </a:r>
-            <a:endParaRPr lang="en-US" dirty="0"/>
-          </a:p>
-        </p:txBody>
-      </p:sp>
-      <p:sp>
-        <p:nvSpPr>
-          <p:cNvPr id="17" name="TextBox 16"/>
-          <p:cNvSpPr txBox="1"/>
-          <p:nvPr/>
-        </p:nvSpPr>
-        <p:spPr>
-          <a:xfrm>
-            <a:off x="6490135" y="2023705"/>
-            <a:ext cx="307474" cy="369332"/>
-          </a:xfrm>
-          <a:prstGeom prst="rect">
-            <a:avLst/>
-          </a:prstGeom>
-          <a:noFill/>
-        </p:spPr>
-        <p:txBody>
-          <a:bodyPr wrap="square" rtlCol="0">
-            <a:spAutoFit/>
-          </a:bodyPr>
-          <a:lstStyle/>
-          <a:p>
-            <a:r>
-              <a:rPr lang="en-US" dirty="0" smtClean="0"/>
-              <a:t>2</a:t>
-            </a:r>
-            <a:endParaRPr lang="en-US" dirty="0"/>
-          </a:p>
-        </p:txBody>
-      </p:sp>
-      <p:sp>
-        <p:nvSpPr>
-          <p:cNvPr id="4" name="TextBox 3"/>
-          <p:cNvSpPr txBox="1"/>
-          <p:nvPr/>
-        </p:nvSpPr>
-        <p:spPr>
-          <a:xfrm>
-            <a:off x="7344914" y="1447162"/>
-            <a:ext cx="941296" cy="369332"/>
-          </a:xfrm>
-          <a:prstGeom prst="rect">
-            <a:avLst/>
-          </a:prstGeom>
-          <a:noFill/>
-        </p:spPr>
-        <p:txBody>
-          <a:bodyPr wrap="none" rtlCol="0">
-            <a:spAutoFit/>
-          </a:bodyPr>
-          <a:lstStyle/>
-          <a:p>
-            <a:r>
-              <a:rPr lang="en-US" dirty="0" smtClean="0"/>
-              <a:t>FINISH</a:t>
-            </a:r>
-            <a:endParaRPr lang="en-US" dirty="0"/>
-          </a:p>
-        </p:txBody>
-      </p:sp>
-      <p:sp>
-        <p:nvSpPr>
-          <p:cNvPr id="12" name="TextBox 11"/>
-          <p:cNvSpPr txBox="1"/>
-          <p:nvPr/>
-        </p:nvSpPr>
-        <p:spPr>
-          <a:xfrm>
-            <a:off x="7371385" y="3083086"/>
-            <a:ext cx="915823" cy="369332"/>
-          </a:xfrm>
-          <a:prstGeom prst="rect">
-            <a:avLst/>
-          </a:prstGeom>
-          <a:noFill/>
-        </p:spPr>
-        <p:txBody>
-          <a:bodyPr wrap="none" rtlCol="0">
-            <a:spAutoFit/>
-          </a:bodyPr>
-          <a:lstStyle/>
-          <a:p>
-            <a:r>
-              <a:rPr lang="en-US" dirty="0" smtClean="0"/>
-              <a:t>START</a:t>
-            </a:r>
-            <a:endParaRPr lang="en-US" dirty="0"/>
-          </a:p>
-        </p:txBody>
-      </p:sp>
-      <p:sp>
-        <p:nvSpPr>
-          <p:cNvPr id="8" name="Footer Placeholder 7"/>
+          <p:cNvPr id="4" name="Footer Placeholder 3"/>
           <p:cNvSpPr>
             <a:spLocks noGrp="1"/>
           </p:cNvSpPr>
@@ -6737,291 +9490,15 @@
           <a:p>
             <a:r>
               <a:rPr lang="en-US" smtClean="0"/>
-              <a:t>Copyright © EV3Lessons.com 2015 (Last edit: 2/26/2015)</a:t>
-            </a:r>
-            <a:endParaRPr lang="en-US"/>
-          </a:p>
-        </p:txBody>
-      </p:sp>
-      <p:grpSp>
-        <p:nvGrpSpPr>
-          <p:cNvPr id="14" name="Group 13"/>
-          <p:cNvGrpSpPr/>
-          <p:nvPr/>
-        </p:nvGrpSpPr>
-        <p:grpSpPr>
-          <a:xfrm rot="16200000">
-            <a:off x="5829168" y="3362513"/>
-            <a:ext cx="545006" cy="864972"/>
-            <a:chOff x="6507213" y="1210579"/>
-            <a:chExt cx="1199000" cy="1603803"/>
-          </a:xfrm>
-        </p:grpSpPr>
-        <p:grpSp>
-          <p:nvGrpSpPr>
-            <p:cNvPr id="15" name="Group 14"/>
-            <p:cNvGrpSpPr/>
-            <p:nvPr/>
-          </p:nvGrpSpPr>
-          <p:grpSpPr>
-            <a:xfrm rot="5400000">
-              <a:off x="6518630" y="1512901"/>
-              <a:ext cx="1141996" cy="1164830"/>
-              <a:chOff x="6310708" y="2223671"/>
-              <a:chExt cx="809489" cy="898563"/>
-            </a:xfrm>
-          </p:grpSpPr>
-          <p:sp>
-            <p:nvSpPr>
-              <p:cNvPr id="20" name="Rounded Rectangle 19"/>
-              <p:cNvSpPr/>
-              <p:nvPr/>
-            </p:nvSpPr>
-            <p:spPr>
-              <a:xfrm>
-                <a:off x="6451829" y="2223671"/>
-                <a:ext cx="519438" cy="898563"/>
-              </a:xfrm>
-              <a:prstGeom prst="roundRect">
-                <a:avLst/>
-              </a:prstGeom>
-              <a:solidFill>
-                <a:schemeClr val="accent5">
-                  <a:lumMod val="60000"/>
-                  <a:lumOff val="40000"/>
-                </a:schemeClr>
-              </a:solidFill>
-              <a:ln>
-                <a:solidFill>
-                  <a:srgbClr val="000000"/>
-                </a:solidFill>
-              </a:ln>
-              <a:effectLst/>
-            </p:spPr>
-            <p:style>
-              <a:lnRef idx="1">
-                <a:schemeClr val="accent1"/>
-              </a:lnRef>
-              <a:fillRef idx="3">
-                <a:schemeClr val="accent1"/>
-              </a:fillRef>
-              <a:effectRef idx="2">
-                <a:schemeClr val="accent1"/>
-              </a:effectRef>
-              <a:fontRef idx="minor">
-                <a:schemeClr val="lt1"/>
-              </a:fontRef>
-            </p:style>
-            <p:txBody>
-              <a:bodyPr rtlCol="0" anchor="ctr"/>
-              <a:lstStyle/>
-              <a:p>
-                <a:pPr algn="ctr"/>
-                <a:endParaRPr lang="en-US" sz="1100"/>
-              </a:p>
-            </p:txBody>
-          </p:sp>
-          <p:sp>
-            <p:nvSpPr>
-              <p:cNvPr id="21" name="Rounded Rectangle 20"/>
-              <p:cNvSpPr/>
-              <p:nvPr/>
-            </p:nvSpPr>
-            <p:spPr>
-              <a:xfrm>
-                <a:off x="6979076" y="2525434"/>
-                <a:ext cx="141121" cy="295036"/>
-              </a:xfrm>
-              <a:prstGeom prst="roundRect">
-                <a:avLst/>
-              </a:prstGeom>
-              <a:ln>
-                <a:solidFill>
-                  <a:srgbClr val="000000"/>
-                </a:solidFill>
-              </a:ln>
-              <a:effectLst/>
-            </p:spPr>
-            <p:style>
-              <a:lnRef idx="1">
-                <a:schemeClr val="accent6"/>
-              </a:lnRef>
-              <a:fillRef idx="3">
-                <a:schemeClr val="accent6"/>
-              </a:fillRef>
-              <a:effectRef idx="2">
-                <a:schemeClr val="accent6"/>
-              </a:effectRef>
-              <a:fontRef idx="minor">
-                <a:schemeClr val="lt1"/>
-              </a:fontRef>
-            </p:style>
-            <p:txBody>
-              <a:bodyPr rtlCol="0" anchor="ctr"/>
-              <a:lstStyle/>
-              <a:p>
-                <a:pPr algn="ctr"/>
-                <a:endParaRPr lang="en-US" sz="1100">
-                  <a:effectLst/>
-                </a:endParaRPr>
-              </a:p>
-            </p:txBody>
-          </p:sp>
-          <p:sp>
-            <p:nvSpPr>
-              <p:cNvPr id="22" name="Rounded Rectangle 21"/>
-              <p:cNvSpPr/>
-              <p:nvPr/>
-            </p:nvSpPr>
-            <p:spPr>
-              <a:xfrm>
-                <a:off x="6310708" y="2525434"/>
-                <a:ext cx="141121" cy="295036"/>
-              </a:xfrm>
-              <a:prstGeom prst="roundRect">
-                <a:avLst/>
-              </a:prstGeom>
-              <a:ln>
-                <a:solidFill>
-                  <a:srgbClr val="000000"/>
-                </a:solidFill>
-              </a:ln>
-              <a:effectLst/>
-            </p:spPr>
-            <p:style>
-              <a:lnRef idx="1">
-                <a:schemeClr val="accent6"/>
-              </a:lnRef>
-              <a:fillRef idx="3">
-                <a:schemeClr val="accent6"/>
-              </a:fillRef>
-              <a:effectRef idx="2">
-                <a:schemeClr val="accent6"/>
-              </a:effectRef>
-              <a:fontRef idx="minor">
-                <a:schemeClr val="lt1"/>
-              </a:fontRef>
-            </p:style>
-            <p:txBody>
-              <a:bodyPr rtlCol="0" anchor="ctr"/>
-              <a:lstStyle/>
-              <a:p>
-                <a:pPr algn="ctr"/>
-                <a:endParaRPr lang="en-US" sz="1100">
-                  <a:effectLst/>
-                </a:endParaRPr>
-              </a:p>
-            </p:txBody>
-          </p:sp>
-          <p:sp>
-            <p:nvSpPr>
-              <p:cNvPr id="23" name="Oval 22"/>
-              <p:cNvSpPr>
-                <a:spLocks noChangeAspect="1"/>
-              </p:cNvSpPr>
-              <p:nvPr/>
-            </p:nvSpPr>
-            <p:spPr>
-              <a:xfrm>
-                <a:off x="6621904" y="2247641"/>
-                <a:ext cx="179290" cy="166284"/>
-              </a:xfrm>
-              <a:prstGeom prst="ellipse">
-                <a:avLst/>
-              </a:prstGeom>
-              <a:solidFill>
-                <a:srgbClr val="FF0000"/>
-              </a:solidFill>
-              <a:effectLst/>
-            </p:spPr>
-            <p:style>
-              <a:lnRef idx="1">
-                <a:schemeClr val="accent1"/>
-              </a:lnRef>
-              <a:fillRef idx="3">
-                <a:schemeClr val="accent1"/>
-              </a:fillRef>
-              <a:effectRef idx="2">
-                <a:schemeClr val="accent1"/>
-              </a:effectRef>
-              <a:fontRef idx="minor">
-                <a:schemeClr val="lt1"/>
-              </a:fontRef>
-            </p:style>
-            <p:txBody>
-              <a:bodyPr rtlCol="0" anchor="ctr"/>
-              <a:lstStyle/>
-              <a:p>
-                <a:pPr algn="ctr"/>
-                <a:endParaRPr lang="en-US" sz="1100"/>
-              </a:p>
-            </p:txBody>
-          </p:sp>
-        </p:grpSp>
-        <p:sp>
-          <p:nvSpPr>
-            <p:cNvPr id="18" name="TextBox 17"/>
-            <p:cNvSpPr txBox="1"/>
-            <p:nvPr/>
-          </p:nvSpPr>
-          <p:spPr>
-            <a:xfrm>
-              <a:off x="7216811" y="1210579"/>
-              <a:ext cx="465620" cy="485069"/>
-            </a:xfrm>
-            <a:prstGeom prst="rect">
-              <a:avLst/>
-            </a:prstGeom>
-            <a:noFill/>
-          </p:spPr>
-          <p:txBody>
-            <a:bodyPr wrap="square" rtlCol="0">
-              <a:spAutoFit/>
-            </a:bodyPr>
-            <a:lstStyle/>
-            <a:p>
-              <a:r>
-                <a:rPr lang="en-US" sz="1100" dirty="0" smtClean="0"/>
-                <a:t>B</a:t>
-              </a:r>
-              <a:endParaRPr lang="en-US" sz="1100" dirty="0"/>
-            </a:p>
-          </p:txBody>
-        </p:sp>
-        <p:sp>
-          <p:nvSpPr>
-            <p:cNvPr id="19" name="TextBox 18"/>
-            <p:cNvSpPr txBox="1"/>
-            <p:nvPr/>
-          </p:nvSpPr>
-          <p:spPr>
-            <a:xfrm>
-              <a:off x="7240593" y="2329313"/>
-              <a:ext cx="465620" cy="485069"/>
-            </a:xfrm>
-            <a:prstGeom prst="rect">
-              <a:avLst/>
-            </a:prstGeom>
-            <a:noFill/>
-          </p:spPr>
-          <p:txBody>
-            <a:bodyPr wrap="square" rtlCol="0">
-              <a:spAutoFit/>
-            </a:bodyPr>
-            <a:lstStyle/>
-            <a:p>
-              <a:r>
-                <a:rPr lang="en-US" sz="1100" dirty="0" smtClean="0"/>
-                <a:t>C</a:t>
-              </a:r>
-              <a:endParaRPr lang="en-US" sz="1100" dirty="0"/>
-            </a:p>
-          </p:txBody>
-        </p:sp>
-      </p:grpSp>
-      <p:sp>
-        <p:nvSpPr>
-          <p:cNvPr id="13" name="Slide Number Placeholder 12"/>
+              <a:t>© EV3Lessons.com, 2016, (Last edit: 7/04/2016)</a:t>
+            </a:r>
+            <a:endParaRPr lang="en-US"/>
+          </a:p>
+        </p:txBody>
+      </p:sp>
+      <p:sp>
+        <p:nvSpPr>
+          <p:cNvPr id="5" name="Slide Number Placeholder 4"/>
           <p:cNvSpPr>
             <a:spLocks noGrp="1"/>
           </p:cNvSpPr>
@@ -7042,196 +9519,16 @@
           </a:p>
         </p:txBody>
       </p:sp>
-      <p:pic>
-        <p:nvPicPr>
-          <p:cNvPr id="29" name="Picture 28"/>
-          <p:cNvPicPr>
-            <a:picLocks noChangeAspect="1"/>
-          </p:cNvPicPr>
-          <p:nvPr/>
-        </p:nvPicPr>
-        <p:blipFill>
-          <a:blip r:embed="rId2"/>
-          <a:stretch>
-            <a:fillRect/>
-          </a:stretch>
-        </p:blipFill>
-        <p:spPr>
-          <a:xfrm>
-            <a:off x="5532315" y="4233411"/>
-            <a:ext cx="2943522" cy="2152149"/>
-          </a:xfrm>
-          <a:prstGeom prst="rect">
-            <a:avLst/>
-          </a:prstGeom>
-        </p:spPr>
-      </p:pic>
-      <p:sp>
-        <p:nvSpPr>
-          <p:cNvPr id="30" name="Rounded Rectangle 29"/>
-          <p:cNvSpPr/>
-          <p:nvPr/>
-        </p:nvSpPr>
-        <p:spPr>
-          <a:xfrm>
-            <a:off x="6643872" y="5011186"/>
-            <a:ext cx="1119231" cy="536028"/>
-          </a:xfrm>
-          <a:prstGeom prst="roundRect">
-            <a:avLst/>
-          </a:prstGeom>
-          <a:noFill/>
-          <a:ln w="76200">
-            <a:solidFill>
-              <a:srgbClr val="FF0000"/>
-            </a:solidFill>
-          </a:ln>
-        </p:spPr>
-        <p:style>
-          <a:lnRef idx="2">
-            <a:schemeClr val="accent1">
-              <a:shade val="50000"/>
-            </a:schemeClr>
-          </a:lnRef>
-          <a:fillRef idx="1">
-            <a:schemeClr val="accent1"/>
-          </a:fillRef>
-          <a:effectRef idx="0">
-            <a:schemeClr val="accent1"/>
-          </a:effectRef>
-          <a:fontRef idx="minor">
-            <a:schemeClr val="lt1"/>
-          </a:fontRef>
-        </p:style>
-        <p:txBody>
-          <a:bodyPr rtlCol="0" anchor="ctr"/>
-          <a:lstStyle/>
-          <a:p>
-            <a:pPr algn="ctr"/>
-            <a:endParaRPr lang="en-US"/>
-          </a:p>
-        </p:txBody>
-      </p:sp>
     </p:spTree>
     <p:extLst>
       <p:ext uri="{BB962C8B-B14F-4D97-AF65-F5344CB8AC3E}">
-        <p14:creationId xmlns:p14="http://schemas.microsoft.com/office/powerpoint/2010/main" val="1754282573"/>
+        <p14:creationId xmlns:p14="http://schemas.microsoft.com/office/powerpoint/2010/main" val="266999753"/>
       </p:ext>
     </p:extLst>
   </p:cSld>
   <p:clrMapOvr>
     <a:masterClrMapping/>
   </p:clrMapOvr>
-  <p:timing>
-    <p:tnLst>
-      <p:par>
-        <p:cTn id="1" dur="indefinite" restart="never" nodeType="tmRoot">
-          <p:childTnLst>
-            <p:seq concurrent="1" nextAc="seek">
-              <p:cTn id="2" dur="indefinite" nodeType="mainSeq">
-                <p:childTnLst>
-                  <p:par>
-                    <p:cTn id="3" fill="hold">
-                      <p:stCondLst>
-                        <p:cond delay="indefinite"/>
-                      </p:stCondLst>
-                      <p:childTnLst>
-                        <p:par>
-                          <p:cTn id="4" fill="hold">
-                            <p:stCondLst>
-                              <p:cond delay="0"/>
-                            </p:stCondLst>
-                            <p:childTnLst>
-                              <p:par>
-                                <p:cTn id="5" presetID="42" presetClass="path" presetSubtype="0" accel="50000" decel="50000" fill="hold" nodeType="clickEffect">
-                                  <p:stCondLst>
-                                    <p:cond delay="0"/>
-                                  </p:stCondLst>
-                                  <p:childTnLst>
-                                    <p:animMotion origin="layout" path="M -1.86208E-6 -4.85886E-6 L -0.00017 -0.52591 " pathEditMode="relative" rAng="0" ptsTypes="AA">
-                                      <p:cBhvr>
-                                        <p:cTn id="6" dur="2000" fill="hold"/>
-                                        <p:tgtEl>
-                                          <p:spTgt spid="14"/>
-                                        </p:tgtEl>
-                                        <p:attrNameLst>
-                                          <p:attrName>ppt_x</p:attrName>
-                                          <p:attrName>ppt_y</p:attrName>
-                                        </p:attrNameLst>
-                                      </p:cBhvr>
-                                      <p:rCtr x="-17" y="-26307"/>
-                                    </p:animMotion>
-                                  </p:childTnLst>
-                                </p:cTn>
-                              </p:par>
-                            </p:childTnLst>
-                          </p:cTn>
-                        </p:par>
-                      </p:childTnLst>
-                    </p:cTn>
-                  </p:par>
-                  <p:par>
-                    <p:cTn id="7" fill="hold">
-                      <p:stCondLst>
-                        <p:cond delay="indefinite"/>
-                      </p:stCondLst>
-                      <p:childTnLst>
-                        <p:par>
-                          <p:cTn id="8" fill="hold">
-                            <p:stCondLst>
-                              <p:cond delay="0"/>
-                            </p:stCondLst>
-                            <p:childTnLst>
-                              <p:par>
-                                <p:cTn id="9" presetID="42" presetClass="path" presetSubtype="0" accel="50000" decel="50000" fill="hold" nodeType="clickEffect">
-                                  <p:stCondLst>
-                                    <p:cond delay="0"/>
-                                  </p:stCondLst>
-                                  <p:childTnLst>
-                                    <p:animMotion origin="layout" path="M -0.00018 -0.52592 L 4.43634E-6 3.76677E-6 " pathEditMode="relative" rAng="0" ptsTypes="AA">
-                                      <p:cBhvr>
-                                        <p:cTn id="10" dur="2000" fill="hold"/>
-                                        <p:tgtEl>
-                                          <p:spTgt spid="14"/>
-                                        </p:tgtEl>
-                                        <p:attrNameLst>
-                                          <p:attrName>ppt_x</p:attrName>
-                                          <p:attrName>ppt_y</p:attrName>
-                                        </p:attrNameLst>
-                                      </p:cBhvr>
-                                      <p:rCtr x="0" y="26284"/>
-                                    </p:animMotion>
-                                  </p:childTnLst>
-                                </p:cTn>
-                              </p:par>
-                            </p:childTnLst>
-                          </p:cTn>
-                        </p:par>
-                      </p:childTnLst>
-                    </p:cTn>
-                  </p:par>
-                </p:childTnLst>
-              </p:cTn>
-              <p:prevCondLst>
-                <p:cond evt="onPrev" delay="0">
-                  <p:tgtEl>
-                    <p:sldTgt/>
-                  </p:tgtEl>
-                </p:cond>
-              </p:prevCondLst>
-              <p:nextCondLst>
-                <p:cond evt="onNext" delay="0">
-                  <p:tgtEl>
-                    <p:sldTgt/>
-                  </p:tgtEl>
-                </p:cond>
-              </p:nextCondLst>
-            </p:seq>
-          </p:childTnLst>
-        </p:cTn>
-      </p:par>
-    </p:tnLst>
-  </p:timing>
 </p:sld>
 </file>
 
@@ -7264,145 +9561,6 @@
         </p:nvSpPr>
         <p:spPr/>
         <p:txBody>
-          <a:bodyPr/>
-          <a:lstStyle/>
-          <a:p>
-            <a:r>
-              <a:rPr lang="en-US" dirty="0" smtClean="0"/>
-              <a:t>PORT VIEW IS POWERFUL</a:t>
-            </a:r>
-            <a:endParaRPr lang="en-US" dirty="0"/>
-          </a:p>
-        </p:txBody>
-      </p:sp>
-      <p:sp>
-        <p:nvSpPr>
-          <p:cNvPr id="3" name="Content Placeholder 2"/>
-          <p:cNvSpPr>
-            <a:spLocks noGrp="1"/>
-          </p:cNvSpPr>
-          <p:nvPr>
-            <p:ph idx="1"/>
-          </p:nvPr>
-        </p:nvSpPr>
-        <p:spPr>
-          <a:xfrm>
-            <a:off x="457200" y="1219200"/>
-            <a:ext cx="8245474" cy="4906963"/>
-          </a:xfrm>
-        </p:spPr>
-        <p:txBody>
-          <a:bodyPr/>
-          <a:lstStyle/>
-          <a:p>
-            <a:r>
-              <a:rPr lang="en-US" dirty="0" smtClean="0"/>
-              <a:t>As you go through the rest of the lessons on EV3Lessons.com, you will use Port View often</a:t>
-            </a:r>
-          </a:p>
-          <a:p>
-            <a:r>
-              <a:rPr lang="en-US" dirty="0" smtClean="0"/>
-              <a:t>As you complete each challenge, think about how Port View might help you.</a:t>
-            </a:r>
-          </a:p>
-          <a:p>
-            <a:r>
-              <a:rPr lang="en-US" dirty="0" smtClean="0"/>
-              <a:t>The next page has many several examples to think about.</a:t>
-            </a:r>
-            <a:endParaRPr lang="en-US" dirty="0"/>
-          </a:p>
-        </p:txBody>
-      </p:sp>
-      <p:sp>
-        <p:nvSpPr>
-          <p:cNvPr id="4" name="Footer Placeholder 3"/>
-          <p:cNvSpPr>
-            <a:spLocks noGrp="1"/>
-          </p:cNvSpPr>
-          <p:nvPr>
-            <p:ph type="ftr" sz="quarter" idx="11"/>
-          </p:nvPr>
-        </p:nvSpPr>
-        <p:spPr/>
-        <p:txBody>
-          <a:bodyPr/>
-          <a:lstStyle/>
-          <a:p>
-            <a:r>
-              <a:rPr lang="en-US" smtClean="0"/>
-              <a:t>© EV3Lessons.com, 2015, (Last edit: 11/04/2015)</a:t>
-            </a:r>
-            <a:endParaRPr lang="en-US"/>
-          </a:p>
-        </p:txBody>
-      </p:sp>
-      <p:sp>
-        <p:nvSpPr>
-          <p:cNvPr id="5" name="Slide Number Placeholder 4"/>
-          <p:cNvSpPr>
-            <a:spLocks noGrp="1"/>
-          </p:cNvSpPr>
-          <p:nvPr>
-            <p:ph type="sldNum" sz="quarter" idx="12"/>
-          </p:nvPr>
-        </p:nvSpPr>
-        <p:spPr/>
-        <p:txBody>
-          <a:bodyPr/>
-          <a:lstStyle/>
-          <a:p>
-            <a:fld id="{4DBC7FC8-25FB-FC45-8177-2B991DA6778C}" type="slidenum">
-              <a:rPr lang="en-US" smtClean="0"/>
-              <a:t>7</a:t>
-            </a:fld>
-            <a:endParaRPr lang="en-US" dirty="0"/>
-          </a:p>
-        </p:txBody>
-      </p:sp>
-    </p:spTree>
-    <p:extLst>
-      <p:ext uri="{BB962C8B-B14F-4D97-AF65-F5344CB8AC3E}">
-        <p14:creationId xmlns:p14="http://schemas.microsoft.com/office/powerpoint/2010/main" val="266999753"/>
-      </p:ext>
-    </p:extLst>
-  </p:cSld>
-  <p:clrMapOvr>
-    <a:masterClrMapping/>
-  </p:clrMapOvr>
-</p:sld>
-</file>
-
-<file path=ppt/slides/slide8.xml><?xml version="1.0" encoding="utf-8"?>
-<p:sld xmlns:a="http://schemas.openxmlformats.org/drawingml/2006/main" xmlns:r="http://schemas.openxmlformats.org/officeDocument/2006/relationships" xmlns:p="http://schemas.openxmlformats.org/presentationml/2006/main">
-  <p:cSld>
-    <p:spTree>
-      <p:nvGrpSpPr>
-        <p:cNvPr id="1" name=""/>
-        <p:cNvGrpSpPr/>
-        <p:nvPr/>
-      </p:nvGrpSpPr>
-      <p:grpSpPr>
-        <a:xfrm>
-          <a:off x="0" y="0"/>
-          <a:ext cx="0" cy="0"/>
-          <a:chOff x="0" y="0"/>
-          <a:chExt cx="0" cy="0"/>
-        </a:xfrm>
-      </p:grpSpPr>
-      <p:sp>
-        <p:nvSpPr>
-          <p:cNvPr id="2" name="Title 1"/>
-          <p:cNvSpPr>
-            <a:spLocks noGrp="1"/>
-          </p:cNvSpPr>
-          <p:nvPr>
-            <p:ph type="title"/>
-          </p:nvPr>
-        </p:nvSpPr>
-        <p:spPr/>
-        <p:txBody>
           <a:bodyPr>
             <a:normAutofit/>
           </a:bodyPr>
@@ -7446,21 +9604,8 @@
           <a:p>
             <a:r>
               <a:rPr lang="en-US" sz="1400" b="0" dirty="0" smtClean="0"/>
-              <a:t>I want to go from a starting point up to a </a:t>
-            </a:r>
-            <a:r>
-              <a:rPr lang="en-US" sz="1400" b="0" dirty="0" smtClean="0"/>
-              <a:t>LEGO model. </a:t>
-            </a:r>
-            <a:r>
-              <a:rPr lang="en-US" sz="1400" b="0" dirty="0" smtClean="0"/>
-              <a:t>I keep having to guess and check. How can I figure out how far </a:t>
-            </a:r>
-            <a:r>
-              <a:rPr lang="en-US" sz="1400" b="0" dirty="0" smtClean="0"/>
-              <a:t>away the LEGO model is?</a:t>
-            </a:r>
-            <a:endParaRPr lang="en-US" sz="1400" b="0" dirty="0" smtClean="0"/>
+              <a:t>I want to go from a starting point up to a LEGO model. I keep having to guess and check. How can I figure out how far away the LEGO model is?</a:t>
+            </a:r>
           </a:p>
           <a:p>
             <a:endParaRPr lang="en-US" sz="1400" dirty="0"/>
@@ -7511,17 +9656,8 @@
             </a:r>
             <a:r>
               <a:rPr lang="en-US" sz="1400" b="0" dirty="0" smtClean="0"/>
-              <a:t> the green line like I programmed it to do. Why not? What color does the robot think that green line is</a:t>
-            </a:r>
-            <a:r>
-              <a:rPr lang="en-US" sz="1400" b="0" dirty="0" smtClean="0"/>
-              <a:t>? Try placing the robot on different objects or parts of mat/picture – what colors or reflected light values does the senso</a:t>
-            </a:r>
-            <a:r>
-              <a:rPr lang="en-US" sz="1400" b="0" dirty="0" smtClean="0"/>
-              <a:t>r read</a:t>
-            </a:r>
-            <a:endParaRPr lang="en-US" sz="1400" b="0" dirty="0" smtClean="0"/>
+              <a:t> the green line like I programmed it to do. Why not? What color does the robot think that green line is? Try placing the robot on different objects or parts of mat/picture – what colors or reflected light values does the sensor read</a:t>
+            </a:r>
           </a:p>
           <a:p>
             <a:endParaRPr lang="en-US" sz="1400" dirty="0"/>
@@ -7573,7 +9709,7 @@
           <a:p>
             <a:r>
               <a:rPr lang="en-US" smtClean="0"/>
-              <a:t>© EV3Lessons.com, 2015, (Last edit: 11/04/2015)</a:t>
+              <a:t>© EV3Lessons.com, 2016, (Last edit: 7/04/2016)</a:t>
             </a:r>
             <a:endParaRPr lang="en-US"/>
           </a:p>
@@ -7596,7 +9732,7 @@
           <a:p>
             <a:fld id="{4DBC7FC8-25FB-FC45-8177-2B991DA6778C}" type="slidenum">
               <a:rPr lang="en-US" smtClean="0"/>
-              <a:t>8</a:t>
+              <a:t>7</a:t>
             </a:fld>
             <a:endParaRPr lang="en-US" dirty="0"/>
           </a:p>
@@ -7764,7 +9900,7 @@
 </p:sld>
 </file>
 
-<file path=ppt/slides/slide9.xml><?xml version="1.0" encoding="utf-8"?>
+<file path=ppt/slides/slide8.xml><?xml version="1.0" encoding="utf-8"?>
 <p:sld xmlns:a="http://schemas.openxmlformats.org/drawingml/2006/main" xmlns:r="http://schemas.openxmlformats.org/officeDocument/2006/relationships" xmlns:p="http://schemas.openxmlformats.org/presentationml/2006/main">
   <p:cSld>
     <p:spTree>
@@ -7821,8 +9957,8 @@
         </p:nvSpPr>
         <p:spPr>
           <a:xfrm>
-            <a:off x="457200" y="1124832"/>
-            <a:ext cx="8245474" cy="4963057"/>
+            <a:off x="457200" y="1513114"/>
+            <a:ext cx="8245474" cy="4574775"/>
           </a:xfrm>
         </p:spPr>
         <p:txBody>
@@ -7837,8 +9973,13 @@
             </a:pPr>
             <a:r>
               <a:rPr lang="en-US" sz="1800" dirty="0" smtClean="0"/>
-              <a:t>This tutorial was created by Sanjay Seshan and Arvind Seshan from Droids Robotics.</a:t>
-            </a:r>
+              <a:t>This tutorial was created by Sanjay Seshan and Arvind </a:t>
+            </a:r>
+            <a:r>
+              <a:rPr lang="en-US" sz="1800" dirty="0" err="1" smtClean="0"/>
+              <a:t>Seshan</a:t>
+            </a:r>
+            <a:endParaRPr lang="en-US" sz="1800" dirty="0" smtClean="0"/>
           </a:p>
           <a:p>
             <a:pPr marL="342900" indent="-342900">
@@ -7847,31 +9988,16 @@
             </a:pPr>
             <a:r>
               <a:rPr lang="en-US" sz="1800" dirty="0" smtClean="0"/>
-              <a:t>More lessons are available at www.ev3lessons.com</a:t>
-            </a:r>
-          </a:p>
-          <a:p>
-            <a:pPr marL="342900" indent="-342900">
-              <a:buFont typeface="Arial"/>
-              <a:buChar char="•"/>
-            </a:pPr>
+              <a:t>More </a:t>
+            </a:r>
             <a:r>
               <a:rPr lang="en-US" sz="1800" dirty="0" smtClean="0"/>
-              <a:t>Author’s Email: </a:t>
-            </a:r>
-            <a:r>
-              <a:rPr lang="en-US" sz="1800" dirty="0" smtClean="0">
-                <a:hlinkClick r:id="rId2"/>
-              </a:rPr>
-              <a:t>team@droidsrobotics.org</a:t>
-            </a:r>
-            <a:r>
-              <a:rPr lang="en-US" sz="1800" b="0" dirty="0"/>
-              <a:t/>
-            </a:r>
-            <a:br>
-              <a:rPr lang="en-US" sz="1800" b="0" dirty="0"/>
-            </a:br>
+              <a:t>lessons are available at </a:t>
+            </a:r>
+            <a:r>
+              <a:rPr lang="en-US" sz="1800" dirty="0" smtClean="0"/>
+              <a:t>www.ev3lessons.com</a:t>
+            </a:r>
             <a:endParaRPr lang="en-US" sz="1800" dirty="0" smtClean="0"/>
           </a:p>
         </p:txBody>
@@ -7893,9 +10019,32 @@
           <a:p>
             <a:r>
               <a:rPr lang="en-US" smtClean="0"/>
-              <a:t>© EV3Lessons.com, 2015, (Last edit: 11/04/2015)</a:t>
+              <a:t>© EV3Lessons.com, 2016, (Last edit: 7/04/2016)</a:t>
             </a:r>
             <a:endParaRPr lang="en-US" dirty="0"/>
+          </a:p>
+        </p:txBody>
+      </p:sp>
+      <p:sp>
+        <p:nvSpPr>
+          <p:cNvPr id="9" name="Slide Number Placeholder 8"/>
+          <p:cNvSpPr>
+            <a:spLocks noGrp="1"/>
+          </p:cNvSpPr>
+          <p:nvPr>
+            <p:ph type="sldNum" sz="quarter" idx="12"/>
+          </p:nvPr>
+        </p:nvSpPr>
+        <p:spPr/>
+        <p:txBody>
+          <a:bodyPr/>
+          <a:lstStyle/>
+          <a:p>
+            <a:fld id="{4DBC7FC8-25FB-FC45-8177-2B991DA6778C}" type="slidenum">
+              <a:rPr lang="en-US" smtClean="0"/>
+              <a:t>8</a:t>
+            </a:fld>
+            <a:endParaRPr lang="en-US"/>
           </a:p>
         </p:txBody>
       </p:sp>
@@ -7924,7 +10073,7 @@
           <a:effectLst/>
           <a:extLst>
             <a:ext uri="{91240B29-F687-4f45-9708-019B960494DF}">
-              <a14:hiddenLine xmlns:a14="http://schemas.microsoft.com/office/drawing/2010/main" xmlns="" w="9525">
+              <a14:hiddenLine xmlns="" xmlns:a14="http://schemas.microsoft.com/office/drawing/2010/main" w="9525">
                 <a:solidFill>
                   <a:schemeClr val="tx1"/>
                 </a:solidFill>
@@ -7934,7 +10083,7 @@
               </a14:hiddenLine>
             </a:ext>
             <a:ext uri="{AF507438-7753-43e0-B8FC-AC1667EBCBE1}">
-              <a14:hiddenEffects xmlns:a14="http://schemas.microsoft.com/office/drawing/2010/main" xmlns="">
+              <a14:hiddenEffects xmlns="" xmlns:a14="http://schemas.microsoft.com/office/drawing/2010/main">
                 <a:effectLst>
                   <a:outerShdw dist="35921" dir="2700000" algn="ctr" rotWithShape="0">
                     <a:schemeClr val="bg2"/>
@@ -8155,7 +10304,7 @@
                 </a:solidFill>
                 <a:effectLst/>
                 <a:latin typeface="Helvetica Neue"/>
-                <a:hlinkClick r:id="rId3"/>
+                <a:hlinkClick r:id="rId2"/>
               </a:rPr>
               <a:t>Creative Commons Attribution-</a:t>
             </a:r>
@@ -8169,7 +10318,7 @@
                 </a:solidFill>
                 <a:effectLst/>
                 <a:latin typeface="Helvetica Neue"/>
-                <a:hlinkClick r:id="rId3"/>
+                <a:hlinkClick r:id="rId2"/>
               </a:rPr>
               <a:t>NonCommercial</a:t>
             </a:r>
@@ -8183,7 +10332,7 @@
                 </a:solidFill>
                 <a:effectLst/>
                 <a:latin typeface="Helvetica Neue"/>
-                <a:hlinkClick r:id="rId3"/>
+                <a:hlinkClick r:id="rId2"/>
               </a:rPr>
               <a:t>-</a:t>
             </a:r>
@@ -8197,7 +10346,7 @@
                 </a:solidFill>
                 <a:effectLst/>
                 <a:latin typeface="Helvetica Neue"/>
-                <a:hlinkClick r:id="rId3"/>
+                <a:hlinkClick r:id="rId2"/>
               </a:rPr>
               <a:t>ShareAlike</a:t>
             </a:r>
@@ -8211,7 +10360,7 @@
                 </a:solidFill>
                 <a:effectLst/>
                 <a:latin typeface="Helvetica Neue"/>
-                <a:hlinkClick r:id="rId3"/>
+                <a:hlinkClick r:id="rId2"/>
               </a:rPr>
               <a:t> 4.0 International License</a:t>
             </a:r>
@@ -8256,7 +10405,7 @@
       <p:pic>
         <p:nvPicPr>
           <p:cNvPr id="2050" name="Picture 2" descr="Creative Commons License">
-            <a:hlinkClick r:id="rId3"/>
+            <a:hlinkClick r:id="rId2"/>
           </p:cNvPr>
           <p:cNvPicPr>
             <a:picLocks noChangeAspect="1" noChangeArrowheads="1"/>
@@ -8264,7 +10413,7 @@
           <p:nvPr/>
         </p:nvPicPr>
         <p:blipFill>
-          <a:blip r:embed="rId4">
+          <a:blip r:embed="rId3">
             <a:extLst>
               <a:ext uri="{28A0092B-C50C-407E-A947-70E740481C1C}">
                 <a14:useLocalDpi xmlns:a14="http://schemas.microsoft.com/office/drawing/2010/main"/>
@@ -8287,7 +10436,7 @@
           <a:noFill/>
           <a:extLst>
             <a:ext uri="{909E8E84-426E-40dd-AFC4-6F175D3DCCD1}">
-              <a14:hiddenFill xmlns:a14="http://schemas.microsoft.com/office/drawing/2010/main" xmlns="">
+              <a14:hiddenFill xmlns="" xmlns:a14="http://schemas.microsoft.com/office/drawing/2010/main">
                 <a:solidFill>
                   <a:srgbClr val="FFFFFF"/>
                 </a:solidFill>
@@ -8296,29 +10445,6 @@
           </a:extLst>
         </p:spPr>
       </p:pic>
-      <p:sp>
-        <p:nvSpPr>
-          <p:cNvPr id="9" name="Slide Number Placeholder 8"/>
-          <p:cNvSpPr>
-            <a:spLocks noGrp="1"/>
-          </p:cNvSpPr>
-          <p:nvPr>
-            <p:ph type="sldNum" sz="quarter" idx="12"/>
-          </p:nvPr>
-        </p:nvSpPr>
-        <p:spPr/>
-        <p:txBody>
-          <a:bodyPr/>
-          <a:lstStyle/>
-          <a:p>
-            <a:fld id="{4DBC7FC8-25FB-FC45-8177-2B991DA6778C}" type="slidenum">
-              <a:rPr lang="en-US" smtClean="0"/>
-              <a:t>9</a:t>
-            </a:fld>
-            <a:endParaRPr lang="en-US"/>
-          </a:p>
-        </p:txBody>
-      </p:sp>
     </p:spTree>
     <p:extLst>
       <p:ext uri="{BB962C8B-B14F-4D97-AF65-F5344CB8AC3E}">
@@ -8340,7 +10466,7 @@
 </file>
 
 <file path=ppt/theme/theme1.xml><?xml version="1.0" encoding="utf-8"?>
-<a:theme xmlns:a="http://schemas.openxmlformats.org/drawingml/2006/main" name="Essential">
+<a:theme xmlns:a="http://schemas.openxmlformats.org/drawingml/2006/main" name="beginner">
   <a:themeElements>
     <a:clrScheme name="Essential">
       <a:dk1>
@@ -8589,11 +10715,16 @@
   </a:themeElements>
   <a:objectDefaults/>
   <a:extraClrSchemeLst/>
+  <a:extLst>
+    <a:ext uri="{05A4C25C-085E-4340-85A3-A5531E510DB2}">
+      <thm15:themeFamily xmlns:thm15="http://schemas.microsoft.com/office/thememl/2012/main" name="beginner" id="{2CEFEB64-C992-CF42-AC34-A2A7B15E4CF5}" vid="{484731AA-B6D9-C841-B3ED-40BE794FD840}"/>
+    </a:ext>
+  </a:extLst>
 </a:theme>
 </file>
 
 <file path=ppt/theme/theme2.xml><?xml version="1.0" encoding="utf-8"?>
-<a:theme xmlns:a="http://schemas.openxmlformats.org/drawingml/2006/main" name="Office Theme">
+<a:theme xmlns:a="http://schemas.openxmlformats.org/drawingml/2006/main" name="Custom Design">
   <a:themeElements>
     <a:clrScheme name="Office">
       <a:dk1>
@@ -8603,39 +10734,39 @@
         <a:sysClr val="window" lastClr="FFFFFF"/>
       </a:lt1>
       <a:dk2>
-        <a:srgbClr val="1F497D"/>
+        <a:srgbClr val="44546A"/>
       </a:dk2>
       <a:lt2>
-        <a:srgbClr val="EEECE1"/>
+        <a:srgbClr val="E7E6E6"/>
       </a:lt2>
       <a:accent1>
-        <a:srgbClr val="4F81BD"/>
+        <a:srgbClr val="5B9BD5"/>
       </a:accent1>
       <a:accent2>
-        <a:srgbClr val="C0504D"/>
+        <a:srgbClr val="ED7D31"/>
       </a:accent2>
       <a:accent3>
-        <a:srgbClr val="9BBB59"/>
+        <a:srgbClr val="A5A5A5"/>
       </a:accent3>
       <a:accent4>
-        <a:srgbClr val="8064A2"/>
+        <a:srgbClr val="FFC000"/>
       </a:accent4>
       <a:accent5>
-        <a:srgbClr val="4BACC6"/>
+        <a:srgbClr val="4472C4"/>
       </a:accent5>
       <a:accent6>
-        <a:srgbClr val="F79646"/>
+        <a:srgbClr val="70AD47"/>
       </a:accent6>
       <a:hlink>
-        <a:srgbClr val="0000FF"/>
+        <a:srgbClr val="0563C1"/>
       </a:hlink>
       <a:folHlink>
-        <a:srgbClr val="800080"/>
+        <a:srgbClr val="954F72"/>
       </a:folHlink>
     </a:clrScheme>
     <a:fontScheme name="Office">
       <a:majorFont>
-        <a:latin typeface="Calibri"/>
+        <a:latin typeface="Calibri Light"/>
         <a:ea typeface=""/>
         <a:cs typeface=""/>
         <a:font script="Jpan" typeface="ＭＳ Ｐゴシック"/>
@@ -8714,201 +10845,142 @@
           <a:gsLst>
             <a:gs pos="0">
               <a:schemeClr val="phClr">
-                <a:tint val="50000"/>
-                <a:satMod val="300000"/>
+                <a:lumMod val="110000"/>
+                <a:satMod val="105000"/>
+                <a:tint val="67000"/>
               </a:schemeClr>
             </a:gs>
-            <a:gs pos="35000">
+            <a:gs pos="50000">
               <a:schemeClr val="phClr">
-                <a:tint val="37000"/>
-                <a:satMod val="300000"/>
+                <a:lumMod val="105000"/>
+                <a:satMod val="103000"/>
+                <a:tint val="73000"/>
               </a:schemeClr>
             </a:gs>
             <a:gs pos="100000">
               <a:schemeClr val="phClr">
-                <a:tint val="15000"/>
-                <a:satMod val="350000"/>
+                <a:lumMod val="105000"/>
+                <a:satMod val="109000"/>
+                <a:tint val="81000"/>
               </a:schemeClr>
             </a:gs>
           </a:gsLst>
-          <a:lin ang="16200000" scaled="1"/>
+          <a:lin ang="5400000" scaled="0"/>
         </a:gradFill>
         <a:gradFill rotWithShape="1">
           <a:gsLst>
             <a:gs pos="0">
               <a:schemeClr val="phClr">
-                <a:tint val="100000"/>
+                <a:satMod val="103000"/>
+                <a:lumMod val="102000"/>
+                <a:tint val="94000"/>
+              </a:schemeClr>
+            </a:gs>
+            <a:gs pos="50000">
+              <a:schemeClr val="phClr">
+                <a:satMod val="110000"/>
+                <a:lumMod val="100000"/>
                 <a:shade val="100000"/>
-                <a:satMod val="130000"/>
               </a:schemeClr>
             </a:gs>
             <a:gs pos="100000">
               <a:schemeClr val="phClr">
-                <a:tint val="50000"/>
-                <a:shade val="100000"/>
-                <a:satMod val="350000"/>
+                <a:lumMod val="99000"/>
+                <a:satMod val="120000"/>
+                <a:shade val="78000"/>
               </a:schemeClr>
             </a:gs>
           </a:gsLst>
-          <a:lin ang="16200000" scaled="0"/>
+          <a:lin ang="5400000" scaled="0"/>
         </a:gradFill>
       </a:fillStyleLst>
       <a:lnStyleLst>
-        <a:ln w="9525" cap="flat" cmpd="sng" algn="ctr">
-          <a:solidFill>
-            <a:schemeClr val="phClr">
-              <a:shade val="95000"/>
-              <a:satMod val="105000"/>
-            </a:schemeClr>
-          </a:solidFill>
-          <a:prstDash val="solid"/>
-        </a:ln>
-        <a:ln w="25400" cap="flat" cmpd="sng" algn="ctr">
+        <a:ln w="6350" cap="flat" cmpd="sng" algn="ctr">
           <a:solidFill>
             <a:schemeClr val="phClr"/>
           </a:solidFill>
           <a:prstDash val="solid"/>
+          <a:miter lim="800000"/>
         </a:ln>
-        <a:ln w="38100" cap="flat" cmpd="sng" algn="ctr">
+        <a:ln w="12700" cap="flat" cmpd="sng" algn="ctr">
           <a:solidFill>
             <a:schemeClr val="phClr"/>
           </a:solidFill>
           <a:prstDash val="solid"/>
+          <a:miter lim="800000"/>
+        </a:ln>
+        <a:ln w="19050" cap="flat" cmpd="sng" algn="ctr">
+          <a:solidFill>
+            <a:schemeClr val="phClr"/>
+          </a:solidFill>
+          <a:prstDash val="solid"/>
+          <a:miter lim="800000"/>
         </a:ln>
       </a:lnStyleLst>
       <a:effectStyleLst>
         <a:effectStyle>
+          <a:effectLst/>
+        </a:effectStyle>
+        <a:effectStyle>
+          <a:effectLst/>
+        </a:effectStyle>
+        <a:effectStyle>
           <a:effectLst>
-            <a:outerShdw blurRad="40000" dist="20000" dir="5400000" rotWithShape="0">
+            <a:outerShdw blurRad="57150" dist="19050" dir="5400000" algn="ctr" rotWithShape="0">
               <a:srgbClr val="000000">
-                <a:alpha val="38000"/>
+                <a:alpha val="63000"/>
               </a:srgbClr>
             </a:outerShdw>
           </a:effectLst>
-        </a:effectStyle>
-        <a:effectStyle>
-          <a:effectLst>
-            <a:outerShdw blurRad="40000" dist="23000" dir="5400000" rotWithShape="0">
-              <a:srgbClr val="000000">
-                <a:alpha val="35000"/>
-              </a:srgbClr>
-            </a:outerShdw>
-          </a:effectLst>
-        </a:effectStyle>
-        <a:effectStyle>
-          <a:effectLst>
-            <a:outerShdw blurRad="40000" dist="23000" dir="5400000" rotWithShape="0">
-              <a:srgbClr val="000000">
-                <a:alpha val="35000"/>
-              </a:srgbClr>
-            </a:outerShdw>
-          </a:effectLst>
-          <a:scene3d>
-            <a:camera prst="orthographicFront">
-              <a:rot lat="0" lon="0" rev="0"/>
-            </a:camera>
-            <a:lightRig rig="threePt" dir="t">
-              <a:rot lat="0" lon="0" rev="1200000"/>
-            </a:lightRig>
-          </a:scene3d>
-          <a:sp3d>
-            <a:bevelT w="63500" h="25400"/>
-          </a:sp3d>
         </a:effectStyle>
       </a:effectStyleLst>
       <a:bgFillStyleLst>
         <a:solidFill>
           <a:schemeClr val="phClr"/>
         </a:solidFill>
+        <a:solidFill>
+          <a:schemeClr val="phClr">
+            <a:tint val="95000"/>
+            <a:satMod val="170000"/>
+          </a:schemeClr>
+        </a:solidFill>
         <a:gradFill rotWithShape="1">
           <a:gsLst>
             <a:gs pos="0">
               <a:schemeClr val="phClr">
-                <a:tint val="40000"/>
-                <a:satMod val="350000"/>
+                <a:tint val="93000"/>
+                <a:satMod val="150000"/>
+                <a:shade val="98000"/>
+                <a:lumMod val="102000"/>
               </a:schemeClr>
             </a:gs>
-            <a:gs pos="40000">
+            <a:gs pos="50000">
               <a:schemeClr val="phClr">
-                <a:tint val="45000"/>
-                <a:shade val="99000"/>
-                <a:satMod val="350000"/>
+                <a:tint val="98000"/>
+                <a:satMod val="130000"/>
+                <a:shade val="90000"/>
+                <a:lumMod val="103000"/>
               </a:schemeClr>
             </a:gs>
             <a:gs pos="100000">
               <a:schemeClr val="phClr">
-                <a:shade val="20000"/>
-                <a:satMod val="255000"/>
+                <a:shade val="63000"/>
+                <a:satMod val="120000"/>
               </a:schemeClr>
             </a:gs>
           </a:gsLst>
-          <a:path path="circle">
-            <a:fillToRect l="50000" t="-80000" r="50000" b="180000"/>
-          </a:path>
-        </a:gradFill>
-        <a:gradFill rotWithShape="1">
-          <a:gsLst>
-            <a:gs pos="0">
-              <a:schemeClr val="phClr">
-                <a:tint val="80000"/>
-                <a:satMod val="300000"/>
-              </a:schemeClr>
-            </a:gs>
-            <a:gs pos="100000">
-              <a:schemeClr val="phClr">
-                <a:shade val="30000"/>
-                <a:satMod val="200000"/>
-              </a:schemeClr>
-            </a:gs>
-          </a:gsLst>
-          <a:path path="circle">
-            <a:fillToRect l="50000" t="50000" r="50000" b="50000"/>
-          </a:path>
+          <a:lin ang="5400000" scaled="0"/>
         </a:gradFill>
       </a:bgFillStyleLst>
     </a:fmtScheme>
   </a:themeElements>
-  <a:objectDefaults>
-    <a:spDef>
-      <a:spPr/>
-      <a:bodyPr/>
-      <a:lstStyle/>
-      <a:style>
-        <a:lnRef idx="1">
-          <a:schemeClr val="accent1"/>
-        </a:lnRef>
-        <a:fillRef idx="3">
-          <a:schemeClr val="accent1"/>
-        </a:fillRef>
-        <a:effectRef idx="2">
-          <a:schemeClr val="accent1"/>
-        </a:effectRef>
-        <a:fontRef idx="minor">
-          <a:schemeClr val="lt1"/>
-        </a:fontRef>
-      </a:style>
-    </a:spDef>
-    <a:lnDef>
-      <a:spPr/>
-      <a:bodyPr/>
-      <a:lstStyle/>
-      <a:style>
-        <a:lnRef idx="2">
-          <a:schemeClr val="accent1"/>
-        </a:lnRef>
-        <a:fillRef idx="0">
-          <a:schemeClr val="accent1"/>
-        </a:fillRef>
-        <a:effectRef idx="1">
-          <a:schemeClr val="accent1"/>
-        </a:effectRef>
-        <a:fontRef idx="minor">
-          <a:schemeClr val="tx1"/>
-        </a:fontRef>
-      </a:style>
-    </a:lnDef>
-  </a:objectDefaults>
+  <a:objectDefaults/>
   <a:extraClrSchemeLst/>
+  <a:extLst>
+    <a:ext uri="{05A4C25C-085E-4340-85A3-A5531E510DB2}">
+      <thm15:themeFamily xmlns:thm15="http://schemas.microsoft.com/office/thememl/2012/main" name="Office Theme" id="{62F939B6-93AF-4DB8-9C6B-D6C7DFDC589F}" vid="{4A3C46E8-61CC-4603-A589-7422A47A8E4A}"/>
+    </a:ext>
+  </a:extLst>
 </a:theme>
 </file>
 
@@ -9230,4 +11302,324 @@
   </a:objectDefaults>
   <a:extraClrSchemeLst/>
 </a:theme>
+</file>
+
+<file path=ppt/theme/theme4.xml><?xml version="1.0" encoding="utf-8"?>
+<a:theme xmlns:a="http://schemas.openxmlformats.org/drawingml/2006/main" name="Office Theme">
+  <a:themeElements>
+    <a:clrScheme name="Office">
+      <a:dk1>
+        <a:sysClr val="windowText" lastClr="000000"/>
+      </a:dk1>
+      <a:lt1>
+        <a:sysClr val="window" lastClr="FFFFFF"/>
+      </a:lt1>
+      <a:dk2>
+        <a:srgbClr val="1F497D"/>
+      </a:dk2>
+      <a:lt2>
+        <a:srgbClr val="EEECE1"/>
+      </a:lt2>
+      <a:accent1>
+        <a:srgbClr val="4F81BD"/>
+      </a:accent1>
+      <a:accent2>
+        <a:srgbClr val="C0504D"/>
+      </a:accent2>
+      <a:accent3>
+        <a:srgbClr val="9BBB59"/>
+      </a:accent3>
+      <a:accent4>
+        <a:srgbClr val="8064A2"/>
+      </a:accent4>
+      <a:accent5>
+        <a:srgbClr val="4BACC6"/>
+      </a:accent5>
+      <a:accent6>
+        <a:srgbClr val="F79646"/>
+      </a:accent6>
+      <a:hlink>
+        <a:srgbClr val="0000FF"/>
+      </a:hlink>
+      <a:folHlink>
+        <a:srgbClr val="800080"/>
+      </a:folHlink>
+    </a:clrScheme>
+    <a:fontScheme name="Office">
+      <a:majorFont>
+        <a:latin typeface="Calibri"/>
+        <a:ea typeface=""/>
+        <a:cs typeface=""/>
+        <a:font script="Jpan" typeface="ＭＳ Ｐゴシック"/>
+        <a:font script="Hang" typeface="맑은 고딕"/>
+        <a:font script="Hans" typeface="宋体"/>
+        <a:font script="Hant" typeface="新細明體"/>
+        <a:font script="Arab" typeface="Times New Roman"/>
+        <a:font script="Hebr" typeface="Times New Roman"/>
+        <a:font script="Thai" typeface="Angsana New"/>
+        <a:font script="Ethi" typeface="Nyala"/>
+        <a:font script="Beng" typeface="Vrinda"/>
+        <a:font script="Gujr" typeface="Shruti"/>
+        <a:font script="Khmr" typeface="MoolBoran"/>
+        <a:font script="Knda" typeface="Tunga"/>
+        <a:font script="Guru" typeface="Raavi"/>
+        <a:font script="Cans" typeface="Euphemia"/>
+        <a:font script="Cher" typeface="Plantagenet Cherokee"/>
+        <a:font script="Yiii" typeface="Microsoft Yi Baiti"/>
+        <a:font script="Tibt" typeface="Microsoft Himalaya"/>
+        <a:font script="Thaa" typeface="MV Boli"/>
+        <a:font script="Deva" typeface="Mangal"/>
+        <a:font script="Telu" typeface="Gautami"/>
+        <a:font script="Taml" typeface="Latha"/>
+        <a:font script="Syrc" typeface="Estrangelo Edessa"/>
+        <a:font script="Orya" typeface="Kalinga"/>
+        <a:font script="Mlym" typeface="Kartika"/>
+        <a:font script="Laoo" typeface="DokChampa"/>
+        <a:font script="Sinh" typeface="Iskoola Pota"/>
+        <a:font script="Mong" typeface="Mongolian Baiti"/>
+        <a:font script="Viet" typeface="Times New Roman"/>
+        <a:font script="Uigh" typeface="Microsoft Uighur"/>
+        <a:font script="Geor" typeface="Sylfaen"/>
+      </a:majorFont>
+      <a:minorFont>
+        <a:latin typeface="Calibri"/>
+        <a:ea typeface=""/>
+        <a:cs typeface=""/>
+        <a:font script="Jpan" typeface="ＭＳ Ｐゴシック"/>
+        <a:font script="Hang" typeface="맑은 고딕"/>
+        <a:font script="Hans" typeface="宋体"/>
+        <a:font script="Hant" typeface="新細明體"/>
+        <a:font script="Arab" typeface="Arial"/>
+        <a:font script="Hebr" typeface="Arial"/>
+        <a:font script="Thai" typeface="Cordia New"/>
+        <a:font script="Ethi" typeface="Nyala"/>
+        <a:font script="Beng" typeface="Vrinda"/>
+        <a:font script="Gujr" typeface="Shruti"/>
+        <a:font script="Khmr" typeface="DaunPenh"/>
+        <a:font script="Knda" typeface="Tunga"/>
+        <a:font script="Guru" typeface="Raavi"/>
+        <a:font script="Cans" typeface="Euphemia"/>
+        <a:font script="Cher" typeface="Plantagenet Cherokee"/>
+        <a:font script="Yiii" typeface="Microsoft Yi Baiti"/>
+        <a:font script="Tibt" typeface="Microsoft Himalaya"/>
+        <a:font script="Thaa" typeface="MV Boli"/>
+        <a:font script="Deva" typeface="Mangal"/>
+        <a:font script="Telu" typeface="Gautami"/>
+        <a:font script="Taml" typeface="Latha"/>
+        <a:font script="Syrc" typeface="Estrangelo Edessa"/>
+        <a:font script="Orya" typeface="Kalinga"/>
+        <a:font script="Mlym" typeface="Kartika"/>
+        <a:font script="Laoo" typeface="DokChampa"/>
+        <a:font script="Sinh" typeface="Iskoola Pota"/>
+        <a:font script="Mong" typeface="Mongolian Baiti"/>
+        <a:font script="Viet" typeface="Arial"/>
+        <a:font script="Uigh" typeface="Microsoft Uighur"/>
+        <a:font script="Geor" typeface="Sylfaen"/>
+      </a:minorFont>
+    </a:fontScheme>
+    <a:fmtScheme name="Office">
+      <a:fillStyleLst>
+        <a:solidFill>
+          <a:schemeClr val="phClr"/>
+        </a:solidFill>
+        <a:gradFill rotWithShape="1">
+          <a:gsLst>
+            <a:gs pos="0">
+              <a:schemeClr val="phClr">
+                <a:tint val="50000"/>
+                <a:satMod val="300000"/>
+              </a:schemeClr>
+            </a:gs>
+            <a:gs pos="35000">
+              <a:schemeClr val="phClr">
+                <a:tint val="37000"/>
+                <a:satMod val="300000"/>
+              </a:schemeClr>
+            </a:gs>
+            <a:gs pos="100000">
+              <a:schemeClr val="phClr">
+                <a:tint val="15000"/>
+                <a:satMod val="350000"/>
+              </a:schemeClr>
+            </a:gs>
+          </a:gsLst>
+          <a:lin ang="16200000" scaled="1"/>
+        </a:gradFill>
+        <a:gradFill rotWithShape="1">
+          <a:gsLst>
+            <a:gs pos="0">
+              <a:schemeClr val="phClr">
+                <a:tint val="100000"/>
+                <a:shade val="100000"/>
+                <a:satMod val="130000"/>
+              </a:schemeClr>
+            </a:gs>
+            <a:gs pos="100000">
+              <a:schemeClr val="phClr">
+                <a:tint val="50000"/>
+                <a:shade val="100000"/>
+                <a:satMod val="350000"/>
+              </a:schemeClr>
+            </a:gs>
+          </a:gsLst>
+          <a:lin ang="16200000" scaled="0"/>
+        </a:gradFill>
+      </a:fillStyleLst>
+      <a:lnStyleLst>
+        <a:ln w="9525" cap="flat" cmpd="sng" algn="ctr">
+          <a:solidFill>
+            <a:schemeClr val="phClr">
+              <a:shade val="95000"/>
+              <a:satMod val="105000"/>
+            </a:schemeClr>
+          </a:solidFill>
+          <a:prstDash val="solid"/>
+        </a:ln>
+        <a:ln w="25400" cap="flat" cmpd="sng" algn="ctr">
+          <a:solidFill>
+            <a:schemeClr val="phClr"/>
+          </a:solidFill>
+          <a:prstDash val="solid"/>
+        </a:ln>
+        <a:ln w="38100" cap="flat" cmpd="sng" algn="ctr">
+          <a:solidFill>
+            <a:schemeClr val="phClr"/>
+          </a:solidFill>
+          <a:prstDash val="solid"/>
+        </a:ln>
+      </a:lnStyleLst>
+      <a:effectStyleLst>
+        <a:effectStyle>
+          <a:effectLst>
+            <a:outerShdw blurRad="40000" dist="20000" dir="5400000" rotWithShape="0">
+              <a:srgbClr val="000000">
+                <a:alpha val="38000"/>
+              </a:srgbClr>
+            </a:outerShdw>
+          </a:effectLst>
+        </a:effectStyle>
+        <a:effectStyle>
+          <a:effectLst>
+            <a:outerShdw blurRad="40000" dist="23000" dir="5400000" rotWithShape="0">
+              <a:srgbClr val="000000">
+                <a:alpha val="35000"/>
+              </a:srgbClr>
+            </a:outerShdw>
+          </a:effectLst>
+        </a:effectStyle>
+        <a:effectStyle>
+          <a:effectLst>
+            <a:outerShdw blurRad="40000" dist="23000" dir="5400000" rotWithShape="0">
+              <a:srgbClr val="000000">
+                <a:alpha val="35000"/>
+              </a:srgbClr>
+            </a:outerShdw>
+          </a:effectLst>
+          <a:scene3d>
+            <a:camera prst="orthographicFront">
+              <a:rot lat="0" lon="0" rev="0"/>
+            </a:camera>
+            <a:lightRig rig="threePt" dir="t">
+              <a:rot lat="0" lon="0" rev="1200000"/>
+            </a:lightRig>
+          </a:scene3d>
+          <a:sp3d>
+            <a:bevelT w="63500" h="25400"/>
+          </a:sp3d>
+        </a:effectStyle>
+      </a:effectStyleLst>
+      <a:bgFillStyleLst>
+        <a:solidFill>
+          <a:schemeClr val="phClr"/>
+        </a:solidFill>
+        <a:gradFill rotWithShape="1">
+          <a:gsLst>
+            <a:gs pos="0">
+              <a:schemeClr val="phClr">
+                <a:tint val="40000"/>
+                <a:satMod val="350000"/>
+              </a:schemeClr>
+            </a:gs>
+            <a:gs pos="40000">
+              <a:schemeClr val="phClr">
+                <a:tint val="45000"/>
+                <a:shade val="99000"/>
+                <a:satMod val="350000"/>
+              </a:schemeClr>
+            </a:gs>
+            <a:gs pos="100000">
+              <a:schemeClr val="phClr">
+                <a:shade val="20000"/>
+                <a:satMod val="255000"/>
+              </a:schemeClr>
+            </a:gs>
+          </a:gsLst>
+          <a:path path="circle">
+            <a:fillToRect l="50000" t="-80000" r="50000" b="180000"/>
+          </a:path>
+        </a:gradFill>
+        <a:gradFill rotWithShape="1">
+          <a:gsLst>
+            <a:gs pos="0">
+              <a:schemeClr val="phClr">
+                <a:tint val="80000"/>
+                <a:satMod val="300000"/>
+              </a:schemeClr>
+            </a:gs>
+            <a:gs pos="100000">
+              <a:schemeClr val="phClr">
+                <a:shade val="30000"/>
+                <a:satMod val="200000"/>
+              </a:schemeClr>
+            </a:gs>
+          </a:gsLst>
+          <a:path path="circle">
+            <a:fillToRect l="50000" t="50000" r="50000" b="50000"/>
+          </a:path>
+        </a:gradFill>
+      </a:bgFillStyleLst>
+    </a:fmtScheme>
+  </a:themeElements>
+  <a:objectDefaults>
+    <a:spDef>
+      <a:spPr/>
+      <a:bodyPr/>
+      <a:lstStyle/>
+      <a:style>
+        <a:lnRef idx="1">
+          <a:schemeClr val="accent1"/>
+        </a:lnRef>
+        <a:fillRef idx="3">
+          <a:schemeClr val="accent1"/>
+        </a:fillRef>
+        <a:effectRef idx="2">
+          <a:schemeClr val="accent1"/>
+        </a:effectRef>
+        <a:fontRef idx="minor">
+          <a:schemeClr val="lt1"/>
+        </a:fontRef>
+      </a:style>
+    </a:spDef>
+    <a:lnDef>
+      <a:spPr/>
+      <a:bodyPr/>
+      <a:lstStyle/>
+      <a:style>
+        <a:lnRef idx="2">
+          <a:schemeClr val="accent1"/>
+        </a:lnRef>
+        <a:fillRef idx="0">
+          <a:schemeClr val="accent1"/>
+        </a:fillRef>
+        <a:effectRef idx="1">
+          <a:schemeClr val="accent1"/>
+        </a:effectRef>
+        <a:fontRef idx="minor">
+          <a:schemeClr val="tx1"/>
+        </a:fontRef>
+      </a:style>
+    </a:lnDef>
+  </a:objectDefaults>
+  <a:extraClrSchemeLst/>
+</a:theme>
 </file>
--- a/translations/en-us/beginner/PortView.pptx
+++ b/translations/en-us/beginner/PortView.pptx
@@ -219,7 +219,7 @@
           <a:p>
             <a:fld id="{F8D9B3D7-15CB-9343-AA49-EFB5A8F33F18}" type="datetimeFigureOut">
               <a:rPr lang="en-US" smtClean="0"/>
-              <a:t>7/4/16</a:t>
+              <a:t>7/19/16</a:t>
             </a:fld>
             <a:endParaRPr lang="en-US"/>
           </a:p>
@@ -385,7 +385,7 @@
           <a:p>
             <a:fld id="{FD3EFF1E-85A1-6640-AFB9-C38833E80A84}" type="datetimeFigureOut">
               <a:rPr lang="en-US" smtClean="0"/>
-              <a:t>7/4/16</a:t>
+              <a:t>7/19/16</a:t>
             </a:fld>
             <a:endParaRPr lang="en-US"/>
           </a:p>
@@ -1058,7 +1058,7 @@
           <a:p>
             <a:fld id="{5B02A542-A347-7C4E-84B7-C69E7B921E8E}" type="datetime1">
               <a:rPr lang="en-US" smtClean="0"/>
-              <a:t>7/4/16</a:t>
+              <a:t>7/19/16</a:t>
             </a:fld>
             <a:endParaRPr lang="en-US"/>
           </a:p>
@@ -1277,7 +1277,7 @@
           <a:noFill/>
           <a:extLst>
             <a:ext uri="{909E8E84-426E-40dd-AFC4-6F175D3DCCD1}">
-              <a14:hiddenFill xmlns="" xmlns:a14="http://schemas.microsoft.com/office/drawing/2010/main">
+              <a14:hiddenFill xmlns:a14="http://schemas.microsoft.com/office/drawing/2010/main" xmlns="">
                 <a:solidFill>
                   <a:srgbClr val="FFFFFF"/>
                 </a:solidFill>
@@ -1620,7 +1620,7 @@
           <a:p>
             <a:fld id="{D870FF91-69EB-A04C-9075-744B7A39257F}" type="datetime1">
               <a:rPr lang="en-US" smtClean="0"/>
-              <a:t>7/4/16</a:t>
+              <a:t>7/19/16</a:t>
             </a:fld>
             <a:endParaRPr lang="en-US"/>
           </a:p>
@@ -1812,7 +1812,7 @@
           <a:p>
             <a:fld id="{C5531555-486E-2642-8608-DCAD4EE13C81}" type="datetime1">
               <a:rPr lang="en-US" smtClean="0"/>
-              <a:t>7/4/16</a:t>
+              <a:t>7/19/16</a:t>
             </a:fld>
             <a:endParaRPr lang="en-US"/>
           </a:p>
@@ -2016,7 +2016,7 @@
           <a:p>
             <a:fld id="{FCA57077-4167-6949-9D33-F7A9E1AAFA08}" type="datetime1">
               <a:rPr lang="en-US" smtClean="0"/>
-              <a:t>7/4/16</a:t>
+              <a:t>7/19/16</a:t>
             </a:fld>
             <a:endParaRPr lang="en-US"/>
           </a:p>
@@ -2190,7 +2190,7 @@
           <a:p>
             <a:fld id="{9259E369-0BA0-8946-82A6-1B094D310696}" type="datetime1">
               <a:rPr lang="en-US" smtClean="0"/>
-              <a:t>7/4/16</a:t>
+              <a:t>7/19/16</a:t>
             </a:fld>
             <a:endParaRPr lang="en-US"/>
           </a:p>
@@ -2440,7 +2440,7 @@
           <a:p>
             <a:fld id="{53EA75C8-F4B1-E544-9592-442E77C43C21}" type="datetime1">
               <a:rPr lang="en-US" smtClean="0"/>
-              <a:t>7/4/16</a:t>
+              <a:t>7/19/16</a:t>
             </a:fld>
             <a:endParaRPr lang="en-US"/>
           </a:p>
@@ -2676,7 +2676,7 @@
           <a:p>
             <a:fld id="{54BF948A-5BE3-0548-8A28-B877469D6A67}" type="datetime1">
               <a:rPr lang="en-US" smtClean="0"/>
-              <a:t>7/4/16</a:t>
+              <a:t>7/19/16</a:t>
             </a:fld>
             <a:endParaRPr lang="en-US"/>
           </a:p>
@@ -3047,7 +3047,7 @@
           <a:p>
             <a:fld id="{1E4D454C-2257-D84E-B008-E3BB674E6B5D}" type="datetime1">
               <a:rPr lang="en-US" smtClean="0"/>
-              <a:t>7/4/16</a:t>
+              <a:t>7/19/16</a:t>
             </a:fld>
             <a:endParaRPr lang="en-US"/>
           </a:p>
@@ -3169,7 +3169,7 @@
           <a:p>
             <a:fld id="{D0BD3D21-4E25-CC4C-836E-91A72F67CF76}" type="datetime1">
               <a:rPr lang="en-US" smtClean="0"/>
-              <a:t>7/4/16</a:t>
+              <a:t>7/19/16</a:t>
             </a:fld>
             <a:endParaRPr lang="en-US"/>
           </a:p>
@@ -3268,7 +3268,7 @@
           <a:p>
             <a:fld id="{3D484E82-94C0-574A-AD63-516EC4B77AC0}" type="datetime1">
               <a:rPr lang="en-US" smtClean="0"/>
-              <a:t>7/4/16</a:t>
+              <a:t>7/19/16</a:t>
             </a:fld>
             <a:endParaRPr lang="en-US"/>
           </a:p>
@@ -3549,7 +3549,7 @@
           <a:p>
             <a:fld id="{ACF324CE-C4E0-C74D-88E6-9C7F8653632D}" type="datetime1">
               <a:rPr lang="en-US" smtClean="0"/>
-              <a:t>7/4/16</a:t>
+              <a:t>7/19/16</a:t>
             </a:fld>
             <a:endParaRPr lang="en-US"/>
           </a:p>
@@ -3733,7 +3733,7 @@
           <a:p>
             <a:fld id="{74CB6894-20E2-714A-8F24-113A73CBAAB1}" type="datetime1">
               <a:rPr lang="en-US" smtClean="0"/>
-              <a:t>7/4/16</a:t>
+              <a:t>7/19/16</a:t>
             </a:fld>
             <a:endParaRPr lang="en-US"/>
           </a:p>
@@ -4009,7 +4009,7 @@
           <a:p>
             <a:fld id="{DA806782-06ED-9A42-A974-A94EE091BE22}" type="datetime1">
               <a:rPr lang="en-US" smtClean="0"/>
-              <a:t>7/4/16</a:t>
+              <a:t>7/19/16</a:t>
             </a:fld>
             <a:endParaRPr lang="en-US"/>
           </a:p>
@@ -4183,7 +4183,7 @@
           <a:p>
             <a:fld id="{59F0C76E-463C-944C-98C5-343991D3A9B0}" type="datetime1">
               <a:rPr lang="en-US" smtClean="0"/>
-              <a:t>7/4/16</a:t>
+              <a:t>7/19/16</a:t>
             </a:fld>
             <a:endParaRPr lang="en-US"/>
           </a:p>
@@ -4367,7 +4367,7 @@
           <a:p>
             <a:fld id="{18B0EB3F-1ED3-464F-AFA5-07CCF3FD7308}" type="datetime1">
               <a:rPr lang="en-US" smtClean="0"/>
-              <a:t>7/4/16</a:t>
+              <a:t>7/19/16</a:t>
             </a:fld>
             <a:endParaRPr lang="en-US"/>
           </a:p>
@@ -4625,7 +4625,7 @@
           <a:p>
             <a:fld id="{1C313BDA-17A9-8749-A339-66F6E8E03A82}" type="datetime1">
               <a:rPr lang="en-US" smtClean="0"/>
-              <a:t>7/4/16</a:t>
+              <a:t>7/19/16</a:t>
             </a:fld>
             <a:endParaRPr lang="en-US"/>
           </a:p>
@@ -4930,7 +4930,7 @@
           <a:p>
             <a:fld id="{26BCD953-9CDD-E641-8DF1-F34622718B00}" type="datetime1">
               <a:rPr lang="en-US" smtClean="0"/>
-              <a:t>7/4/16</a:t>
+              <a:t>7/19/16</a:t>
             </a:fld>
             <a:endParaRPr lang="en-US"/>
           </a:p>
@@ -5393,7 +5393,7 @@
           <a:p>
             <a:fld id="{E3EC1F0C-1782-5F47-BF85-11C088307CCE}" type="datetime1">
               <a:rPr lang="en-US" smtClean="0"/>
-              <a:t>7/4/16</a:t>
+              <a:t>7/19/16</a:t>
             </a:fld>
             <a:endParaRPr lang="en-US"/>
           </a:p>
@@ -5530,7 +5530,7 @@
           <a:p>
             <a:fld id="{BD7B37F7-1EB0-5044-95FC-9842E2636BD0}" type="datetime1">
               <a:rPr lang="en-US" smtClean="0"/>
-              <a:t>7/4/16</a:t>
+              <a:t>7/19/16</a:t>
             </a:fld>
             <a:endParaRPr lang="en-US"/>
           </a:p>
@@ -5644,7 +5644,7 @@
           <a:p>
             <a:fld id="{15137DE7-B9EE-4D40-A0EF-808DD4E7182D}" type="datetime1">
               <a:rPr lang="en-US" smtClean="0"/>
-              <a:t>7/4/16</a:t>
+              <a:t>7/19/16</a:t>
             </a:fld>
             <a:endParaRPr lang="en-US"/>
           </a:p>
@@ -5903,7 +5903,7 @@
           <a:p>
             <a:fld id="{CB2395F5-5978-9540-BD24-F2F9C0B9FCBE}" type="datetime1">
               <a:rPr lang="en-US" smtClean="0"/>
-              <a:t>7/4/16</a:t>
+              <a:t>7/19/16</a:t>
             </a:fld>
             <a:endParaRPr lang="en-US"/>
           </a:p>
@@ -6214,7 +6214,7 @@
           <a:p>
             <a:fld id="{7353B662-E131-CF46-AFCD-B12B87E9F76A}" type="datetime1">
               <a:rPr lang="en-US" smtClean="0"/>
-              <a:t>7/4/16</a:t>
+              <a:t>7/19/16</a:t>
             </a:fld>
             <a:endParaRPr lang="en-US"/>
           </a:p>
@@ -6525,7 +6525,7 @@
           <a:p>
             <a:fld id="{4C388A24-F5D9-8F4C-8800-3F9D2728CE6D}" type="datetime1">
               <a:rPr lang="en-US" smtClean="0"/>
-              <a:t>7/4/16</a:t>
+              <a:t>7/19/16</a:t>
             </a:fld>
             <a:endParaRPr lang="en-US"/>
           </a:p>
@@ -7311,7 +7311,7 @@
           <a:p>
             <a:fld id="{F4F77908-5A09-BB4F-859F-0387F355CD29}" type="datetime1">
               <a:rPr lang="en-US" smtClean="0"/>
-              <a:t>7/4/16</a:t>
+              <a:t>7/19/16</a:t>
             </a:fld>
             <a:endParaRPr lang="en-US"/>
           </a:p>
@@ -7768,6 +7768,35 @@
           </a:p>
         </p:txBody>
       </p:sp>
+      <p:pic>
+        <p:nvPicPr>
+          <p:cNvPr id="4" name="Picture 3"/>
+          <p:cNvPicPr>
+            <a:picLocks noChangeAspect="1"/>
+          </p:cNvPicPr>
+          <p:nvPr/>
+        </p:nvPicPr>
+        <p:blipFill rotWithShape="1">
+          <a:blip r:embed="rId2">
+            <a:extLst>
+              <a:ext uri="{28A0092B-C50C-407E-A947-70E740481C1C}">
+                <a14:useLocalDpi xmlns:a14="http://schemas.microsoft.com/office/drawing/2010/main" val="0"/>
+              </a:ext>
+            </a:extLst>
+          </a:blip>
+          <a:srcRect l="4523" t="17619" r="3095" b="25000"/>
+          <a:stretch/>
+        </p:blipFill>
+        <p:spPr>
+          <a:xfrm>
+            <a:off x="3711108" y="4592409"/>
+            <a:ext cx="1700816" cy="1056435"/>
+          </a:xfrm>
+          <a:prstGeom prst="rect">
+            <a:avLst/>
+          </a:prstGeom>
+        </p:spPr>
+      </p:pic>
     </p:spTree>
     <p:extLst>
       <p:ext uri="{BB962C8B-B14F-4D97-AF65-F5344CB8AC3E}">
@@ -9988,17 +10017,8 @@
             </a:pPr>
             <a:r>
               <a:rPr lang="en-US" sz="1800" dirty="0" smtClean="0"/>
-              <a:t>More </a:t>
-            </a:r>
-            <a:r>
-              <a:rPr lang="en-US" sz="1800" dirty="0" smtClean="0"/>
-              <a:t>lessons are available at </a:t>
-            </a:r>
-            <a:r>
-              <a:rPr lang="en-US" sz="1800" dirty="0" smtClean="0"/>
-              <a:t>www.ev3lessons.com</a:t>
-            </a:r>
-            <a:endParaRPr lang="en-US" sz="1800" dirty="0" smtClean="0"/>
+              <a:t>More lessons are available at www.ev3lessons.com</a:t>
+            </a:r>
           </a:p>
         </p:txBody>
       </p:sp>
@@ -10073,7 +10093,7 @@
           <a:effectLst/>
           <a:extLst>
             <a:ext uri="{91240B29-F687-4f45-9708-019B960494DF}">
-              <a14:hiddenLine xmlns="" xmlns:a14="http://schemas.microsoft.com/office/drawing/2010/main" w="9525">
+              <a14:hiddenLine xmlns:a14="http://schemas.microsoft.com/office/drawing/2010/main" xmlns="" w="9525">
                 <a:solidFill>
                   <a:schemeClr val="tx1"/>
                 </a:solidFill>
@@ -10083,7 +10103,7 @@
               </a14:hiddenLine>
             </a:ext>
             <a:ext uri="{AF507438-7753-43e0-B8FC-AC1667EBCBE1}">
-              <a14:hiddenEffects xmlns="" xmlns:a14="http://schemas.microsoft.com/office/drawing/2010/main">
+              <a14:hiddenEffects xmlns:a14="http://schemas.microsoft.com/office/drawing/2010/main" xmlns="">
                 <a:effectLst>
                   <a:outerShdw dist="35921" dir="2700000" algn="ctr" rotWithShape="0">
                     <a:schemeClr val="bg2"/>
@@ -10436,7 +10456,7 @@
           <a:noFill/>
           <a:extLst>
             <a:ext uri="{909E8E84-426E-40dd-AFC4-6F175D3DCCD1}">
-              <a14:hiddenFill xmlns="" xmlns:a14="http://schemas.microsoft.com/office/drawing/2010/main">
+              <a14:hiddenFill xmlns:a14="http://schemas.microsoft.com/office/drawing/2010/main" xmlns="">
                 <a:solidFill>
                   <a:srgbClr val="FFFFFF"/>
                 </a:solidFill>
